--- a/Capstone Project/Ecommerce_Capstone_Project.pptx
+++ b/Capstone Project/Ecommerce_Capstone_Project.pptx
@@ -5,7 +5,7 @@
     <p:sldMasterId id="2147483660" r:id="rId1"/>
   </p:sldMasterIdLst>
   <p:notesMasterIdLst>
-    <p:notesMasterId r:id="rId11"/>
+    <p:notesMasterId r:id="rId13"/>
   </p:notesMasterIdLst>
   <p:sldIdLst>
     <p:sldId id="256" r:id="rId2"/>
@@ -15,8 +15,10 @@
     <p:sldId id="339" r:id="rId6"/>
     <p:sldId id="340" r:id="rId7"/>
     <p:sldId id="341" r:id="rId8"/>
-    <p:sldId id="271" r:id="rId9"/>
-    <p:sldId id="334" r:id="rId10"/>
+    <p:sldId id="283" r:id="rId9"/>
+    <p:sldId id="271" r:id="rId10"/>
+    <p:sldId id="286" r:id="rId11"/>
+    <p:sldId id="334" r:id="rId12"/>
   </p:sldIdLst>
   <p:sldSz cx="12192000" cy="6858000"/>
   <p:notesSz cx="6858000" cy="9144000"/>
@@ -208,7 +210,7 @@
           <a:p>
             <a:fld id="{2E309023-AF2B-4043-B228-F191CADC9BB1}" type="datetimeFigureOut">
               <a:rPr lang="en-IN" smtClean="0"/>
-              <a:t>24-09-2018</a:t>
+              <a:t>25-09-2018</a:t>
             </a:fld>
             <a:endParaRPr lang="en-IN"/>
           </a:p>
@@ -607,7 +609,7 @@
           <a:p>
             <a:fld id="{70C018FE-C8D6-4A9C-A702-41F1E0C1C452}" type="datetimeFigureOut">
               <a:rPr lang="en-IN" smtClean="0"/>
-              <a:t>24-09-2018</a:t>
+              <a:t>25-09-2018</a:t>
             </a:fld>
             <a:endParaRPr lang="en-IN"/>
           </a:p>
@@ -777,7 +779,7 @@
           <a:p>
             <a:fld id="{70C018FE-C8D6-4A9C-A702-41F1E0C1C452}" type="datetimeFigureOut">
               <a:rPr lang="en-IN" smtClean="0"/>
-              <a:t>24-09-2018</a:t>
+              <a:t>25-09-2018</a:t>
             </a:fld>
             <a:endParaRPr lang="en-IN"/>
           </a:p>
@@ -957,7 +959,7 @@
           <a:p>
             <a:fld id="{70C018FE-C8D6-4A9C-A702-41F1E0C1C452}" type="datetimeFigureOut">
               <a:rPr lang="en-IN" smtClean="0"/>
-              <a:t>24-09-2018</a:t>
+              <a:t>25-09-2018</a:t>
             </a:fld>
             <a:endParaRPr lang="en-IN"/>
           </a:p>
@@ -1389,7 +1391,7 @@
           <a:p>
             <a:fld id="{70C018FE-C8D6-4A9C-A702-41F1E0C1C452}" type="datetimeFigureOut">
               <a:rPr lang="en-IN" smtClean="0"/>
-              <a:t>24-09-2018</a:t>
+              <a:t>25-09-2018</a:t>
             </a:fld>
             <a:endParaRPr lang="en-IN"/>
           </a:p>
@@ -1621,7 +1623,7 @@
           <a:p>
             <a:fld id="{70C018FE-C8D6-4A9C-A702-41F1E0C1C452}" type="datetimeFigureOut">
               <a:rPr lang="en-IN" smtClean="0"/>
-              <a:t>24-09-2018</a:t>
+              <a:t>25-09-2018</a:t>
             </a:fld>
             <a:endParaRPr lang="en-IN"/>
           </a:p>
@@ -1988,7 +1990,7 @@
           <a:p>
             <a:fld id="{70C018FE-C8D6-4A9C-A702-41F1E0C1C452}" type="datetimeFigureOut">
               <a:rPr lang="en-IN" smtClean="0"/>
-              <a:t>24-09-2018</a:t>
+              <a:t>25-09-2018</a:t>
             </a:fld>
             <a:endParaRPr lang="en-IN"/>
           </a:p>
@@ -2106,7 +2108,7 @@
           <a:p>
             <a:fld id="{70C018FE-C8D6-4A9C-A702-41F1E0C1C452}" type="datetimeFigureOut">
               <a:rPr lang="en-IN" smtClean="0"/>
-              <a:t>24-09-2018</a:t>
+              <a:t>25-09-2018</a:t>
             </a:fld>
             <a:endParaRPr lang="en-IN"/>
           </a:p>
@@ -2201,7 +2203,7 @@
           <a:p>
             <a:fld id="{70C018FE-C8D6-4A9C-A702-41F1E0C1C452}" type="datetimeFigureOut">
               <a:rPr lang="en-IN" smtClean="0"/>
-              <a:t>24-09-2018</a:t>
+              <a:t>25-09-2018</a:t>
             </a:fld>
             <a:endParaRPr lang="en-IN"/>
           </a:p>
@@ -2477,7 +2479,7 @@
           <a:p>
             <a:fld id="{70C018FE-C8D6-4A9C-A702-41F1E0C1C452}" type="datetimeFigureOut">
               <a:rPr lang="en-IN" smtClean="0"/>
-              <a:t>24-09-2018</a:t>
+              <a:t>25-09-2018</a:t>
             </a:fld>
             <a:endParaRPr lang="en-IN"/>
           </a:p>
@@ -2734,7 +2736,7 @@
           <a:p>
             <a:fld id="{70C018FE-C8D6-4A9C-A702-41F1E0C1C452}" type="datetimeFigureOut">
               <a:rPr lang="en-IN" smtClean="0"/>
-              <a:t>24-09-2018</a:t>
+              <a:t>25-09-2018</a:t>
             </a:fld>
             <a:endParaRPr lang="en-IN"/>
           </a:p>
@@ -2945,7 +2947,7 @@
           <a:p>
             <a:fld id="{70C018FE-C8D6-4A9C-A702-41F1E0C1C452}" type="datetimeFigureOut">
               <a:rPr lang="en-IN" smtClean="0"/>
-              <a:t>24-09-2018</a:t>
+              <a:t>25-09-2018</a:t>
             </a:fld>
             <a:endParaRPr lang="en-IN" dirty="0"/>
           </a:p>
@@ -3831,6 +3833,375 @@
 </p:sld>
 </file>
 
+<file path=ppt/slides/slide10.xml><?xml version="1.0" encoding="utf-8"?>
+<p:sld xmlns:a="http://schemas.openxmlformats.org/drawingml/2006/main" xmlns:r="http://schemas.openxmlformats.org/officeDocument/2006/relationships" xmlns:p="http://schemas.openxmlformats.org/presentationml/2006/main">
+  <p:cSld>
+    <p:spTree>
+      <p:nvGrpSpPr>
+        <p:cNvPr id="1" name=""/>
+        <p:cNvGrpSpPr/>
+        <p:nvPr/>
+      </p:nvGrpSpPr>
+      <p:grpSpPr>
+        <a:xfrm>
+          <a:off x="0" y="0"/>
+          <a:ext cx="0" cy="0"/>
+          <a:chOff x="0" y="0"/>
+          <a:chExt cx="0" cy="0"/>
+        </a:xfrm>
+      </p:grpSpPr>
+      <p:grpSp>
+        <p:nvGrpSpPr>
+          <p:cNvPr id="8" name="Group 7">
+            <a:extLst>
+              <a:ext uri="{FF2B5EF4-FFF2-40B4-BE49-F238E27FC236}">
+                <a16:creationId xmlns:a16="http://schemas.microsoft.com/office/drawing/2014/main" id="{20784B6A-ECCB-4295-AE44-102B468D442D}"/>
+              </a:ext>
+            </a:extLst>
+          </p:cNvPr>
+          <p:cNvGrpSpPr/>
+          <p:nvPr/>
+        </p:nvGrpSpPr>
+        <p:grpSpPr>
+          <a:xfrm>
+            <a:off x="0" y="85725"/>
+            <a:ext cx="12192000" cy="807291"/>
+            <a:chOff x="0" y="895350"/>
+            <a:chExt cx="12192000" cy="807291"/>
+          </a:xfrm>
+        </p:grpSpPr>
+        <p:pic>
+          <p:nvPicPr>
+            <p:cNvPr id="6" name="Picture 5">
+              <a:extLst>
+                <a:ext uri="{FF2B5EF4-FFF2-40B4-BE49-F238E27FC236}">
+                  <a16:creationId xmlns:a16="http://schemas.microsoft.com/office/drawing/2014/main" id="{BBFF3EA0-AC66-4359-BDA4-E2C2C89A47CD}"/>
+                </a:ext>
+              </a:extLst>
+            </p:cNvPr>
+            <p:cNvPicPr>
+              <a:picLocks noChangeAspect="1"/>
+            </p:cNvPicPr>
+            <p:nvPr/>
+          </p:nvPicPr>
+          <p:blipFill>
+            <a:blip r:embed="rId2">
+              <a:extLst>
+                <a:ext uri="{28A0092B-C50C-407E-A947-70E740481C1C}">
+                  <a14:useLocalDpi xmlns:a14="http://schemas.microsoft.com/office/drawing/2010/main" val="0"/>
+                </a:ext>
+              </a:extLst>
+            </a:blip>
+            <a:stretch>
+              <a:fillRect/>
+            </a:stretch>
+          </p:blipFill>
+          <p:spPr>
+            <a:xfrm>
+              <a:off x="0" y="895350"/>
+              <a:ext cx="12192000" cy="807291"/>
+            </a:xfrm>
+            <a:prstGeom prst="rect">
+              <a:avLst/>
+            </a:prstGeom>
+          </p:spPr>
+        </p:pic>
+        <p:sp>
+          <p:nvSpPr>
+            <p:cNvPr id="9" name="Rectangle 8">
+              <a:extLst>
+                <a:ext uri="{FF2B5EF4-FFF2-40B4-BE49-F238E27FC236}">
+                  <a16:creationId xmlns:a16="http://schemas.microsoft.com/office/drawing/2014/main" id="{7E0C540B-58B3-4E69-B5EF-11090BB39535}"/>
+                </a:ext>
+              </a:extLst>
+            </p:cNvPr>
+            <p:cNvSpPr/>
+            <p:nvPr/>
+          </p:nvSpPr>
+          <p:spPr>
+            <a:xfrm>
+              <a:off x="210706" y="1148643"/>
+              <a:ext cx="2496196" cy="553998"/>
+            </a:xfrm>
+            <a:prstGeom prst="rect">
+              <a:avLst/>
+            </a:prstGeom>
+          </p:spPr>
+          <p:txBody>
+            <a:bodyPr wrap="none">
+              <a:spAutoFit/>
+            </a:bodyPr>
+            <a:lstStyle/>
+            <a:p>
+              <a:r>
+                <a:rPr lang="en-US" sz="3000" b="1" dirty="0">
+                  <a:solidFill>
+                    <a:schemeClr val="bg1"/>
+                  </a:solidFill>
+                  <a:latin typeface="Lato" charset="0"/>
+                </a:rPr>
+                <a:t>Data Density</a:t>
+              </a:r>
+              <a:endParaRPr lang="en-US" sz="2400" b="1" dirty="0">
+                <a:solidFill>
+                  <a:schemeClr val="bg1"/>
+                </a:solidFill>
+                <a:latin typeface="Lato" charset="0"/>
+              </a:endParaRPr>
+            </a:p>
+          </p:txBody>
+        </p:sp>
+      </p:grpSp>
+      <p:sp>
+        <p:nvSpPr>
+          <p:cNvPr id="10" name="TextBox 9">
+            <a:extLst>
+              <a:ext uri="{FF2B5EF4-FFF2-40B4-BE49-F238E27FC236}">
+                <a16:creationId xmlns:a16="http://schemas.microsoft.com/office/drawing/2014/main" id="{41EFAA49-0340-497B-ACD8-C0D9907234BE}"/>
+              </a:ext>
+            </a:extLst>
+          </p:cNvPr>
+          <p:cNvSpPr txBox="1"/>
+          <p:nvPr/>
+        </p:nvSpPr>
+        <p:spPr>
+          <a:xfrm>
+            <a:off x="373794" y="6402943"/>
+            <a:ext cx="11444412" cy="369332"/>
+          </a:xfrm>
+          <a:prstGeom prst="rect">
+            <a:avLst/>
+          </a:prstGeom>
+          <a:noFill/>
+        </p:spPr>
+        <p:txBody>
+          <a:bodyPr wrap="square" rtlCol="0">
+            <a:spAutoFit/>
+          </a:bodyPr>
+          <a:lstStyle/>
+          <a:p>
+            <a:pPr algn="ctr"/>
+            <a:r>
+              <a:rPr lang="en-US" dirty="0">
+                <a:latin typeface="Lato" panose="020F0502020204030203"/>
+              </a:rPr>
+              <a:t>Data density check on categorical </a:t>
+            </a:r>
+            <a:r>
+              <a:rPr lang="en-US" dirty="0" err="1">
+                <a:latin typeface="Lato" panose="020F0502020204030203"/>
+              </a:rPr>
+              <a:t>varaiable</a:t>
+            </a:r>
+            <a:r>
+              <a:rPr lang="en-US" dirty="0">
+                <a:latin typeface="Lato" panose="020F0502020204030203"/>
+              </a:rPr>
+              <a:t> for modeling</a:t>
+            </a:r>
+          </a:p>
+        </p:txBody>
+      </p:sp>
+      <p:pic>
+        <p:nvPicPr>
+          <p:cNvPr id="3" name="Picture 2">
+            <a:extLst>
+              <a:ext uri="{FF2B5EF4-FFF2-40B4-BE49-F238E27FC236}">
+                <a16:creationId xmlns:a16="http://schemas.microsoft.com/office/drawing/2014/main" id="{9885B697-0D10-43BD-813A-61A1B985E908}"/>
+              </a:ext>
+            </a:extLst>
+          </p:cNvPr>
+          <p:cNvPicPr>
+            <a:picLocks noChangeAspect="1"/>
+          </p:cNvPicPr>
+          <p:nvPr/>
+        </p:nvPicPr>
+        <p:blipFill>
+          <a:blip r:embed="rId3"/>
+          <a:stretch>
+            <a:fillRect/>
+          </a:stretch>
+        </p:blipFill>
+        <p:spPr>
+          <a:xfrm>
+            <a:off x="782971" y="1061636"/>
+            <a:ext cx="10125352" cy="5258412"/>
+          </a:xfrm>
+          <a:prstGeom prst="rect">
+            <a:avLst/>
+          </a:prstGeom>
+        </p:spPr>
+      </p:pic>
+    </p:spTree>
+    <p:extLst>
+      <p:ext uri="{BB962C8B-B14F-4D97-AF65-F5344CB8AC3E}">
+        <p14:creationId xmlns:p14="http://schemas.microsoft.com/office/powerpoint/2010/main" val="1552056413"/>
+      </p:ext>
+    </p:extLst>
+  </p:cSld>
+  <p:clrMapOvr>
+    <a:masterClrMapping/>
+  </p:clrMapOvr>
+</p:sld>
+</file>
+
+<file path=ppt/slides/slide11.xml><?xml version="1.0" encoding="utf-8"?>
+<p:sld xmlns:a="http://schemas.openxmlformats.org/drawingml/2006/main" xmlns:r="http://schemas.openxmlformats.org/officeDocument/2006/relationships" xmlns:p="http://schemas.openxmlformats.org/presentationml/2006/main">
+  <p:cSld>
+    <p:spTree>
+      <p:nvGrpSpPr>
+        <p:cNvPr id="1" name=""/>
+        <p:cNvGrpSpPr/>
+        <p:nvPr/>
+      </p:nvGrpSpPr>
+      <p:grpSpPr>
+        <a:xfrm>
+          <a:off x="0" y="0"/>
+          <a:ext cx="0" cy="0"/>
+          <a:chOff x="0" y="0"/>
+          <a:chExt cx="0" cy="0"/>
+        </a:xfrm>
+      </p:grpSpPr>
+      <p:sp>
+        <p:nvSpPr>
+          <p:cNvPr id="3" name="Subtitle 2"/>
+          <p:cNvSpPr>
+            <a:spLocks noGrp="1"/>
+          </p:cNvSpPr>
+          <p:nvPr>
+            <p:ph type="subTitle" idx="1"/>
+          </p:nvPr>
+        </p:nvSpPr>
+        <p:spPr>
+          <a:xfrm>
+            <a:off x="5760542" y="4811430"/>
+            <a:ext cx="6138856" cy="1531917"/>
+          </a:xfrm>
+        </p:spPr>
+        <p:txBody>
+          <a:bodyPr>
+            <a:normAutofit/>
+          </a:bodyPr>
+          <a:lstStyle/>
+          <a:p>
+            <a:pPr algn="r"/>
+            <a:r>
+              <a:rPr lang="en-IN" sz="1800" dirty="0">
+                <a:latin typeface="Lato" panose="020F0502020204030203"/>
+              </a:rPr>
+              <a:t>Merin Jose</a:t>
+            </a:r>
+          </a:p>
+          <a:p>
+            <a:pPr algn="r"/>
+            <a:r>
+              <a:rPr lang="en-IN" sz="1800" dirty="0">
+                <a:latin typeface="Lato" panose="020F0502020204030203"/>
+              </a:rPr>
+              <a:t>Suresh </a:t>
+            </a:r>
+            <a:r>
+              <a:rPr lang="en-IN" sz="1800" dirty="0" err="1">
+                <a:latin typeface="Lato" panose="020F0502020204030203"/>
+              </a:rPr>
+              <a:t>Balla</a:t>
+            </a:r>
+            <a:endParaRPr lang="en-IN" sz="1800" dirty="0">
+              <a:latin typeface="Lato" panose="020F0502020204030203"/>
+            </a:endParaRPr>
+          </a:p>
+          <a:p>
+            <a:pPr algn="r"/>
+            <a:r>
+              <a:rPr lang="en-IN" sz="1800" dirty="0">
+                <a:latin typeface="Lato" panose="020F0502020204030203"/>
+              </a:rPr>
+              <a:t>Deepak </a:t>
+            </a:r>
+            <a:r>
+              <a:rPr lang="en-IN" sz="1800" dirty="0" err="1">
+                <a:latin typeface="Lato" panose="020F0502020204030203"/>
+              </a:rPr>
+              <a:t>Aneja</a:t>
+            </a:r>
+            <a:endParaRPr lang="en-IN" sz="1800" dirty="0">
+              <a:latin typeface="Lato" panose="020F0502020204030203"/>
+            </a:endParaRPr>
+          </a:p>
+          <a:p>
+            <a:pPr algn="r"/>
+            <a:r>
+              <a:rPr lang="en-IN" sz="1800" dirty="0">
+                <a:latin typeface="Lato" panose="020F0502020204030203"/>
+              </a:rPr>
+              <a:t>Fayiz Mayam Veettil</a:t>
+            </a:r>
+          </a:p>
+          <a:p>
+            <a:pPr marL="457200" indent="-457200" algn="l">
+              <a:buFont typeface="+mj-lt"/>
+              <a:buAutoNum type="arabicPeriod"/>
+            </a:pPr>
+            <a:endParaRPr lang="en-IN" sz="1800" dirty="0"/>
+          </a:p>
+        </p:txBody>
+      </p:sp>
+      <p:sp>
+        <p:nvSpPr>
+          <p:cNvPr id="7" name="Title 1">
+            <a:extLst>
+              <a:ext uri="{FF2B5EF4-FFF2-40B4-BE49-F238E27FC236}">
+                <a16:creationId xmlns:a16="http://schemas.microsoft.com/office/drawing/2014/main" id="{06ED631A-0337-465F-8039-C7101C9480FA}"/>
+              </a:ext>
+            </a:extLst>
+          </p:cNvPr>
+          <p:cNvSpPr>
+            <a:spLocks noGrp="1"/>
+          </p:cNvSpPr>
+          <p:nvPr>
+            <p:ph type="ctrTitle"/>
+          </p:nvPr>
+        </p:nvSpPr>
+        <p:spPr>
+          <a:xfrm>
+            <a:off x="1391478" y="1438275"/>
+            <a:ext cx="9144000" cy="2100056"/>
+          </a:xfrm>
+        </p:spPr>
+        <p:txBody>
+          <a:bodyPr>
+            <a:normAutofit/>
+          </a:bodyPr>
+          <a:lstStyle/>
+          <a:p>
+            <a:pPr>
+              <a:lnSpc>
+                <a:spcPct val="150000"/>
+              </a:lnSpc>
+            </a:pPr>
+            <a:r>
+              <a:rPr lang="en-US" sz="3200" b="1" dirty="0"/>
+              <a:t>Thanks</a:t>
+            </a:r>
+            <a:endParaRPr lang="en-IN" sz="2400" dirty="0">
+              <a:latin typeface="Lato" panose="020F0502020204030203"/>
+            </a:endParaRPr>
+          </a:p>
+        </p:txBody>
+      </p:sp>
+    </p:spTree>
+    <p:extLst>
+      <p:ext uri="{BB962C8B-B14F-4D97-AF65-F5344CB8AC3E}">
+        <p14:creationId xmlns:p14="http://schemas.microsoft.com/office/powerpoint/2010/main" val="177390757"/>
+      </p:ext>
+    </p:extLst>
+  </p:cSld>
+  <p:clrMapOvr>
+    <a:masterClrMapping/>
+  </p:clrMapOvr>
+</p:sld>
+</file>
+
 <file path=ppt/slides/slide2.xml><?xml version="1.0" encoding="utf-8"?>
 <p:sld xmlns:a="http://schemas.openxmlformats.org/drawingml/2006/main" xmlns:r="http://schemas.openxmlformats.org/officeDocument/2006/relationships" xmlns:p="http://schemas.openxmlformats.org/presentationml/2006/main">
   <p:cSld>
@@ -5006,7 +5377,7 @@
               <a:buChar char="o"/>
             </a:pPr>
             <a:endParaRPr lang="en-US" sz="1600" dirty="0">
-              <a:latin typeface="Lato"/>
+              <a:latin typeface="Lato" panose="020F0502020204030203"/>
             </a:endParaRPr>
           </a:p>
           <a:p>
@@ -5016,7 +5387,7 @@
               </a:lnSpc>
             </a:pPr>
             <a:endParaRPr lang="en-US" sz="1600" dirty="0">
-              <a:latin typeface="Lato"/>
+              <a:latin typeface="Lato" panose="020F0502020204030203"/>
             </a:endParaRPr>
           </a:p>
         </p:txBody>
@@ -5230,9 +5601,9 @@
             </a:pPr>
             <a:r>
               <a:rPr lang="en-US" sz="1600" dirty="0">
-                <a:latin typeface="Lato"/>
-              </a:rPr>
-              <a:t>Monthly spends split by various medias types such as TV, Internet, Radio and Others</a:t>
+                <a:latin typeface="Lato" panose="020F0502020204030203"/>
+              </a:rPr>
+              <a:t>	Monthly spends split by various medias types such as TV, Internet, Radio and Others</a:t>
             </a:r>
           </a:p>
           <a:p>
@@ -5245,7 +5616,7 @@
             </a:pPr>
             <a:r>
               <a:rPr lang="en-US" sz="1600" dirty="0">
-                <a:latin typeface="Lato"/>
+                <a:latin typeface="Lato" panose="020F0502020204030203"/>
               </a:rPr>
               <a:t>Days when there was any special sale – </a:t>
             </a:r>
@@ -5258,9 +5629,9 @@
             </a:pPr>
             <a:r>
               <a:rPr lang="en-US" sz="1600" dirty="0">
-                <a:latin typeface="Lato"/>
-              </a:rPr>
-              <a:t>Information about the special sale calendar </a:t>
+                <a:latin typeface="Lato" panose="020F0502020204030203"/>
+              </a:rPr>
+              <a:t>	Information about the special sale calendar </a:t>
             </a:r>
           </a:p>
           <a:p>
@@ -5273,7 +5644,7 @@
             </a:pPr>
             <a:r>
               <a:rPr lang="en-US" sz="1600" dirty="0">
-                <a:latin typeface="Lato"/>
+                <a:latin typeface="Lato" panose="020F0502020204030203"/>
               </a:rPr>
               <a:t>Monthly NPS score – </a:t>
             </a:r>
@@ -5286,9 +5657,9 @@
             </a:pPr>
             <a:r>
               <a:rPr lang="en-US" sz="1600" dirty="0">
-                <a:latin typeface="Lato"/>
-              </a:rPr>
-              <a:t>Net promote score by month</a:t>
+                <a:latin typeface="Lato" panose="020F0502020204030203"/>
+              </a:rPr>
+              <a:t>	Net promote score by month</a:t>
             </a:r>
           </a:p>
           <a:p>
@@ -5298,7 +5669,7 @@
               </a:lnSpc>
             </a:pPr>
             <a:endParaRPr lang="en-US" sz="1600" dirty="0">
-              <a:latin typeface="Lato"/>
+              <a:latin typeface="Lato" panose="020F0502020204030203"/>
             </a:endParaRPr>
           </a:p>
         </p:txBody>
@@ -5356,6 +5727,272 @@
 </file>
 
 <file path=ppt/slides/slide8.xml><?xml version="1.0" encoding="utf-8"?>
+<p:sld xmlns:a="http://schemas.openxmlformats.org/drawingml/2006/main" xmlns:r="http://schemas.openxmlformats.org/officeDocument/2006/relationships" xmlns:p="http://schemas.openxmlformats.org/presentationml/2006/main">
+  <p:cSld>
+    <p:spTree>
+      <p:nvGrpSpPr>
+        <p:cNvPr id="1" name=""/>
+        <p:cNvGrpSpPr/>
+        <p:nvPr/>
+      </p:nvGrpSpPr>
+      <p:grpSpPr>
+        <a:xfrm>
+          <a:off x="0" y="0"/>
+          <a:ext cx="0" cy="0"/>
+          <a:chOff x="0" y="0"/>
+          <a:chExt cx="0" cy="0"/>
+        </a:xfrm>
+      </p:grpSpPr>
+      <p:sp>
+        <p:nvSpPr>
+          <p:cNvPr id="10" name="TextBox 9">
+            <a:extLst>
+              <a:ext uri="{FF2B5EF4-FFF2-40B4-BE49-F238E27FC236}">
+                <a16:creationId xmlns:a16="http://schemas.microsoft.com/office/drawing/2014/main" id="{55C9CB18-66F2-4EA9-813E-1627AD076CA6}"/>
+              </a:ext>
+            </a:extLst>
+          </p:cNvPr>
+          <p:cNvSpPr txBox="1"/>
+          <p:nvPr/>
+        </p:nvSpPr>
+        <p:spPr>
+          <a:xfrm>
+            <a:off x="1043617" y="2051184"/>
+            <a:ext cx="9568699" cy="3884077"/>
+          </a:xfrm>
+          <a:prstGeom prst="rect">
+            <a:avLst/>
+          </a:prstGeom>
+          <a:noFill/>
+        </p:spPr>
+        <p:txBody>
+          <a:bodyPr wrap="square" rtlCol="0">
+            <a:spAutoFit/>
+          </a:bodyPr>
+          <a:lstStyle/>
+          <a:p>
+            <a:pPr marL="285750" indent="-285750">
+              <a:lnSpc>
+                <a:spcPct val="200000"/>
+              </a:lnSpc>
+              <a:buFont typeface="Arial" panose="020B0604020202020204" pitchFamily="34" charset="0"/>
+              <a:buChar char="•"/>
+            </a:pPr>
+            <a:r>
+              <a:rPr lang="en-US" dirty="0">
+                <a:latin typeface="Lato"/>
+              </a:rPr>
+              <a:t>Cleaning and formatting data</a:t>
+            </a:r>
+          </a:p>
+          <a:p>
+            <a:pPr marL="285750" indent="-285750">
+              <a:lnSpc>
+                <a:spcPct val="200000"/>
+              </a:lnSpc>
+              <a:buFont typeface="Arial" panose="020B0604020202020204" pitchFamily="34" charset="0"/>
+              <a:buChar char="•"/>
+            </a:pPr>
+            <a:r>
+              <a:rPr lang="en-US" dirty="0">
+                <a:latin typeface="Lato"/>
+              </a:rPr>
+              <a:t>Derive useful metrics out of data</a:t>
+            </a:r>
+          </a:p>
+          <a:p>
+            <a:pPr marL="285750" indent="-285750">
+              <a:lnSpc>
+                <a:spcPct val="200000"/>
+              </a:lnSpc>
+              <a:buFont typeface="Arial" panose="020B0604020202020204" pitchFamily="34" charset="0"/>
+              <a:buChar char="•"/>
+            </a:pPr>
+            <a:r>
+              <a:rPr lang="en-US" dirty="0">
+                <a:latin typeface="Lato"/>
+              </a:rPr>
+              <a:t>Check the data density and correlations</a:t>
+            </a:r>
+          </a:p>
+          <a:p>
+            <a:pPr marL="285750" indent="-285750">
+              <a:lnSpc>
+                <a:spcPct val="200000"/>
+              </a:lnSpc>
+              <a:buFont typeface="Arial" panose="020B0604020202020204" pitchFamily="34" charset="0"/>
+              <a:buChar char="•"/>
+            </a:pPr>
+            <a:r>
+              <a:rPr lang="en-US" dirty="0">
+                <a:latin typeface="Lato"/>
+              </a:rPr>
+              <a:t>Data Scaling</a:t>
+            </a:r>
+          </a:p>
+          <a:p>
+            <a:pPr marL="285750" indent="-285750">
+              <a:lnSpc>
+                <a:spcPct val="200000"/>
+              </a:lnSpc>
+              <a:buFont typeface="Arial" panose="020B0604020202020204" pitchFamily="34" charset="0"/>
+              <a:buChar char="•"/>
+            </a:pPr>
+            <a:r>
+              <a:rPr lang="en-US" dirty="0">
+                <a:latin typeface="Lato"/>
+              </a:rPr>
+              <a:t>Splitting the data between train and test</a:t>
+            </a:r>
+          </a:p>
+          <a:p>
+            <a:pPr marL="285750" indent="-285750">
+              <a:lnSpc>
+                <a:spcPct val="200000"/>
+              </a:lnSpc>
+              <a:buFont typeface="Arial" panose="020B0604020202020204" pitchFamily="34" charset="0"/>
+              <a:buChar char="•"/>
+            </a:pPr>
+            <a:r>
+              <a:rPr lang="en-US" dirty="0">
+                <a:latin typeface="Lato"/>
+              </a:rPr>
+              <a:t>Data Modeling</a:t>
+            </a:r>
+          </a:p>
+          <a:p>
+            <a:pPr marL="285750" indent="-285750">
+              <a:lnSpc>
+                <a:spcPct val="200000"/>
+              </a:lnSpc>
+              <a:buFont typeface="Arial" panose="020B0604020202020204" pitchFamily="34" charset="0"/>
+              <a:buChar char="•"/>
+            </a:pPr>
+            <a:r>
+              <a:rPr lang="en-US" dirty="0">
+                <a:latin typeface="Lato"/>
+              </a:rPr>
+              <a:t>Conclusion</a:t>
+            </a:r>
+          </a:p>
+        </p:txBody>
+      </p:sp>
+      <p:grpSp>
+        <p:nvGrpSpPr>
+          <p:cNvPr id="11" name="Group 10">
+            <a:extLst>
+              <a:ext uri="{FF2B5EF4-FFF2-40B4-BE49-F238E27FC236}">
+                <a16:creationId xmlns:a16="http://schemas.microsoft.com/office/drawing/2014/main" id="{EBBA25A6-360E-4B6F-B6E1-CF2014CF9962}"/>
+              </a:ext>
+            </a:extLst>
+          </p:cNvPr>
+          <p:cNvGrpSpPr/>
+          <p:nvPr/>
+        </p:nvGrpSpPr>
+        <p:grpSpPr>
+          <a:xfrm>
+            <a:off x="0" y="990600"/>
+            <a:ext cx="12192000" cy="807291"/>
+            <a:chOff x="0" y="895350"/>
+            <a:chExt cx="12192000" cy="807291"/>
+          </a:xfrm>
+        </p:grpSpPr>
+        <p:pic>
+          <p:nvPicPr>
+            <p:cNvPr id="12" name="Picture 11">
+              <a:extLst>
+                <a:ext uri="{FF2B5EF4-FFF2-40B4-BE49-F238E27FC236}">
+                  <a16:creationId xmlns:a16="http://schemas.microsoft.com/office/drawing/2014/main" id="{1152C58B-7A3D-453B-BEF5-0D6A80241D16}"/>
+                </a:ext>
+              </a:extLst>
+            </p:cNvPr>
+            <p:cNvPicPr>
+              <a:picLocks noChangeAspect="1"/>
+            </p:cNvPicPr>
+            <p:nvPr/>
+          </p:nvPicPr>
+          <p:blipFill>
+            <a:blip r:embed="rId2">
+              <a:extLst>
+                <a:ext uri="{28A0092B-C50C-407E-A947-70E740481C1C}">
+                  <a14:useLocalDpi xmlns:a14="http://schemas.microsoft.com/office/drawing/2010/main" val="0"/>
+                </a:ext>
+              </a:extLst>
+            </a:blip>
+            <a:stretch>
+              <a:fillRect/>
+            </a:stretch>
+          </p:blipFill>
+          <p:spPr>
+            <a:xfrm>
+              <a:off x="0" y="895350"/>
+              <a:ext cx="12192000" cy="807291"/>
+            </a:xfrm>
+            <a:prstGeom prst="rect">
+              <a:avLst/>
+            </a:prstGeom>
+          </p:spPr>
+        </p:pic>
+        <p:sp>
+          <p:nvSpPr>
+            <p:cNvPr id="13" name="Rectangle 12">
+              <a:extLst>
+                <a:ext uri="{FF2B5EF4-FFF2-40B4-BE49-F238E27FC236}">
+                  <a16:creationId xmlns:a16="http://schemas.microsoft.com/office/drawing/2014/main" id="{CF7573B2-FDB7-41CD-8FE1-311DF7F4E7B3}"/>
+                </a:ext>
+              </a:extLst>
+            </p:cNvPr>
+            <p:cNvSpPr/>
+            <p:nvPr/>
+          </p:nvSpPr>
+          <p:spPr>
+            <a:xfrm>
+              <a:off x="210706" y="1148643"/>
+              <a:ext cx="6529288" cy="553998"/>
+            </a:xfrm>
+            <a:prstGeom prst="rect">
+              <a:avLst/>
+            </a:prstGeom>
+          </p:spPr>
+          <p:txBody>
+            <a:bodyPr wrap="none">
+              <a:spAutoFit/>
+            </a:bodyPr>
+            <a:lstStyle/>
+            <a:p>
+              <a:r>
+                <a:rPr lang="en-US" sz="3000" b="1" dirty="0">
+                  <a:solidFill>
+                    <a:schemeClr val="bg1"/>
+                  </a:solidFill>
+                  <a:latin typeface="Lato" charset="0"/>
+                </a:rPr>
+                <a:t>Step by Step Approach for Analysis</a:t>
+              </a:r>
+              <a:endParaRPr lang="en-US" sz="2400" b="1" dirty="0">
+                <a:solidFill>
+                  <a:schemeClr val="bg1"/>
+                </a:solidFill>
+                <a:latin typeface="Lato" charset="0"/>
+              </a:endParaRPr>
+            </a:p>
+          </p:txBody>
+        </p:sp>
+      </p:grpSp>
+    </p:spTree>
+    <p:extLst>
+      <p:ext uri="{BB962C8B-B14F-4D97-AF65-F5344CB8AC3E}">
+        <p14:creationId xmlns:p14="http://schemas.microsoft.com/office/powerpoint/2010/main" val="1123040970"/>
+      </p:ext>
+    </p:extLst>
+  </p:cSld>
+  <p:clrMapOvr>
+    <a:masterClrMapping/>
+  </p:clrMapOvr>
+</p:sld>
+</file>
+
+<file path=ppt/slides/slide9.xml><?xml version="1.0" encoding="utf-8"?>
 <p:sld xmlns:a="http://schemas.openxmlformats.org/drawingml/2006/main" xmlns:r="http://schemas.openxmlformats.org/officeDocument/2006/relationships" xmlns:p="http://schemas.openxmlformats.org/presentationml/2006/main">
   <p:cSld>
     <p:spTree>
@@ -5489,7 +6126,7 @@
         <p:spPr>
           <a:xfrm>
             <a:off x="140677" y="1925515"/>
-            <a:ext cx="11201400" cy="4201471"/>
+            <a:ext cx="11201400" cy="6417462"/>
           </a:xfrm>
           <a:prstGeom prst="rect">
             <a:avLst/>
@@ -5527,7 +6164,7 @@
               <a:rPr lang="en-US" sz="1600" dirty="0">
                 <a:latin typeface="Lato"/>
               </a:rPr>
-              <a:t>Check for duplicate records on </a:t>
+              <a:t>Check for duplicate records</a:t>
             </a:r>
           </a:p>
           <a:p>
@@ -5546,7 +6183,7 @@
             </a:r>
           </a:p>
           <a:p>
-            <a:pPr marL="742950" lvl="1" indent="-285750">
+            <a:pPr marL="1200150" lvl="2" indent="-285750">
               <a:lnSpc>
                 <a:spcPct val="150000"/>
               </a:lnSpc>
@@ -5557,11 +6194,11 @@
               <a:rPr lang="en-US" sz="1600" dirty="0">
                 <a:latin typeface="Lato"/>
               </a:rPr>
-              <a:t>Status of data cleaning</a:t>
-            </a:r>
-          </a:p>
-          <a:p>
-            <a:pPr marL="1200150" lvl="2" indent="-285750">
+              <a:t>Check the period of the provided data</a:t>
+            </a:r>
+          </a:p>
+          <a:p>
+            <a:pPr marL="742950" lvl="1" indent="-285750">
               <a:lnSpc>
                 <a:spcPct val="150000"/>
               </a:lnSpc>
@@ -5569,8 +6206,10 @@
               <a:buChar char="o"/>
             </a:pPr>
             <a:r>
-              <a:rPr lang="en-US" sz="1600" dirty="0"/>
-              <a:t>Xxx</a:t>
+              <a:rPr lang="en-US" sz="1600" dirty="0">
+                <a:latin typeface="Lato"/>
+              </a:rPr>
+              <a:t>Status of data cleaning</a:t>
             </a:r>
           </a:p>
           <a:p>
@@ -5581,7 +6220,96 @@
               <a:buFont typeface="Courier New" panose="02070309020205020404" pitchFamily="49" charset="0"/>
               <a:buChar char="o"/>
             </a:pPr>
-            <a:endParaRPr lang="en-US" sz="1600" dirty="0"/>
+            <a:r>
+              <a:rPr lang="en-US" sz="1600" dirty="0">
+                <a:latin typeface="Lato"/>
+              </a:rPr>
+              <a:t>Around 100K records found duplicated and removed from the dataset</a:t>
+            </a:r>
+          </a:p>
+          <a:p>
+            <a:pPr marL="1200150" lvl="2" indent="-285750">
+              <a:lnSpc>
+                <a:spcPct val="150000"/>
+              </a:lnSpc>
+              <a:buFont typeface="Courier New" panose="02070309020205020404" pitchFamily="49" charset="0"/>
+              <a:buChar char="o"/>
+            </a:pPr>
+            <a:r>
+              <a:rPr lang="en-US" sz="1600" dirty="0">
+                <a:latin typeface="Lato"/>
+              </a:rPr>
+              <a:t>Around 4K removed where Gross Merchandise Value is Null</a:t>
+            </a:r>
+          </a:p>
+          <a:p>
+            <a:pPr marL="1200150" lvl="2" indent="-285750">
+              <a:lnSpc>
+                <a:spcPct val="150000"/>
+              </a:lnSpc>
+              <a:buFont typeface="Courier New" panose="02070309020205020404" pitchFamily="49" charset="0"/>
+              <a:buChar char="o"/>
+            </a:pPr>
+            <a:r>
+              <a:rPr lang="en-US" sz="1600" dirty="0">
+                <a:latin typeface="Lato"/>
+              </a:rPr>
+              <a:t>Removed the data which are not in the period used for analysis</a:t>
+            </a:r>
+          </a:p>
+          <a:p>
+            <a:pPr marL="1200150" lvl="2" indent="-285750">
+              <a:lnSpc>
+                <a:spcPct val="150000"/>
+              </a:lnSpc>
+              <a:buFont typeface="Courier New" panose="02070309020205020404" pitchFamily="49" charset="0"/>
+              <a:buChar char="o"/>
+            </a:pPr>
+            <a:r>
+              <a:rPr lang="en-US" sz="1600" dirty="0">
+                <a:latin typeface="Lato"/>
+              </a:rPr>
+              <a:t>Removed the columns based on Non Zero Variance </a:t>
+            </a:r>
+          </a:p>
+          <a:p>
+            <a:pPr marL="742950" lvl="1" indent="-285750">
+              <a:lnSpc>
+                <a:spcPct val="150000"/>
+              </a:lnSpc>
+              <a:buFont typeface="Courier New" panose="02070309020205020404" pitchFamily="49" charset="0"/>
+              <a:buChar char="o"/>
+            </a:pPr>
+            <a:r>
+              <a:rPr lang="en-US" sz="1600" dirty="0">
+                <a:latin typeface="Lato"/>
+              </a:rPr>
+              <a:t>Derived Metrics</a:t>
+            </a:r>
+          </a:p>
+          <a:p>
+            <a:pPr marL="1200150" lvl="2" indent="-285750">
+              <a:lnSpc>
+                <a:spcPct val="150000"/>
+              </a:lnSpc>
+              <a:buFont typeface="Courier New" panose="02070309020205020404" pitchFamily="49" charset="0"/>
+              <a:buChar char="o"/>
+            </a:pPr>
+            <a:r>
+              <a:rPr lang="en-US" sz="1600" dirty="0"/>
+              <a:t>New column derived to get the offered price</a:t>
+            </a:r>
+          </a:p>
+          <a:p>
+            <a:pPr lvl="2">
+              <a:lnSpc>
+                <a:spcPct val="150000"/>
+              </a:lnSpc>
+            </a:pPr>
+            <a:r>
+              <a:rPr lang="en-US" sz="1600" b="1" dirty="0"/>
+              <a:t>	Offer Price = (Product MRP * Unit Sold) – Gross Merchandise Value or Revenue</a:t>
+            </a:r>
           </a:p>
           <a:p>
             <a:pPr marL="1200150" lvl="2" indent="-285750">
@@ -5643,163 +6371,6 @@
     <p:extLst>
       <p:ext uri="{BB962C8B-B14F-4D97-AF65-F5344CB8AC3E}">
         <p14:creationId xmlns:p14="http://schemas.microsoft.com/office/powerpoint/2010/main" val="706035117"/>
-      </p:ext>
-    </p:extLst>
-  </p:cSld>
-  <p:clrMapOvr>
-    <a:masterClrMapping/>
-  </p:clrMapOvr>
-</p:sld>
-</file>
-
-<file path=ppt/slides/slide9.xml><?xml version="1.0" encoding="utf-8"?>
-<p:sld xmlns:a="http://schemas.openxmlformats.org/drawingml/2006/main" xmlns:r="http://schemas.openxmlformats.org/officeDocument/2006/relationships" xmlns:p="http://schemas.openxmlformats.org/presentationml/2006/main">
-  <p:cSld>
-    <p:spTree>
-      <p:nvGrpSpPr>
-        <p:cNvPr id="1" name=""/>
-        <p:cNvGrpSpPr/>
-        <p:nvPr/>
-      </p:nvGrpSpPr>
-      <p:grpSpPr>
-        <a:xfrm>
-          <a:off x="0" y="0"/>
-          <a:ext cx="0" cy="0"/>
-          <a:chOff x="0" y="0"/>
-          <a:chExt cx="0" cy="0"/>
-        </a:xfrm>
-      </p:grpSpPr>
-      <p:sp>
-        <p:nvSpPr>
-          <p:cNvPr id="3" name="Subtitle 2"/>
-          <p:cNvSpPr>
-            <a:spLocks noGrp="1"/>
-          </p:cNvSpPr>
-          <p:nvPr>
-            <p:ph type="subTitle" idx="1"/>
-          </p:nvPr>
-        </p:nvSpPr>
-        <p:spPr>
-          <a:xfrm>
-            <a:off x="5760542" y="4811430"/>
-            <a:ext cx="6138856" cy="1531917"/>
-          </a:xfrm>
-        </p:spPr>
-        <p:txBody>
-          <a:bodyPr>
-            <a:normAutofit/>
-          </a:bodyPr>
-          <a:lstStyle/>
-          <a:p>
-            <a:pPr algn="r"/>
-            <a:r>
-              <a:rPr lang="en-IN" sz="1800" dirty="0">
-                <a:latin typeface="Lato" panose="020F0502020204030203"/>
-              </a:rPr>
-              <a:t>Merin Jose</a:t>
-            </a:r>
-          </a:p>
-          <a:p>
-            <a:pPr algn="r"/>
-            <a:r>
-              <a:rPr lang="en-IN" sz="1800" dirty="0">
-                <a:latin typeface="Lato" panose="020F0502020204030203"/>
-              </a:rPr>
-              <a:t>Suresh </a:t>
-            </a:r>
-            <a:r>
-              <a:rPr lang="en-IN" sz="1800" dirty="0" err="1">
-                <a:latin typeface="Lato" panose="020F0502020204030203"/>
-              </a:rPr>
-              <a:t>Balla</a:t>
-            </a:r>
-            <a:endParaRPr lang="en-IN" sz="1800" dirty="0">
-              <a:latin typeface="Lato" panose="020F0502020204030203"/>
-            </a:endParaRPr>
-          </a:p>
-          <a:p>
-            <a:pPr algn="r"/>
-            <a:r>
-              <a:rPr lang="en-IN" sz="1800" dirty="0">
-                <a:latin typeface="Lato" panose="020F0502020204030203"/>
-              </a:rPr>
-              <a:t>Deepak </a:t>
-            </a:r>
-            <a:r>
-              <a:rPr lang="en-IN" sz="1800" dirty="0" err="1">
-                <a:latin typeface="Lato" panose="020F0502020204030203"/>
-              </a:rPr>
-              <a:t>Aneja</a:t>
-            </a:r>
-            <a:endParaRPr lang="en-IN" sz="1800" dirty="0">
-              <a:latin typeface="Lato" panose="020F0502020204030203"/>
-            </a:endParaRPr>
-          </a:p>
-          <a:p>
-            <a:pPr algn="r"/>
-            <a:r>
-              <a:rPr lang="en-IN" sz="1800" dirty="0">
-                <a:latin typeface="Lato" panose="020F0502020204030203"/>
-              </a:rPr>
-              <a:t>Fayiz Mayam Veettil</a:t>
-            </a:r>
-          </a:p>
-          <a:p>
-            <a:pPr marL="457200" indent="-457200" algn="l">
-              <a:buFont typeface="+mj-lt"/>
-              <a:buAutoNum type="arabicPeriod"/>
-            </a:pPr>
-            <a:endParaRPr lang="en-IN" sz="1800" dirty="0"/>
-          </a:p>
-        </p:txBody>
-      </p:sp>
-      <p:sp>
-        <p:nvSpPr>
-          <p:cNvPr id="7" name="Title 1">
-            <a:extLst>
-              <a:ext uri="{FF2B5EF4-FFF2-40B4-BE49-F238E27FC236}">
-                <a16:creationId xmlns:a16="http://schemas.microsoft.com/office/drawing/2014/main" id="{06ED631A-0337-465F-8039-C7101C9480FA}"/>
-              </a:ext>
-            </a:extLst>
-          </p:cNvPr>
-          <p:cNvSpPr>
-            <a:spLocks noGrp="1"/>
-          </p:cNvSpPr>
-          <p:nvPr>
-            <p:ph type="ctrTitle"/>
-          </p:nvPr>
-        </p:nvSpPr>
-        <p:spPr>
-          <a:xfrm>
-            <a:off x="1391478" y="1438275"/>
-            <a:ext cx="9144000" cy="2100056"/>
-          </a:xfrm>
-        </p:spPr>
-        <p:txBody>
-          <a:bodyPr>
-            <a:normAutofit/>
-          </a:bodyPr>
-          <a:lstStyle/>
-          <a:p>
-            <a:pPr>
-              <a:lnSpc>
-                <a:spcPct val="150000"/>
-              </a:lnSpc>
-            </a:pPr>
-            <a:r>
-              <a:rPr lang="en-US" sz="3200" b="1" dirty="0"/>
-              <a:t>Thanks</a:t>
-            </a:r>
-            <a:endParaRPr lang="en-IN" sz="2400" dirty="0">
-              <a:latin typeface="Lato" panose="020F0502020204030203"/>
-            </a:endParaRPr>
-          </a:p>
-        </p:txBody>
-      </p:sp>
-    </p:spTree>
-    <p:extLst>
-      <p:ext uri="{BB962C8B-B14F-4D97-AF65-F5344CB8AC3E}">
-        <p14:creationId xmlns:p14="http://schemas.microsoft.com/office/powerpoint/2010/main" val="177390757"/>
       </p:ext>
     </p:extLst>
   </p:cSld>

--- a/Capstone Project/Ecommerce_Capstone_Project.pptx
+++ b/Capstone Project/Ecommerce_Capstone_Project.pptx
@@ -4561,7 +4561,7 @@
               <a:rPr lang="en-US" sz="1600" dirty="0">
                 <a:latin typeface="Lato" panose="020F0502020204030203"/>
               </a:rPr>
-              <a:t>Now, </a:t>
+              <a:t>The money </a:t>
             </a:r>
             <a:r>
               <a:rPr lang="en-US" sz="1600" dirty="0" err="1">
@@ -4573,7 +4573,7 @@
               <a:rPr lang="en-US" sz="1600" dirty="0">
                 <a:latin typeface="Lato" panose="020F0502020204030203"/>
               </a:rPr>
-              <a:t> want to create a marketing budget for the next year which includes spending on commercials, online campaigns, and pricing &amp; promotion strategies as the money they spent over last 12 months on marketing was not sufficiently impactful</a:t>
+              <a:t> spent over last 12 months on marketing was not sufficiently impactful. Now they want to create a marketing budget for the next year which includes spending on commercials, online campaigns, and pricing &amp; promotion strategies and maximum revenue out of it.</a:t>
             </a:r>
           </a:p>
           <a:p>
@@ -4591,7 +4591,7 @@
               <a:rPr lang="en-US" sz="1600" dirty="0">
                 <a:latin typeface="Lato" panose="020F0502020204030203"/>
               </a:rPr>
-              <a:t>Hence, the objectives of the analysis are:</a:t>
+              <a:t>The key objectives of the analysis are:</a:t>
             </a:r>
           </a:p>
           <a:p>
@@ -4773,7 +4773,7 @@
         <p:spPr>
           <a:xfrm>
             <a:off x="400051" y="1955934"/>
-            <a:ext cx="9631972" cy="6048131"/>
+            <a:ext cx="9631972" cy="3739806"/>
           </a:xfrm>
           <a:prstGeom prst="rect">
             <a:avLst/>
@@ -4918,74 +4918,6 @@
               </a:rPr>
               <a:t>Monthly NPS Score</a:t>
             </a:r>
-          </a:p>
-          <a:p>
-            <a:pPr marL="1200150" lvl="2" indent="-285750">
-              <a:lnSpc>
-                <a:spcPct val="150000"/>
-              </a:lnSpc>
-              <a:buFont typeface="Courier New" panose="02070309020205020404" pitchFamily="49" charset="0"/>
-              <a:buChar char="o"/>
-            </a:pPr>
-            <a:endParaRPr lang="en-US" sz="1600" dirty="0">
-              <a:latin typeface="Lato" panose="020F0502020204030203"/>
-            </a:endParaRPr>
-          </a:p>
-          <a:p>
-            <a:pPr marL="1200150" lvl="2" indent="-285750">
-              <a:lnSpc>
-                <a:spcPct val="150000"/>
-              </a:lnSpc>
-              <a:buFont typeface="Courier New" panose="02070309020205020404" pitchFamily="49" charset="0"/>
-              <a:buChar char="o"/>
-            </a:pPr>
-            <a:endParaRPr lang="en-US" sz="1600" dirty="0">
-              <a:latin typeface="Lato" panose="020F0502020204030203"/>
-            </a:endParaRPr>
-          </a:p>
-          <a:p>
-            <a:pPr lvl="2">
-              <a:lnSpc>
-                <a:spcPct val="150000"/>
-              </a:lnSpc>
-            </a:pPr>
-            <a:endParaRPr lang="en-US" sz="1600" dirty="0">
-              <a:latin typeface="Lato" panose="020F0502020204030203"/>
-            </a:endParaRPr>
-          </a:p>
-          <a:p>
-            <a:pPr marL="1200150" lvl="2" indent="-285750">
-              <a:lnSpc>
-                <a:spcPct val="150000"/>
-              </a:lnSpc>
-              <a:buFont typeface="Courier New" panose="02070309020205020404" pitchFamily="49" charset="0"/>
-              <a:buChar char="o"/>
-            </a:pPr>
-            <a:endParaRPr lang="en-US" sz="1600" dirty="0">
-              <a:latin typeface="Lato" panose="020F0502020204030203"/>
-            </a:endParaRPr>
-          </a:p>
-          <a:p>
-            <a:pPr marL="742950" lvl="1" indent="-285750">
-              <a:lnSpc>
-                <a:spcPct val="150000"/>
-              </a:lnSpc>
-              <a:buFont typeface="Courier New" panose="02070309020205020404" pitchFamily="49" charset="0"/>
-              <a:buChar char="o"/>
-            </a:pPr>
-            <a:endParaRPr lang="en-IN" sz="1600" dirty="0">
-              <a:latin typeface="Lato"/>
-            </a:endParaRPr>
-          </a:p>
-          <a:p>
-            <a:pPr>
-              <a:lnSpc>
-                <a:spcPct val="200000"/>
-              </a:lnSpc>
-            </a:pPr>
-            <a:endParaRPr lang="en-US" sz="1600" dirty="0">
-              <a:latin typeface="Lato"/>
-            </a:endParaRPr>
           </a:p>
         </p:txBody>
       </p:sp>

--- a/Capstone Project/Ecommerce_Capstone_Project.pptx
+++ b/Capstone Project/Ecommerce_Capstone_Project.pptx
@@ -5,7 +5,7 @@
     <p:sldMasterId id="2147483660" r:id="rId1"/>
   </p:sldMasterIdLst>
   <p:notesMasterIdLst>
-    <p:notesMasterId r:id="rId13"/>
+    <p:notesMasterId r:id="rId20"/>
   </p:notesMasterIdLst>
   <p:sldIdLst>
     <p:sldId id="256" r:id="rId2"/>
@@ -17,8 +17,15 @@
     <p:sldId id="341" r:id="rId8"/>
     <p:sldId id="283" r:id="rId9"/>
     <p:sldId id="271" r:id="rId10"/>
-    <p:sldId id="286" r:id="rId11"/>
-    <p:sldId id="334" r:id="rId12"/>
+    <p:sldId id="342" r:id="rId11"/>
+    <p:sldId id="343" r:id="rId12"/>
+    <p:sldId id="344" r:id="rId13"/>
+    <p:sldId id="347" r:id="rId14"/>
+    <p:sldId id="345" r:id="rId15"/>
+    <p:sldId id="346" r:id="rId16"/>
+    <p:sldId id="348" r:id="rId17"/>
+    <p:sldId id="349" r:id="rId18"/>
+    <p:sldId id="334" r:id="rId19"/>
   </p:sldIdLst>
   <p:sldSz cx="12192000" cy="6858000"/>
   <p:notesSz cx="6858000" cy="9144000"/>
@@ -210,7 +217,7 @@
           <a:p>
             <a:fld id="{2E309023-AF2B-4043-B228-F191CADC9BB1}" type="datetimeFigureOut">
               <a:rPr lang="en-IN" smtClean="0"/>
-              <a:t>25-09-2018</a:t>
+              <a:t>30-09-2018</a:t>
             </a:fld>
             <a:endParaRPr lang="en-IN"/>
           </a:p>
@@ -609,7 +616,7 @@
           <a:p>
             <a:fld id="{70C018FE-C8D6-4A9C-A702-41F1E0C1C452}" type="datetimeFigureOut">
               <a:rPr lang="en-IN" smtClean="0"/>
-              <a:t>25-09-2018</a:t>
+              <a:t>30-09-2018</a:t>
             </a:fld>
             <a:endParaRPr lang="en-IN"/>
           </a:p>
@@ -779,7 +786,7 @@
           <a:p>
             <a:fld id="{70C018FE-C8D6-4A9C-A702-41F1E0C1C452}" type="datetimeFigureOut">
               <a:rPr lang="en-IN" smtClean="0"/>
-              <a:t>25-09-2018</a:t>
+              <a:t>30-09-2018</a:t>
             </a:fld>
             <a:endParaRPr lang="en-IN"/>
           </a:p>
@@ -959,7 +966,7 @@
           <a:p>
             <a:fld id="{70C018FE-C8D6-4A9C-A702-41F1E0C1C452}" type="datetimeFigureOut">
               <a:rPr lang="en-IN" smtClean="0"/>
-              <a:t>25-09-2018</a:t>
+              <a:t>30-09-2018</a:t>
             </a:fld>
             <a:endParaRPr lang="en-IN"/>
           </a:p>
@@ -1391,7 +1398,7 @@
           <a:p>
             <a:fld id="{70C018FE-C8D6-4A9C-A702-41F1E0C1C452}" type="datetimeFigureOut">
               <a:rPr lang="en-IN" smtClean="0"/>
-              <a:t>25-09-2018</a:t>
+              <a:t>30-09-2018</a:t>
             </a:fld>
             <a:endParaRPr lang="en-IN"/>
           </a:p>
@@ -1623,7 +1630,7 @@
           <a:p>
             <a:fld id="{70C018FE-C8D6-4A9C-A702-41F1E0C1C452}" type="datetimeFigureOut">
               <a:rPr lang="en-IN" smtClean="0"/>
-              <a:t>25-09-2018</a:t>
+              <a:t>30-09-2018</a:t>
             </a:fld>
             <a:endParaRPr lang="en-IN"/>
           </a:p>
@@ -1990,7 +1997,7 @@
           <a:p>
             <a:fld id="{70C018FE-C8D6-4A9C-A702-41F1E0C1C452}" type="datetimeFigureOut">
               <a:rPr lang="en-IN" smtClean="0"/>
-              <a:t>25-09-2018</a:t>
+              <a:t>30-09-2018</a:t>
             </a:fld>
             <a:endParaRPr lang="en-IN"/>
           </a:p>
@@ -2108,7 +2115,7 @@
           <a:p>
             <a:fld id="{70C018FE-C8D6-4A9C-A702-41F1E0C1C452}" type="datetimeFigureOut">
               <a:rPr lang="en-IN" smtClean="0"/>
-              <a:t>25-09-2018</a:t>
+              <a:t>30-09-2018</a:t>
             </a:fld>
             <a:endParaRPr lang="en-IN"/>
           </a:p>
@@ -2203,7 +2210,7 @@
           <a:p>
             <a:fld id="{70C018FE-C8D6-4A9C-A702-41F1E0C1C452}" type="datetimeFigureOut">
               <a:rPr lang="en-IN" smtClean="0"/>
-              <a:t>25-09-2018</a:t>
+              <a:t>30-09-2018</a:t>
             </a:fld>
             <a:endParaRPr lang="en-IN"/>
           </a:p>
@@ -2479,7 +2486,7 @@
           <a:p>
             <a:fld id="{70C018FE-C8D6-4A9C-A702-41F1E0C1C452}" type="datetimeFigureOut">
               <a:rPr lang="en-IN" smtClean="0"/>
-              <a:t>25-09-2018</a:t>
+              <a:t>30-09-2018</a:t>
             </a:fld>
             <a:endParaRPr lang="en-IN"/>
           </a:p>
@@ -2736,7 +2743,7 @@
           <a:p>
             <a:fld id="{70C018FE-C8D6-4A9C-A702-41F1E0C1C452}" type="datetimeFigureOut">
               <a:rPr lang="en-IN" smtClean="0"/>
-              <a:t>25-09-2018</a:t>
+              <a:t>30-09-2018</a:t>
             </a:fld>
             <a:endParaRPr lang="en-IN"/>
           </a:p>
@@ -2947,7 +2954,7 @@
           <a:p>
             <a:fld id="{70C018FE-C8D6-4A9C-A702-41F1E0C1C452}" type="datetimeFigureOut">
               <a:rPr lang="en-IN" smtClean="0"/>
-              <a:t>25-09-2018</a:t>
+              <a:t>30-09-2018</a:t>
             </a:fld>
             <a:endParaRPr lang="en-IN" dirty="0"/>
           </a:p>
@@ -3449,28 +3456,22 @@
         </p:nvSpPr>
         <p:spPr>
           <a:xfrm>
-            <a:off x="388442" y="4793845"/>
+            <a:off x="264027" y="4793845"/>
             <a:ext cx="6138856" cy="1531917"/>
           </a:xfrm>
         </p:spPr>
         <p:txBody>
           <a:bodyPr>
-            <a:normAutofit fontScale="92500" lnSpcReduction="20000"/>
+            <a:normAutofit fontScale="92500" lnSpcReduction="10000"/>
           </a:bodyPr>
           <a:lstStyle/>
           <a:p>
             <a:pPr algn="l"/>
             <a:r>
-              <a:rPr lang="en-IN" sz="1200" dirty="0">
+              <a:rPr lang="en-IN" sz="1500" dirty="0">
                 <a:latin typeface="Lato" panose="020F0502020204030203"/>
               </a:rPr>
-              <a:t> </a:t>
-            </a:r>
-            <a:r>
-              <a:rPr lang="en-IN" sz="1800" dirty="0">
-                <a:latin typeface="Lato" panose="020F0502020204030203"/>
-              </a:rPr>
-              <a:t>Group Name:</a:t>
+              <a:t>Group Members:</a:t>
             </a:r>
           </a:p>
           <a:p>
@@ -3479,18 +3480,51 @@
               <a:buAutoNum type="arabicPeriod"/>
             </a:pPr>
             <a:r>
-              <a:rPr lang="en-IN" sz="1800" dirty="0">
+              <a:rPr lang="en-IN" sz="1500" dirty="0">
                 <a:latin typeface="Lato" panose="020F0502020204030203"/>
               </a:rPr>
-              <a:t> Deepak </a:t>
-            </a:r>
-            <a:r>
-              <a:rPr lang="en-IN" sz="1800" dirty="0" err="1">
+              <a:t>Merin Jose</a:t>
+            </a:r>
+          </a:p>
+          <a:p>
+            <a:pPr marL="457200" indent="-457200" algn="l">
+              <a:buFont typeface="+mj-lt"/>
+              <a:buAutoNum type="arabicPeriod"/>
+            </a:pPr>
+            <a:r>
+              <a:rPr lang="en-IN" sz="1500" dirty="0">
+                <a:latin typeface="Lato" panose="020F0502020204030203"/>
+              </a:rPr>
+              <a:t>Suresh </a:t>
+            </a:r>
+            <a:r>
+              <a:rPr lang="en-IN" sz="1500" dirty="0" err="1">
+                <a:latin typeface="Lato" panose="020F0502020204030203"/>
+              </a:rPr>
+              <a:t>Balla</a:t>
+            </a:r>
+            <a:endParaRPr lang="en-IN" sz="1500" dirty="0">
+              <a:latin typeface="Lato" panose="020F0502020204030203"/>
+            </a:endParaRPr>
+          </a:p>
+          <a:p>
+            <a:pPr marL="457200" indent="-457200" algn="l">
+              <a:buFont typeface="+mj-lt"/>
+              <a:buAutoNum type="arabicPeriod"/>
+            </a:pPr>
+            <a:r>
+              <a:rPr lang="en-IN" sz="1500" dirty="0">
+                <a:latin typeface="Lato" panose="020F0502020204030203"/>
+              </a:rPr>
+              <a:t>Deepak </a:t>
+            </a:r>
+            <a:r>
+              <a:rPr lang="en-IN" sz="1500" dirty="0" err="1">
                 <a:latin typeface="Lato" panose="020F0502020204030203"/>
               </a:rPr>
               <a:t>Aneja</a:t>
             </a:r>
-            <a:endParaRPr lang="en-IN" sz="1800" dirty="0">
+            <a:endParaRPr lang="en-IN" sz="1500" dirty="0">
               <a:latin typeface="Lato" panose="020F0502020204030203"/>
             </a:endParaRPr>
           </a:p>
@@ -3500,43 +3534,10 @@
               <a:buAutoNum type="arabicPeriod"/>
             </a:pPr>
             <a:r>
-              <a:rPr lang="en-IN" sz="1800" dirty="0">
+              <a:rPr lang="en-IN" sz="1500" dirty="0">
                 <a:latin typeface="Lato" panose="020F0502020204030203"/>
               </a:rPr>
-              <a:t> Suresh </a:t>
-            </a:r>
-            <a:r>
-              <a:rPr lang="en-IN" sz="1800" dirty="0" err="1">
-                <a:latin typeface="Lato" panose="020F0502020204030203"/>
-              </a:rPr>
-              <a:t>Balla</a:t>
-            </a:r>
-            <a:endParaRPr lang="en-IN" sz="1800" dirty="0">
-              <a:latin typeface="Lato" panose="020F0502020204030203"/>
-            </a:endParaRPr>
-          </a:p>
-          <a:p>
-            <a:pPr marL="457200" indent="-457200" algn="l">
-              <a:buFont typeface="+mj-lt"/>
-              <a:buAutoNum type="arabicPeriod"/>
-            </a:pPr>
-            <a:r>
-              <a:rPr lang="en-IN" sz="1800" dirty="0">
-                <a:latin typeface="Lato" panose="020F0502020204030203"/>
-              </a:rPr>
-              <a:t> Merin Jose</a:t>
-            </a:r>
-          </a:p>
-          <a:p>
-            <a:pPr marL="457200" indent="-457200" algn="l">
-              <a:buFont typeface="+mj-lt"/>
-              <a:buAutoNum type="arabicPeriod"/>
-            </a:pPr>
-            <a:r>
-              <a:rPr lang="en-IN" sz="1800" dirty="0">
-                <a:latin typeface="Lato" panose="020F0502020204030203"/>
-              </a:rPr>
-              <a:t> Fayiz Mayam Veettil</a:t>
+              <a:t>Fayiz Mayam Veettil</a:t>
             </a:r>
           </a:p>
           <a:p>
@@ -3852,10 +3853,10 @@
       </p:grpSpPr>
       <p:grpSp>
         <p:nvGrpSpPr>
-          <p:cNvPr id="8" name="Group 7">
+          <p:cNvPr id="11" name="Group 10">
             <a:extLst>
               <a:ext uri="{FF2B5EF4-FFF2-40B4-BE49-F238E27FC236}">
-                <a16:creationId xmlns:a16="http://schemas.microsoft.com/office/drawing/2014/main" id="{20784B6A-ECCB-4295-AE44-102B468D442D}"/>
+                <a16:creationId xmlns:a16="http://schemas.microsoft.com/office/drawing/2014/main" id="{EBBA25A6-360E-4B6F-B6E1-CF2014CF9962}"/>
               </a:ext>
             </a:extLst>
           </p:cNvPr>
@@ -3864,7 +3865,7 @@
         </p:nvGrpSpPr>
         <p:grpSpPr>
           <a:xfrm>
-            <a:off x="0" y="85725"/>
+            <a:off x="0" y="990600"/>
             <a:ext cx="12192000" cy="807291"/>
             <a:chOff x="0" y="895350"/>
             <a:chExt cx="12192000" cy="807291"/>
@@ -3872,10 +3873,10 @@
         </p:grpSpPr>
         <p:pic>
           <p:nvPicPr>
-            <p:cNvPr id="6" name="Picture 5">
+            <p:cNvPr id="12" name="Picture 11">
               <a:extLst>
                 <a:ext uri="{FF2B5EF4-FFF2-40B4-BE49-F238E27FC236}">
-                  <a16:creationId xmlns:a16="http://schemas.microsoft.com/office/drawing/2014/main" id="{BBFF3EA0-AC66-4359-BDA4-E2C2C89A47CD}"/>
+                  <a16:creationId xmlns:a16="http://schemas.microsoft.com/office/drawing/2014/main" id="{1152C58B-7A3D-453B-BEF5-0D6A80241D16}"/>
                 </a:ext>
               </a:extLst>
             </p:cNvPr>
@@ -3908,10 +3909,10 @@
         </p:pic>
         <p:sp>
           <p:nvSpPr>
-            <p:cNvPr id="9" name="Rectangle 8">
+            <p:cNvPr id="13" name="Rectangle 12">
               <a:extLst>
                 <a:ext uri="{FF2B5EF4-FFF2-40B4-BE49-F238E27FC236}">
-                  <a16:creationId xmlns:a16="http://schemas.microsoft.com/office/drawing/2014/main" id="{7E0C540B-58B3-4E69-B5EF-11090BB39535}"/>
+                  <a16:creationId xmlns:a16="http://schemas.microsoft.com/office/drawing/2014/main" id="{CF7573B2-FDB7-41CD-8FE1-311DF7F4E7B3}"/>
                 </a:ext>
               </a:extLst>
             </p:cNvPr>
@@ -3921,7 +3922,7 @@
           <p:spPr>
             <a:xfrm>
               <a:off x="210706" y="1148643"/>
-              <a:ext cx="2496196" cy="553998"/>
+              <a:ext cx="8102154" cy="553998"/>
             </a:xfrm>
             <a:prstGeom prst="rect">
               <a:avLst/>
@@ -3940,7 +3941,7 @@
                   </a:solidFill>
                   <a:latin typeface="Lato" charset="0"/>
                 </a:rPr>
-                <a:t>Data Density</a:t>
+                <a:t>Exploratory Data Analysis – Derived Metrics</a:t>
               </a:r>
               <a:endParaRPr lang="en-US" sz="2400" b="1" dirty="0">
                 <a:solidFill>
@@ -3954,88 +3955,150 @@
       </p:grpSp>
       <p:sp>
         <p:nvSpPr>
-          <p:cNvPr id="10" name="TextBox 9">
+          <p:cNvPr id="6" name="Rectangle 5">
             <a:extLst>
               <a:ext uri="{FF2B5EF4-FFF2-40B4-BE49-F238E27FC236}">
-                <a16:creationId xmlns:a16="http://schemas.microsoft.com/office/drawing/2014/main" id="{41EFAA49-0340-497B-ACD8-C0D9907234BE}"/>
+                <a16:creationId xmlns:a16="http://schemas.microsoft.com/office/drawing/2014/main" id="{B4603E62-375A-4D7B-AA63-7E3E15899393}"/>
               </a:ext>
             </a:extLst>
           </p:cNvPr>
-          <p:cNvSpPr txBox="1"/>
+          <p:cNvSpPr/>
           <p:nvPr/>
         </p:nvSpPr>
         <p:spPr>
           <a:xfrm>
-            <a:off x="373794" y="6402943"/>
-            <a:ext cx="11444412" cy="369332"/>
-          </a:xfrm>
-          <a:prstGeom prst="rect">
-            <a:avLst/>
-          </a:prstGeom>
-          <a:noFill/>
-        </p:spPr>
-        <p:txBody>
-          <a:bodyPr wrap="square" rtlCol="0">
-            <a:spAutoFit/>
-          </a:bodyPr>
-          <a:lstStyle/>
-          <a:p>
-            <a:pPr algn="ctr"/>
-            <a:r>
-              <a:rPr lang="en-US" dirty="0">
-                <a:latin typeface="Lato" panose="020F0502020204030203"/>
-              </a:rPr>
-              <a:t>Data density check on categorical </a:t>
-            </a:r>
-            <a:r>
-              <a:rPr lang="en-US" dirty="0" err="1">
-                <a:latin typeface="Lato" panose="020F0502020204030203"/>
-              </a:rPr>
-              <a:t>varaiable</a:t>
-            </a:r>
-            <a:r>
-              <a:rPr lang="en-US" dirty="0">
-                <a:latin typeface="Lato" panose="020F0502020204030203"/>
-              </a:rPr>
-              <a:t> for modeling</a:t>
-            </a:r>
-          </a:p>
-        </p:txBody>
-      </p:sp>
-      <p:pic>
-        <p:nvPicPr>
-          <p:cNvPr id="3" name="Picture 2">
-            <a:extLst>
-              <a:ext uri="{FF2B5EF4-FFF2-40B4-BE49-F238E27FC236}">
-                <a16:creationId xmlns:a16="http://schemas.microsoft.com/office/drawing/2014/main" id="{9885B697-0D10-43BD-813A-61A1B985E908}"/>
-              </a:ext>
-            </a:extLst>
-          </p:cNvPr>
-          <p:cNvPicPr>
-            <a:picLocks noChangeAspect="1"/>
-          </p:cNvPicPr>
-          <p:nvPr/>
-        </p:nvPicPr>
-        <p:blipFill>
-          <a:blip r:embed="rId3"/>
-          <a:stretch>
-            <a:fillRect/>
-          </a:stretch>
-        </p:blipFill>
-        <p:spPr>
-          <a:xfrm>
-            <a:off x="782971" y="1061636"/>
-            <a:ext cx="10125352" cy="5258412"/>
+            <a:off x="904875" y="1925515"/>
+            <a:ext cx="9544050" cy="3462807"/>
           </a:xfrm>
           <a:prstGeom prst="rect">
             <a:avLst/>
           </a:prstGeom>
         </p:spPr>
-      </p:pic>
+        <p:txBody>
+          <a:bodyPr wrap="square">
+            <a:spAutoFit/>
+          </a:bodyPr>
+          <a:lstStyle/>
+          <a:p>
+            <a:pPr lvl="1">
+              <a:lnSpc>
+                <a:spcPct val="150000"/>
+              </a:lnSpc>
+            </a:pPr>
+            <a:r>
+              <a:rPr lang="en-US" sz="1600" dirty="0">
+                <a:latin typeface="Lato"/>
+              </a:rPr>
+              <a:t>Below the columns derived for further analysis</a:t>
+            </a:r>
+          </a:p>
+          <a:p>
+            <a:pPr marL="1200150" lvl="2" indent="-285750">
+              <a:lnSpc>
+                <a:spcPct val="150000"/>
+              </a:lnSpc>
+              <a:buFont typeface="Courier New" panose="02070309020205020404" pitchFamily="49" charset="0"/>
+              <a:buChar char="o"/>
+            </a:pPr>
+            <a:r>
+              <a:rPr lang="en-US" sz="1600" b="1" dirty="0"/>
+              <a:t>Offer Price = (Product MRP * Unit Sold) – Gross Merchandise Value or Revenue</a:t>
+            </a:r>
+          </a:p>
+          <a:p>
+            <a:pPr marL="1200150" lvl="2" indent="-285750">
+              <a:lnSpc>
+                <a:spcPct val="150000"/>
+              </a:lnSpc>
+              <a:buFont typeface="Courier New" panose="02070309020205020404" pitchFamily="49" charset="0"/>
+              <a:buChar char="o"/>
+            </a:pPr>
+            <a:r>
+              <a:rPr lang="en-US" sz="1600" b="1" dirty="0"/>
+              <a:t>Week Number, </a:t>
+            </a:r>
+            <a:r>
+              <a:rPr lang="en-US" sz="1600" dirty="0"/>
+              <a:t>week number of the year ranging from 0-53 with Monday as first day of the week</a:t>
+            </a:r>
+          </a:p>
+          <a:p>
+            <a:pPr marL="1200150" lvl="2" indent="-285750">
+              <a:lnSpc>
+                <a:spcPct val="150000"/>
+              </a:lnSpc>
+              <a:buFont typeface="Courier New" panose="02070309020205020404" pitchFamily="49" charset="0"/>
+              <a:buChar char="o"/>
+            </a:pPr>
+            <a:r>
+              <a:rPr lang="en-US" sz="1600" b="1" dirty="0"/>
+              <a:t>Day, </a:t>
+            </a:r>
+            <a:r>
+              <a:rPr lang="en-US" sz="1600" dirty="0"/>
+              <a:t>day of the month ranging from 0-31</a:t>
+            </a:r>
+          </a:p>
+          <a:p>
+            <a:pPr marL="1200150" lvl="2" indent="-285750">
+              <a:lnSpc>
+                <a:spcPct val="150000"/>
+              </a:lnSpc>
+              <a:buFont typeface="Courier New" panose="02070309020205020404" pitchFamily="49" charset="0"/>
+              <a:buChar char="o"/>
+            </a:pPr>
+            <a:endParaRPr lang="en-US" sz="1600" dirty="0"/>
+          </a:p>
+          <a:p>
+            <a:pPr marL="1200150" lvl="2" indent="-285750">
+              <a:lnSpc>
+                <a:spcPct val="150000"/>
+              </a:lnSpc>
+              <a:buFont typeface="Courier New" panose="02070309020205020404" pitchFamily="49" charset="0"/>
+              <a:buChar char="o"/>
+            </a:pPr>
+            <a:endParaRPr lang="en-US" sz="1600" dirty="0"/>
+          </a:p>
+          <a:p>
+            <a:pPr marL="1200150" lvl="2" indent="-285750">
+              <a:lnSpc>
+                <a:spcPct val="150000"/>
+              </a:lnSpc>
+              <a:buFont typeface="Courier New" panose="02070309020205020404" pitchFamily="49" charset="0"/>
+              <a:buChar char="o"/>
+            </a:pPr>
+            <a:endParaRPr lang="en-US" sz="1600" dirty="0">
+              <a:latin typeface="Lato"/>
+            </a:endParaRPr>
+          </a:p>
+          <a:p>
+            <a:pPr marL="742950" lvl="1" indent="-285750">
+              <a:lnSpc>
+                <a:spcPct val="150000"/>
+              </a:lnSpc>
+              <a:buFont typeface="Courier New" panose="02070309020205020404" pitchFamily="49" charset="0"/>
+              <a:buChar char="o"/>
+            </a:pPr>
+            <a:endParaRPr lang="en-IN" sz="1600" dirty="0">
+              <a:latin typeface="Lato"/>
+            </a:endParaRPr>
+          </a:p>
+          <a:p>
+            <a:pPr>
+              <a:lnSpc>
+                <a:spcPct val="200000"/>
+              </a:lnSpc>
+            </a:pPr>
+            <a:endParaRPr lang="en-US" sz="1600" dirty="0">
+              <a:latin typeface="Lato"/>
+            </a:endParaRPr>
+          </a:p>
+        </p:txBody>
+      </p:sp>
     </p:spTree>
     <p:extLst>
       <p:ext uri="{BB962C8B-B14F-4D97-AF65-F5344CB8AC3E}">
-        <p14:creationId xmlns:p14="http://schemas.microsoft.com/office/powerpoint/2010/main" val="1552056413"/>
+        <p14:creationId xmlns:p14="http://schemas.microsoft.com/office/powerpoint/2010/main" val="2642081345"/>
       </p:ext>
     </p:extLst>
   </p:cSld>
@@ -4062,6 +4125,1845 @@
           <a:chExt cx="0" cy="0"/>
         </a:xfrm>
       </p:grpSpPr>
+      <p:grpSp>
+        <p:nvGrpSpPr>
+          <p:cNvPr id="11" name="Group 10">
+            <a:extLst>
+              <a:ext uri="{FF2B5EF4-FFF2-40B4-BE49-F238E27FC236}">
+                <a16:creationId xmlns:a16="http://schemas.microsoft.com/office/drawing/2014/main" id="{EBBA25A6-360E-4B6F-B6E1-CF2014CF9962}"/>
+              </a:ext>
+            </a:extLst>
+          </p:cNvPr>
+          <p:cNvGrpSpPr/>
+          <p:nvPr/>
+        </p:nvGrpSpPr>
+        <p:grpSpPr>
+          <a:xfrm>
+            <a:off x="0" y="990600"/>
+            <a:ext cx="12192000" cy="807291"/>
+            <a:chOff x="0" y="895350"/>
+            <a:chExt cx="12192000" cy="807291"/>
+          </a:xfrm>
+        </p:grpSpPr>
+        <p:pic>
+          <p:nvPicPr>
+            <p:cNvPr id="12" name="Picture 11">
+              <a:extLst>
+                <a:ext uri="{FF2B5EF4-FFF2-40B4-BE49-F238E27FC236}">
+                  <a16:creationId xmlns:a16="http://schemas.microsoft.com/office/drawing/2014/main" id="{1152C58B-7A3D-453B-BEF5-0D6A80241D16}"/>
+                </a:ext>
+              </a:extLst>
+            </p:cNvPr>
+            <p:cNvPicPr>
+              <a:picLocks noChangeAspect="1"/>
+            </p:cNvPicPr>
+            <p:nvPr/>
+          </p:nvPicPr>
+          <p:blipFill>
+            <a:blip r:embed="rId2">
+              <a:extLst>
+                <a:ext uri="{28A0092B-C50C-407E-A947-70E740481C1C}">
+                  <a14:useLocalDpi xmlns:a14="http://schemas.microsoft.com/office/drawing/2010/main" val="0"/>
+                </a:ext>
+              </a:extLst>
+            </a:blip>
+            <a:stretch>
+              <a:fillRect/>
+            </a:stretch>
+          </p:blipFill>
+          <p:spPr>
+            <a:xfrm>
+              <a:off x="0" y="895350"/>
+              <a:ext cx="12192000" cy="807291"/>
+            </a:xfrm>
+            <a:prstGeom prst="rect">
+              <a:avLst/>
+            </a:prstGeom>
+          </p:spPr>
+        </p:pic>
+        <p:sp>
+          <p:nvSpPr>
+            <p:cNvPr id="13" name="Rectangle 12">
+              <a:extLst>
+                <a:ext uri="{FF2B5EF4-FFF2-40B4-BE49-F238E27FC236}">
+                  <a16:creationId xmlns:a16="http://schemas.microsoft.com/office/drawing/2014/main" id="{CF7573B2-FDB7-41CD-8FE1-311DF7F4E7B3}"/>
+                </a:ext>
+              </a:extLst>
+            </p:cNvPr>
+            <p:cNvSpPr/>
+            <p:nvPr/>
+          </p:nvSpPr>
+          <p:spPr>
+            <a:xfrm>
+              <a:off x="210706" y="1148643"/>
+              <a:ext cx="6450227" cy="553998"/>
+            </a:xfrm>
+            <a:prstGeom prst="rect">
+              <a:avLst/>
+            </a:prstGeom>
+          </p:spPr>
+          <p:txBody>
+            <a:bodyPr wrap="none">
+              <a:spAutoFit/>
+            </a:bodyPr>
+            <a:lstStyle/>
+            <a:p>
+              <a:r>
+                <a:rPr lang="en-US" sz="3000" b="1" dirty="0">
+                  <a:solidFill>
+                    <a:schemeClr val="bg1"/>
+                  </a:solidFill>
+                  <a:latin typeface="Lato" charset="0"/>
+                </a:rPr>
+                <a:t>Categorical Vs Numerical Variables</a:t>
+              </a:r>
+              <a:endParaRPr lang="en-US" sz="2400" b="1" dirty="0">
+                <a:solidFill>
+                  <a:schemeClr val="bg1"/>
+                </a:solidFill>
+                <a:latin typeface="Lato" charset="0"/>
+              </a:endParaRPr>
+            </a:p>
+          </p:txBody>
+        </p:sp>
+      </p:grpSp>
+      <p:sp>
+        <p:nvSpPr>
+          <p:cNvPr id="6" name="Rectangle 5">
+            <a:extLst>
+              <a:ext uri="{FF2B5EF4-FFF2-40B4-BE49-F238E27FC236}">
+                <a16:creationId xmlns:a16="http://schemas.microsoft.com/office/drawing/2014/main" id="{B4603E62-375A-4D7B-AA63-7E3E15899393}"/>
+              </a:ext>
+            </a:extLst>
+          </p:cNvPr>
+          <p:cNvSpPr/>
+          <p:nvPr/>
+        </p:nvSpPr>
+        <p:spPr>
+          <a:xfrm>
+            <a:off x="1465751" y="2592247"/>
+            <a:ext cx="3754315" cy="3093476"/>
+          </a:xfrm>
+          <a:prstGeom prst="rect">
+            <a:avLst/>
+          </a:prstGeom>
+        </p:spPr>
+        <p:txBody>
+          <a:bodyPr wrap="square">
+            <a:spAutoFit/>
+          </a:bodyPr>
+          <a:lstStyle/>
+          <a:p>
+            <a:pPr>
+              <a:lnSpc>
+                <a:spcPct val="150000"/>
+              </a:lnSpc>
+            </a:pPr>
+            <a:r>
+              <a:rPr lang="en-US" sz="1600" b="1" dirty="0"/>
+              <a:t>Categorical Variables</a:t>
+            </a:r>
+          </a:p>
+          <a:p>
+            <a:pPr>
+              <a:lnSpc>
+                <a:spcPct val="150000"/>
+              </a:lnSpc>
+            </a:pPr>
+            <a:r>
+              <a:rPr lang="en-US" sz="1600" dirty="0"/>
+              <a:t>s1_fact.order_payment_type</a:t>
+            </a:r>
+          </a:p>
+          <a:p>
+            <a:pPr>
+              <a:lnSpc>
+                <a:spcPct val="150000"/>
+              </a:lnSpc>
+            </a:pPr>
+            <a:r>
+              <a:rPr lang="en-US" sz="1600" dirty="0" err="1"/>
+              <a:t>product_analytic_category</a:t>
+            </a:r>
+            <a:endParaRPr lang="en-US" sz="1600" dirty="0"/>
+          </a:p>
+          <a:p>
+            <a:pPr>
+              <a:lnSpc>
+                <a:spcPct val="150000"/>
+              </a:lnSpc>
+            </a:pPr>
+            <a:r>
+              <a:rPr lang="en-US" sz="1600" dirty="0" err="1"/>
+              <a:t>product_analytic_sub_category</a:t>
+            </a:r>
+            <a:endParaRPr lang="en-US" sz="1600" dirty="0"/>
+          </a:p>
+          <a:p>
+            <a:pPr>
+              <a:lnSpc>
+                <a:spcPct val="150000"/>
+              </a:lnSpc>
+            </a:pPr>
+            <a:r>
+              <a:rPr lang="en-US" sz="1600" dirty="0" err="1"/>
+              <a:t>product_analytic_vertical</a:t>
+            </a:r>
+            <a:endParaRPr lang="en-US" sz="1600" dirty="0"/>
+          </a:p>
+          <a:p>
+            <a:pPr>
+              <a:lnSpc>
+                <a:spcPct val="150000"/>
+              </a:lnSpc>
+            </a:pPr>
+            <a:r>
+              <a:rPr lang="en-US" sz="1600" dirty="0"/>
+              <a:t>Year</a:t>
+            </a:r>
+          </a:p>
+          <a:p>
+            <a:pPr>
+              <a:lnSpc>
+                <a:spcPct val="150000"/>
+              </a:lnSpc>
+            </a:pPr>
+            <a:r>
+              <a:rPr lang="en-US" sz="1600" dirty="0"/>
+              <a:t>Month</a:t>
+            </a:r>
+            <a:endParaRPr lang="en-IN" sz="1600" dirty="0">
+              <a:latin typeface="Lato"/>
+            </a:endParaRPr>
+          </a:p>
+          <a:p>
+            <a:pPr>
+              <a:lnSpc>
+                <a:spcPct val="200000"/>
+              </a:lnSpc>
+            </a:pPr>
+            <a:endParaRPr lang="en-US" sz="1600" dirty="0">
+              <a:latin typeface="Lato"/>
+            </a:endParaRPr>
+          </a:p>
+        </p:txBody>
+      </p:sp>
+      <p:sp>
+        <p:nvSpPr>
+          <p:cNvPr id="7" name="Rectangle 6">
+            <a:extLst>
+              <a:ext uri="{FF2B5EF4-FFF2-40B4-BE49-F238E27FC236}">
+                <a16:creationId xmlns:a16="http://schemas.microsoft.com/office/drawing/2014/main" id="{1FC6E815-9CA6-4758-A35A-BADA1ADD3C10}"/>
+              </a:ext>
+            </a:extLst>
+          </p:cNvPr>
+          <p:cNvSpPr/>
+          <p:nvPr/>
+        </p:nvSpPr>
+        <p:spPr>
+          <a:xfrm>
+            <a:off x="5884984" y="2592247"/>
+            <a:ext cx="3754315" cy="3832139"/>
+          </a:xfrm>
+          <a:prstGeom prst="rect">
+            <a:avLst/>
+          </a:prstGeom>
+        </p:spPr>
+        <p:txBody>
+          <a:bodyPr wrap="square">
+            <a:spAutoFit/>
+          </a:bodyPr>
+          <a:lstStyle/>
+          <a:p>
+            <a:pPr>
+              <a:lnSpc>
+                <a:spcPct val="150000"/>
+              </a:lnSpc>
+            </a:pPr>
+            <a:r>
+              <a:rPr lang="en-US" sz="1600" b="1" dirty="0"/>
+              <a:t>Numerical Variables</a:t>
+            </a:r>
+          </a:p>
+          <a:p>
+            <a:pPr>
+              <a:lnSpc>
+                <a:spcPct val="150000"/>
+              </a:lnSpc>
+            </a:pPr>
+            <a:r>
+              <a:rPr lang="en-US" sz="1600" dirty="0" err="1"/>
+              <a:t>gmv</a:t>
+            </a:r>
+            <a:r>
+              <a:rPr lang="en-US" sz="1600" dirty="0"/>
+              <a:t>                     </a:t>
+            </a:r>
+          </a:p>
+          <a:p>
+            <a:pPr>
+              <a:lnSpc>
+                <a:spcPct val="150000"/>
+              </a:lnSpc>
+            </a:pPr>
+            <a:r>
+              <a:rPr lang="en-US" sz="1600" dirty="0" err="1"/>
+              <a:t>deliverybdays</a:t>
+            </a:r>
+            <a:r>
+              <a:rPr lang="en-US" sz="1600" dirty="0"/>
+              <a:t>           </a:t>
+            </a:r>
+          </a:p>
+          <a:p>
+            <a:pPr>
+              <a:lnSpc>
+                <a:spcPct val="150000"/>
+              </a:lnSpc>
+            </a:pPr>
+            <a:r>
+              <a:rPr lang="en-US" sz="1600" dirty="0" err="1"/>
+              <a:t>deliverycdays</a:t>
+            </a:r>
+            <a:r>
+              <a:rPr lang="en-US" sz="1600" dirty="0"/>
+              <a:t>           </a:t>
+            </a:r>
+          </a:p>
+          <a:p>
+            <a:pPr>
+              <a:lnSpc>
+                <a:spcPct val="150000"/>
+              </a:lnSpc>
+            </a:pPr>
+            <a:r>
+              <a:rPr lang="en-US" sz="1600" dirty="0" err="1"/>
+              <a:t>sla</a:t>
+            </a:r>
+            <a:r>
+              <a:rPr lang="en-US" sz="1600" dirty="0"/>
+              <a:t>                     </a:t>
+            </a:r>
+          </a:p>
+          <a:p>
+            <a:pPr>
+              <a:lnSpc>
+                <a:spcPct val="150000"/>
+              </a:lnSpc>
+            </a:pPr>
+            <a:r>
+              <a:rPr lang="en-US" sz="1600" dirty="0" err="1"/>
+              <a:t>pincode</a:t>
+            </a:r>
+            <a:r>
+              <a:rPr lang="en-US" sz="1600" dirty="0"/>
+              <a:t>                </a:t>
+            </a:r>
+          </a:p>
+          <a:p>
+            <a:pPr>
+              <a:lnSpc>
+                <a:spcPct val="150000"/>
+              </a:lnSpc>
+            </a:pPr>
+            <a:r>
+              <a:rPr lang="en-US" sz="1600" dirty="0" err="1"/>
+              <a:t>product_mrp</a:t>
+            </a:r>
+            <a:r>
+              <a:rPr lang="en-US" sz="1600" dirty="0"/>
+              <a:t>            </a:t>
+            </a:r>
+          </a:p>
+          <a:p>
+            <a:pPr>
+              <a:lnSpc>
+                <a:spcPct val="150000"/>
+              </a:lnSpc>
+            </a:pPr>
+            <a:r>
+              <a:rPr lang="en-US" sz="1600" dirty="0" err="1"/>
+              <a:t>product_procurement_sla</a:t>
+            </a:r>
+            <a:r>
+              <a:rPr lang="en-US" sz="1600" dirty="0"/>
+              <a:t> </a:t>
+            </a:r>
+          </a:p>
+          <a:p>
+            <a:pPr>
+              <a:lnSpc>
+                <a:spcPct val="150000"/>
+              </a:lnSpc>
+            </a:pPr>
+            <a:r>
+              <a:rPr lang="en-US" sz="1600" dirty="0" err="1"/>
+              <a:t>offer_price</a:t>
+            </a:r>
+            <a:r>
+              <a:rPr lang="en-US" sz="1600" dirty="0"/>
+              <a:t> </a:t>
+            </a:r>
+            <a:endParaRPr lang="en-IN" sz="1600" dirty="0">
+              <a:latin typeface="Lato"/>
+            </a:endParaRPr>
+          </a:p>
+          <a:p>
+            <a:pPr>
+              <a:lnSpc>
+                <a:spcPct val="200000"/>
+              </a:lnSpc>
+            </a:pPr>
+            <a:endParaRPr lang="en-US" sz="1600" dirty="0">
+              <a:latin typeface="Lato"/>
+            </a:endParaRPr>
+          </a:p>
+        </p:txBody>
+      </p:sp>
+      <p:sp>
+        <p:nvSpPr>
+          <p:cNvPr id="9" name="Rectangle 8">
+            <a:extLst>
+              <a:ext uri="{FF2B5EF4-FFF2-40B4-BE49-F238E27FC236}">
+                <a16:creationId xmlns:a16="http://schemas.microsoft.com/office/drawing/2014/main" id="{EE123B74-6162-417A-B11F-70489AEEE356}"/>
+              </a:ext>
+            </a:extLst>
+          </p:cNvPr>
+          <p:cNvSpPr/>
+          <p:nvPr/>
+        </p:nvSpPr>
+        <p:spPr>
+          <a:xfrm>
+            <a:off x="342900" y="1982397"/>
+            <a:ext cx="8534400" cy="415819"/>
+          </a:xfrm>
+          <a:prstGeom prst="rect">
+            <a:avLst/>
+          </a:prstGeom>
+        </p:spPr>
+        <p:txBody>
+          <a:bodyPr wrap="square">
+            <a:spAutoFit/>
+          </a:bodyPr>
+          <a:lstStyle/>
+          <a:p>
+            <a:pPr lvl="1">
+              <a:lnSpc>
+                <a:spcPct val="150000"/>
+              </a:lnSpc>
+            </a:pPr>
+            <a:r>
+              <a:rPr lang="en-US" sz="1600" dirty="0">
+                <a:latin typeface="Lato"/>
+              </a:rPr>
+              <a:t>Below the list of categorical and numerical variables considered for further analysis</a:t>
+            </a:r>
+          </a:p>
+        </p:txBody>
+      </p:sp>
+    </p:spTree>
+    <p:extLst>
+      <p:ext uri="{BB962C8B-B14F-4D97-AF65-F5344CB8AC3E}">
+        <p14:creationId xmlns:p14="http://schemas.microsoft.com/office/powerpoint/2010/main" val="2872644414"/>
+      </p:ext>
+    </p:extLst>
+  </p:cSld>
+  <p:clrMapOvr>
+    <a:masterClrMapping/>
+  </p:clrMapOvr>
+</p:sld>
+</file>
+
+<file path=ppt/slides/slide12.xml><?xml version="1.0" encoding="utf-8"?>
+<p:sld xmlns:a="http://schemas.openxmlformats.org/drawingml/2006/main" xmlns:r="http://schemas.openxmlformats.org/officeDocument/2006/relationships" xmlns:p="http://schemas.openxmlformats.org/presentationml/2006/main">
+  <p:cSld>
+    <p:spTree>
+      <p:nvGrpSpPr>
+        <p:cNvPr id="1" name=""/>
+        <p:cNvGrpSpPr/>
+        <p:nvPr/>
+      </p:nvGrpSpPr>
+      <p:grpSpPr>
+        <a:xfrm>
+          <a:off x="0" y="0"/>
+          <a:ext cx="0" cy="0"/>
+          <a:chOff x="0" y="0"/>
+          <a:chExt cx="0" cy="0"/>
+        </a:xfrm>
+      </p:grpSpPr>
+      <p:grpSp>
+        <p:nvGrpSpPr>
+          <p:cNvPr id="11" name="Group 10">
+            <a:extLst>
+              <a:ext uri="{FF2B5EF4-FFF2-40B4-BE49-F238E27FC236}">
+                <a16:creationId xmlns:a16="http://schemas.microsoft.com/office/drawing/2014/main" id="{EBBA25A6-360E-4B6F-B6E1-CF2014CF9962}"/>
+              </a:ext>
+            </a:extLst>
+          </p:cNvPr>
+          <p:cNvGrpSpPr/>
+          <p:nvPr/>
+        </p:nvGrpSpPr>
+        <p:grpSpPr>
+          <a:xfrm>
+            <a:off x="0" y="990600"/>
+            <a:ext cx="12192000" cy="807291"/>
+            <a:chOff x="0" y="895350"/>
+            <a:chExt cx="12192000" cy="807291"/>
+          </a:xfrm>
+        </p:grpSpPr>
+        <p:pic>
+          <p:nvPicPr>
+            <p:cNvPr id="12" name="Picture 11">
+              <a:extLst>
+                <a:ext uri="{FF2B5EF4-FFF2-40B4-BE49-F238E27FC236}">
+                  <a16:creationId xmlns:a16="http://schemas.microsoft.com/office/drawing/2014/main" id="{1152C58B-7A3D-453B-BEF5-0D6A80241D16}"/>
+                </a:ext>
+              </a:extLst>
+            </p:cNvPr>
+            <p:cNvPicPr>
+              <a:picLocks noChangeAspect="1"/>
+            </p:cNvPicPr>
+            <p:nvPr/>
+          </p:nvPicPr>
+          <p:blipFill>
+            <a:blip r:embed="rId2">
+              <a:extLst>
+                <a:ext uri="{28A0092B-C50C-407E-A947-70E740481C1C}">
+                  <a14:useLocalDpi xmlns:a14="http://schemas.microsoft.com/office/drawing/2010/main" val="0"/>
+                </a:ext>
+              </a:extLst>
+            </a:blip>
+            <a:stretch>
+              <a:fillRect/>
+            </a:stretch>
+          </p:blipFill>
+          <p:spPr>
+            <a:xfrm>
+              <a:off x="0" y="895350"/>
+              <a:ext cx="12192000" cy="807291"/>
+            </a:xfrm>
+            <a:prstGeom prst="rect">
+              <a:avLst/>
+            </a:prstGeom>
+          </p:spPr>
+        </p:pic>
+        <p:sp>
+          <p:nvSpPr>
+            <p:cNvPr id="13" name="Rectangle 12">
+              <a:extLst>
+                <a:ext uri="{FF2B5EF4-FFF2-40B4-BE49-F238E27FC236}">
+                  <a16:creationId xmlns:a16="http://schemas.microsoft.com/office/drawing/2014/main" id="{CF7573B2-FDB7-41CD-8FE1-311DF7F4E7B3}"/>
+                </a:ext>
+              </a:extLst>
+            </p:cNvPr>
+            <p:cNvSpPr/>
+            <p:nvPr/>
+          </p:nvSpPr>
+          <p:spPr>
+            <a:xfrm>
+              <a:off x="210706" y="1148643"/>
+              <a:ext cx="7805727" cy="553998"/>
+            </a:xfrm>
+            <a:prstGeom prst="rect">
+              <a:avLst/>
+            </a:prstGeom>
+          </p:spPr>
+          <p:txBody>
+            <a:bodyPr wrap="none">
+              <a:spAutoFit/>
+            </a:bodyPr>
+            <a:lstStyle/>
+            <a:p>
+              <a:r>
+                <a:rPr lang="en-US" sz="3000" b="1" dirty="0">
+                  <a:solidFill>
+                    <a:schemeClr val="bg1"/>
+                  </a:solidFill>
+                  <a:latin typeface="Lato" charset="0"/>
+                </a:rPr>
+                <a:t>Univariate Analysis – Categorical Variables</a:t>
+              </a:r>
+              <a:endParaRPr lang="en-US" sz="2400" b="1" dirty="0">
+                <a:solidFill>
+                  <a:schemeClr val="bg1"/>
+                </a:solidFill>
+                <a:latin typeface="Lato" charset="0"/>
+              </a:endParaRPr>
+            </a:p>
+          </p:txBody>
+        </p:sp>
+      </p:grpSp>
+      <p:grpSp>
+        <p:nvGrpSpPr>
+          <p:cNvPr id="5" name="Group 4">
+            <a:extLst>
+              <a:ext uri="{FF2B5EF4-FFF2-40B4-BE49-F238E27FC236}">
+                <a16:creationId xmlns:a16="http://schemas.microsoft.com/office/drawing/2014/main" id="{D9F2D564-8494-4630-9584-1CA31B13C9F9}"/>
+              </a:ext>
+            </a:extLst>
+          </p:cNvPr>
+          <p:cNvGrpSpPr/>
+          <p:nvPr/>
+        </p:nvGrpSpPr>
+        <p:grpSpPr>
+          <a:xfrm>
+            <a:off x="1402684" y="2051184"/>
+            <a:ext cx="9038492" cy="4710200"/>
+            <a:chOff x="1402684" y="2051184"/>
+            <a:chExt cx="9038492" cy="4710200"/>
+          </a:xfrm>
+        </p:grpSpPr>
+        <p:pic>
+          <p:nvPicPr>
+            <p:cNvPr id="2" name="Picture 1">
+              <a:extLst>
+                <a:ext uri="{FF2B5EF4-FFF2-40B4-BE49-F238E27FC236}">
+                  <a16:creationId xmlns:a16="http://schemas.microsoft.com/office/drawing/2014/main" id="{29FDCBEA-8413-4E55-A629-0B3CF55D9240}"/>
+                </a:ext>
+              </a:extLst>
+            </p:cNvPr>
+            <p:cNvPicPr>
+              <a:picLocks noChangeAspect="1"/>
+            </p:cNvPicPr>
+            <p:nvPr/>
+          </p:nvPicPr>
+          <p:blipFill>
+            <a:blip r:embed="rId3"/>
+            <a:stretch>
+              <a:fillRect/>
+            </a:stretch>
+          </p:blipFill>
+          <p:spPr>
+            <a:xfrm>
+              <a:off x="1402684" y="2051184"/>
+              <a:ext cx="9038492" cy="4710200"/>
+            </a:xfrm>
+            <a:prstGeom prst="rect">
+              <a:avLst/>
+            </a:prstGeom>
+          </p:spPr>
+        </p:pic>
+        <p:pic>
+          <p:nvPicPr>
+            <p:cNvPr id="4" name="Picture 3">
+              <a:extLst>
+                <a:ext uri="{FF2B5EF4-FFF2-40B4-BE49-F238E27FC236}">
+                  <a16:creationId xmlns:a16="http://schemas.microsoft.com/office/drawing/2014/main" id="{93799897-BD16-4D7D-BB1F-76816D010F7B}"/>
+                </a:ext>
+              </a:extLst>
+            </p:cNvPr>
+            <p:cNvPicPr>
+              <a:picLocks noChangeAspect="1"/>
+            </p:cNvPicPr>
+            <p:nvPr/>
+          </p:nvPicPr>
+          <p:blipFill>
+            <a:blip r:embed="rId4"/>
+            <a:stretch>
+              <a:fillRect/>
+            </a:stretch>
+          </p:blipFill>
+          <p:spPr>
+            <a:xfrm>
+              <a:off x="1402684" y="3657601"/>
+              <a:ext cx="9038492" cy="1380392"/>
+            </a:xfrm>
+            <a:prstGeom prst="rect">
+              <a:avLst/>
+            </a:prstGeom>
+          </p:spPr>
+        </p:pic>
+      </p:grpSp>
+    </p:spTree>
+    <p:extLst>
+      <p:ext uri="{BB962C8B-B14F-4D97-AF65-F5344CB8AC3E}">
+        <p14:creationId xmlns:p14="http://schemas.microsoft.com/office/powerpoint/2010/main" val="2557468882"/>
+      </p:ext>
+    </p:extLst>
+  </p:cSld>
+  <p:clrMapOvr>
+    <a:masterClrMapping/>
+  </p:clrMapOvr>
+</p:sld>
+</file>
+
+<file path=ppt/slides/slide13.xml><?xml version="1.0" encoding="utf-8"?>
+<p:sld xmlns:a="http://schemas.openxmlformats.org/drawingml/2006/main" xmlns:r="http://schemas.openxmlformats.org/officeDocument/2006/relationships" xmlns:p="http://schemas.openxmlformats.org/presentationml/2006/main">
+  <p:cSld>
+    <p:spTree>
+      <p:nvGrpSpPr>
+        <p:cNvPr id="1" name=""/>
+        <p:cNvGrpSpPr/>
+        <p:nvPr/>
+      </p:nvGrpSpPr>
+      <p:grpSpPr>
+        <a:xfrm>
+          <a:off x="0" y="0"/>
+          <a:ext cx="0" cy="0"/>
+          <a:chOff x="0" y="0"/>
+          <a:chExt cx="0" cy="0"/>
+        </a:xfrm>
+      </p:grpSpPr>
+      <p:grpSp>
+        <p:nvGrpSpPr>
+          <p:cNvPr id="11" name="Group 10">
+            <a:extLst>
+              <a:ext uri="{FF2B5EF4-FFF2-40B4-BE49-F238E27FC236}">
+                <a16:creationId xmlns:a16="http://schemas.microsoft.com/office/drawing/2014/main" id="{EBBA25A6-360E-4B6F-B6E1-CF2014CF9962}"/>
+              </a:ext>
+            </a:extLst>
+          </p:cNvPr>
+          <p:cNvGrpSpPr/>
+          <p:nvPr/>
+        </p:nvGrpSpPr>
+        <p:grpSpPr>
+          <a:xfrm>
+            <a:off x="0" y="990600"/>
+            <a:ext cx="12192000" cy="807291"/>
+            <a:chOff x="0" y="895350"/>
+            <a:chExt cx="12192000" cy="807291"/>
+          </a:xfrm>
+        </p:grpSpPr>
+        <p:pic>
+          <p:nvPicPr>
+            <p:cNvPr id="12" name="Picture 11">
+              <a:extLst>
+                <a:ext uri="{FF2B5EF4-FFF2-40B4-BE49-F238E27FC236}">
+                  <a16:creationId xmlns:a16="http://schemas.microsoft.com/office/drawing/2014/main" id="{1152C58B-7A3D-453B-BEF5-0D6A80241D16}"/>
+                </a:ext>
+              </a:extLst>
+            </p:cNvPr>
+            <p:cNvPicPr>
+              <a:picLocks noChangeAspect="1"/>
+            </p:cNvPicPr>
+            <p:nvPr/>
+          </p:nvPicPr>
+          <p:blipFill>
+            <a:blip r:embed="rId2">
+              <a:extLst>
+                <a:ext uri="{28A0092B-C50C-407E-A947-70E740481C1C}">
+                  <a14:useLocalDpi xmlns:a14="http://schemas.microsoft.com/office/drawing/2010/main" val="0"/>
+                </a:ext>
+              </a:extLst>
+            </a:blip>
+            <a:stretch>
+              <a:fillRect/>
+            </a:stretch>
+          </p:blipFill>
+          <p:spPr>
+            <a:xfrm>
+              <a:off x="0" y="895350"/>
+              <a:ext cx="12192000" cy="807291"/>
+            </a:xfrm>
+            <a:prstGeom prst="rect">
+              <a:avLst/>
+            </a:prstGeom>
+          </p:spPr>
+        </p:pic>
+        <p:sp>
+          <p:nvSpPr>
+            <p:cNvPr id="13" name="Rectangle 12">
+              <a:extLst>
+                <a:ext uri="{FF2B5EF4-FFF2-40B4-BE49-F238E27FC236}">
+                  <a16:creationId xmlns:a16="http://schemas.microsoft.com/office/drawing/2014/main" id="{CF7573B2-FDB7-41CD-8FE1-311DF7F4E7B3}"/>
+                </a:ext>
+              </a:extLst>
+            </p:cNvPr>
+            <p:cNvSpPr/>
+            <p:nvPr/>
+          </p:nvSpPr>
+          <p:spPr>
+            <a:xfrm>
+              <a:off x="210706" y="1148643"/>
+              <a:ext cx="9783832" cy="553998"/>
+            </a:xfrm>
+            <a:prstGeom prst="rect">
+              <a:avLst/>
+            </a:prstGeom>
+          </p:spPr>
+          <p:txBody>
+            <a:bodyPr wrap="none">
+              <a:spAutoFit/>
+            </a:bodyPr>
+            <a:lstStyle/>
+            <a:p>
+              <a:r>
+                <a:rPr lang="en-US" sz="3000" b="1" dirty="0">
+                  <a:solidFill>
+                    <a:schemeClr val="bg1"/>
+                  </a:solidFill>
+                  <a:latin typeface="Lato" charset="0"/>
+                </a:rPr>
+                <a:t>Univariate Segmented Analysis – Numerical Variables</a:t>
+              </a:r>
+              <a:endParaRPr lang="en-US" sz="2400" b="1" dirty="0">
+                <a:solidFill>
+                  <a:schemeClr val="bg1"/>
+                </a:solidFill>
+                <a:latin typeface="Lato" charset="0"/>
+              </a:endParaRPr>
+            </a:p>
+          </p:txBody>
+        </p:sp>
+      </p:grpSp>
+      <p:grpSp>
+        <p:nvGrpSpPr>
+          <p:cNvPr id="5" name="Group 4">
+            <a:extLst>
+              <a:ext uri="{FF2B5EF4-FFF2-40B4-BE49-F238E27FC236}">
+                <a16:creationId xmlns:a16="http://schemas.microsoft.com/office/drawing/2014/main" id="{D9F2D564-8494-4630-9584-1CA31B13C9F9}"/>
+              </a:ext>
+            </a:extLst>
+          </p:cNvPr>
+          <p:cNvGrpSpPr/>
+          <p:nvPr/>
+        </p:nvGrpSpPr>
+        <p:grpSpPr>
+          <a:xfrm>
+            <a:off x="1402684" y="2051184"/>
+            <a:ext cx="9038492" cy="4710200"/>
+            <a:chOff x="1402684" y="2051184"/>
+            <a:chExt cx="9038492" cy="4710200"/>
+          </a:xfrm>
+        </p:grpSpPr>
+        <p:pic>
+          <p:nvPicPr>
+            <p:cNvPr id="2" name="Picture 1">
+              <a:extLst>
+                <a:ext uri="{FF2B5EF4-FFF2-40B4-BE49-F238E27FC236}">
+                  <a16:creationId xmlns:a16="http://schemas.microsoft.com/office/drawing/2014/main" id="{29FDCBEA-8413-4E55-A629-0B3CF55D9240}"/>
+                </a:ext>
+              </a:extLst>
+            </p:cNvPr>
+            <p:cNvPicPr>
+              <a:picLocks noChangeAspect="1"/>
+            </p:cNvPicPr>
+            <p:nvPr/>
+          </p:nvPicPr>
+          <p:blipFill>
+            <a:blip r:embed="rId3"/>
+            <a:stretch>
+              <a:fillRect/>
+            </a:stretch>
+          </p:blipFill>
+          <p:spPr>
+            <a:xfrm>
+              <a:off x="1402684" y="2051184"/>
+              <a:ext cx="9038492" cy="4710200"/>
+            </a:xfrm>
+            <a:prstGeom prst="rect">
+              <a:avLst/>
+            </a:prstGeom>
+          </p:spPr>
+        </p:pic>
+        <p:pic>
+          <p:nvPicPr>
+            <p:cNvPr id="4" name="Picture 3">
+              <a:extLst>
+                <a:ext uri="{FF2B5EF4-FFF2-40B4-BE49-F238E27FC236}">
+                  <a16:creationId xmlns:a16="http://schemas.microsoft.com/office/drawing/2014/main" id="{93799897-BD16-4D7D-BB1F-76816D010F7B}"/>
+                </a:ext>
+              </a:extLst>
+            </p:cNvPr>
+            <p:cNvPicPr>
+              <a:picLocks noChangeAspect="1"/>
+            </p:cNvPicPr>
+            <p:nvPr/>
+          </p:nvPicPr>
+          <p:blipFill>
+            <a:blip r:embed="rId4"/>
+            <a:stretch>
+              <a:fillRect/>
+            </a:stretch>
+          </p:blipFill>
+          <p:spPr>
+            <a:xfrm>
+              <a:off x="1402684" y="3657601"/>
+              <a:ext cx="9038492" cy="1380392"/>
+            </a:xfrm>
+            <a:prstGeom prst="rect">
+              <a:avLst/>
+            </a:prstGeom>
+          </p:spPr>
+        </p:pic>
+      </p:grpSp>
+    </p:spTree>
+    <p:extLst>
+      <p:ext uri="{BB962C8B-B14F-4D97-AF65-F5344CB8AC3E}">
+        <p14:creationId xmlns:p14="http://schemas.microsoft.com/office/powerpoint/2010/main" val="1477163698"/>
+      </p:ext>
+    </p:extLst>
+  </p:cSld>
+  <p:clrMapOvr>
+    <a:masterClrMapping/>
+  </p:clrMapOvr>
+</p:sld>
+</file>
+
+<file path=ppt/slides/slide14.xml><?xml version="1.0" encoding="utf-8"?>
+<p:sld xmlns:a="http://schemas.openxmlformats.org/drawingml/2006/main" xmlns:r="http://schemas.openxmlformats.org/officeDocument/2006/relationships" xmlns:p="http://schemas.openxmlformats.org/presentationml/2006/main">
+  <p:cSld>
+    <p:spTree>
+      <p:nvGrpSpPr>
+        <p:cNvPr id="1" name=""/>
+        <p:cNvGrpSpPr/>
+        <p:nvPr/>
+      </p:nvGrpSpPr>
+      <p:grpSpPr>
+        <a:xfrm>
+          <a:off x="0" y="0"/>
+          <a:ext cx="0" cy="0"/>
+          <a:chOff x="0" y="0"/>
+          <a:chExt cx="0" cy="0"/>
+        </a:xfrm>
+      </p:grpSpPr>
+      <p:grpSp>
+        <p:nvGrpSpPr>
+          <p:cNvPr id="11" name="Group 10">
+            <a:extLst>
+              <a:ext uri="{FF2B5EF4-FFF2-40B4-BE49-F238E27FC236}">
+                <a16:creationId xmlns:a16="http://schemas.microsoft.com/office/drawing/2014/main" id="{EBBA25A6-360E-4B6F-B6E1-CF2014CF9962}"/>
+              </a:ext>
+            </a:extLst>
+          </p:cNvPr>
+          <p:cNvGrpSpPr/>
+          <p:nvPr/>
+        </p:nvGrpSpPr>
+        <p:grpSpPr>
+          <a:xfrm>
+            <a:off x="0" y="990600"/>
+            <a:ext cx="12192000" cy="807291"/>
+            <a:chOff x="0" y="895350"/>
+            <a:chExt cx="12192000" cy="807291"/>
+          </a:xfrm>
+        </p:grpSpPr>
+        <p:pic>
+          <p:nvPicPr>
+            <p:cNvPr id="12" name="Picture 11">
+              <a:extLst>
+                <a:ext uri="{FF2B5EF4-FFF2-40B4-BE49-F238E27FC236}">
+                  <a16:creationId xmlns:a16="http://schemas.microsoft.com/office/drawing/2014/main" id="{1152C58B-7A3D-453B-BEF5-0D6A80241D16}"/>
+                </a:ext>
+              </a:extLst>
+            </p:cNvPr>
+            <p:cNvPicPr>
+              <a:picLocks noChangeAspect="1"/>
+            </p:cNvPicPr>
+            <p:nvPr/>
+          </p:nvPicPr>
+          <p:blipFill>
+            <a:blip r:embed="rId2">
+              <a:extLst>
+                <a:ext uri="{28A0092B-C50C-407E-A947-70E740481C1C}">
+                  <a14:useLocalDpi xmlns:a14="http://schemas.microsoft.com/office/drawing/2010/main" val="0"/>
+                </a:ext>
+              </a:extLst>
+            </a:blip>
+            <a:stretch>
+              <a:fillRect/>
+            </a:stretch>
+          </p:blipFill>
+          <p:spPr>
+            <a:xfrm>
+              <a:off x="0" y="895350"/>
+              <a:ext cx="12192000" cy="807291"/>
+            </a:xfrm>
+            <a:prstGeom prst="rect">
+              <a:avLst/>
+            </a:prstGeom>
+          </p:spPr>
+        </p:pic>
+        <p:sp>
+          <p:nvSpPr>
+            <p:cNvPr id="13" name="Rectangle 12">
+              <a:extLst>
+                <a:ext uri="{FF2B5EF4-FFF2-40B4-BE49-F238E27FC236}">
+                  <a16:creationId xmlns:a16="http://schemas.microsoft.com/office/drawing/2014/main" id="{CF7573B2-FDB7-41CD-8FE1-311DF7F4E7B3}"/>
+                </a:ext>
+              </a:extLst>
+            </p:cNvPr>
+            <p:cNvSpPr/>
+            <p:nvPr/>
+          </p:nvSpPr>
+          <p:spPr>
+            <a:xfrm>
+              <a:off x="210706" y="1148643"/>
+              <a:ext cx="6629444" cy="553998"/>
+            </a:xfrm>
+            <a:prstGeom prst="rect">
+              <a:avLst/>
+            </a:prstGeom>
+          </p:spPr>
+          <p:txBody>
+            <a:bodyPr wrap="none">
+              <a:spAutoFit/>
+            </a:bodyPr>
+            <a:lstStyle/>
+            <a:p>
+              <a:r>
+                <a:rPr lang="en-US" sz="3000" b="1" dirty="0">
+                  <a:solidFill>
+                    <a:schemeClr val="bg1"/>
+                  </a:solidFill>
+                  <a:latin typeface="Lato" charset="0"/>
+                </a:rPr>
+                <a:t>Bivariate Analysis – Correlation Plot</a:t>
+              </a:r>
+              <a:endParaRPr lang="en-US" sz="2400" b="1" dirty="0">
+                <a:solidFill>
+                  <a:schemeClr val="bg1"/>
+                </a:solidFill>
+                <a:latin typeface="Lato" charset="0"/>
+              </a:endParaRPr>
+            </a:p>
+          </p:txBody>
+        </p:sp>
+      </p:grpSp>
+      <p:pic>
+        <p:nvPicPr>
+          <p:cNvPr id="7" name="Picture 6">
+            <a:extLst>
+              <a:ext uri="{FF2B5EF4-FFF2-40B4-BE49-F238E27FC236}">
+                <a16:creationId xmlns:a16="http://schemas.microsoft.com/office/drawing/2014/main" id="{119B87D5-CEEE-4C0F-B027-E5899BC1A180}"/>
+              </a:ext>
+            </a:extLst>
+          </p:cNvPr>
+          <p:cNvPicPr>
+            <a:picLocks noChangeAspect="1"/>
+          </p:cNvPicPr>
+          <p:nvPr/>
+        </p:nvPicPr>
+        <p:blipFill>
+          <a:blip r:embed="rId3"/>
+          <a:stretch>
+            <a:fillRect/>
+          </a:stretch>
+        </p:blipFill>
+        <p:spPr>
+          <a:xfrm>
+            <a:off x="3350091" y="1935660"/>
+            <a:ext cx="4946693" cy="4764079"/>
+          </a:xfrm>
+          <a:prstGeom prst="rect">
+            <a:avLst/>
+          </a:prstGeom>
+        </p:spPr>
+      </p:pic>
+    </p:spTree>
+    <p:extLst>
+      <p:ext uri="{BB962C8B-B14F-4D97-AF65-F5344CB8AC3E}">
+        <p14:creationId xmlns:p14="http://schemas.microsoft.com/office/powerpoint/2010/main" val="3621503285"/>
+      </p:ext>
+    </p:extLst>
+  </p:cSld>
+  <p:clrMapOvr>
+    <a:masterClrMapping/>
+  </p:clrMapOvr>
+</p:sld>
+</file>
+
+<file path=ppt/slides/slide15.xml><?xml version="1.0" encoding="utf-8"?>
+<p:sld xmlns:a="http://schemas.openxmlformats.org/drawingml/2006/main" xmlns:r="http://schemas.openxmlformats.org/officeDocument/2006/relationships" xmlns:p="http://schemas.openxmlformats.org/presentationml/2006/main">
+  <p:cSld>
+    <p:spTree>
+      <p:nvGrpSpPr>
+        <p:cNvPr id="1" name=""/>
+        <p:cNvGrpSpPr/>
+        <p:nvPr/>
+      </p:nvGrpSpPr>
+      <p:grpSpPr>
+        <a:xfrm>
+          <a:off x="0" y="0"/>
+          <a:ext cx="0" cy="0"/>
+          <a:chOff x="0" y="0"/>
+          <a:chExt cx="0" cy="0"/>
+        </a:xfrm>
+      </p:grpSpPr>
+      <p:grpSp>
+        <p:nvGrpSpPr>
+          <p:cNvPr id="11" name="Group 10">
+            <a:extLst>
+              <a:ext uri="{FF2B5EF4-FFF2-40B4-BE49-F238E27FC236}">
+                <a16:creationId xmlns:a16="http://schemas.microsoft.com/office/drawing/2014/main" id="{EBBA25A6-360E-4B6F-B6E1-CF2014CF9962}"/>
+              </a:ext>
+            </a:extLst>
+          </p:cNvPr>
+          <p:cNvGrpSpPr/>
+          <p:nvPr/>
+        </p:nvGrpSpPr>
+        <p:grpSpPr>
+          <a:xfrm>
+            <a:off x="0" y="990600"/>
+            <a:ext cx="12192000" cy="807291"/>
+            <a:chOff x="0" y="895350"/>
+            <a:chExt cx="12192000" cy="807291"/>
+          </a:xfrm>
+        </p:grpSpPr>
+        <p:pic>
+          <p:nvPicPr>
+            <p:cNvPr id="12" name="Picture 11">
+              <a:extLst>
+                <a:ext uri="{FF2B5EF4-FFF2-40B4-BE49-F238E27FC236}">
+                  <a16:creationId xmlns:a16="http://schemas.microsoft.com/office/drawing/2014/main" id="{1152C58B-7A3D-453B-BEF5-0D6A80241D16}"/>
+                </a:ext>
+              </a:extLst>
+            </p:cNvPr>
+            <p:cNvPicPr>
+              <a:picLocks noChangeAspect="1"/>
+            </p:cNvPicPr>
+            <p:nvPr/>
+          </p:nvPicPr>
+          <p:blipFill>
+            <a:blip r:embed="rId2">
+              <a:extLst>
+                <a:ext uri="{28A0092B-C50C-407E-A947-70E740481C1C}">
+                  <a14:useLocalDpi xmlns:a14="http://schemas.microsoft.com/office/drawing/2010/main" val="0"/>
+                </a:ext>
+              </a:extLst>
+            </a:blip>
+            <a:stretch>
+              <a:fillRect/>
+            </a:stretch>
+          </p:blipFill>
+          <p:spPr>
+            <a:xfrm>
+              <a:off x="0" y="895350"/>
+              <a:ext cx="12192000" cy="807291"/>
+            </a:xfrm>
+            <a:prstGeom prst="rect">
+              <a:avLst/>
+            </a:prstGeom>
+          </p:spPr>
+        </p:pic>
+        <p:sp>
+          <p:nvSpPr>
+            <p:cNvPr id="13" name="Rectangle 12">
+              <a:extLst>
+                <a:ext uri="{FF2B5EF4-FFF2-40B4-BE49-F238E27FC236}">
+                  <a16:creationId xmlns:a16="http://schemas.microsoft.com/office/drawing/2014/main" id="{CF7573B2-FDB7-41CD-8FE1-311DF7F4E7B3}"/>
+                </a:ext>
+              </a:extLst>
+            </p:cNvPr>
+            <p:cNvSpPr/>
+            <p:nvPr/>
+          </p:nvSpPr>
+          <p:spPr>
+            <a:xfrm>
+              <a:off x="210706" y="1148643"/>
+              <a:ext cx="8379858" cy="553998"/>
+            </a:xfrm>
+            <a:prstGeom prst="rect">
+              <a:avLst/>
+            </a:prstGeom>
+          </p:spPr>
+          <p:txBody>
+            <a:bodyPr wrap="none">
+              <a:spAutoFit/>
+            </a:bodyPr>
+            <a:lstStyle/>
+            <a:p>
+              <a:r>
+                <a:rPr lang="en-US" sz="3000" b="1" dirty="0">
+                  <a:solidFill>
+                    <a:schemeClr val="bg1"/>
+                  </a:solidFill>
+                  <a:latin typeface="Lato" charset="0"/>
+                </a:rPr>
+                <a:t>Bivariate Analysis – High Correlated Variables</a:t>
+              </a:r>
+              <a:endParaRPr lang="en-US" sz="2400" b="1" dirty="0">
+                <a:solidFill>
+                  <a:schemeClr val="bg1"/>
+                </a:solidFill>
+                <a:latin typeface="Lato" charset="0"/>
+              </a:endParaRPr>
+            </a:p>
+          </p:txBody>
+        </p:sp>
+      </p:grpSp>
+      <p:grpSp>
+        <p:nvGrpSpPr>
+          <p:cNvPr id="4" name="Group 3">
+            <a:extLst>
+              <a:ext uri="{FF2B5EF4-FFF2-40B4-BE49-F238E27FC236}">
+                <a16:creationId xmlns:a16="http://schemas.microsoft.com/office/drawing/2014/main" id="{E7284F39-89F0-4F7C-AD32-4E344E8BF4EF}"/>
+              </a:ext>
+            </a:extLst>
+          </p:cNvPr>
+          <p:cNvGrpSpPr/>
+          <p:nvPr/>
+        </p:nvGrpSpPr>
+        <p:grpSpPr>
+          <a:xfrm>
+            <a:off x="813903" y="1955156"/>
+            <a:ext cx="6307868" cy="4902844"/>
+            <a:chOff x="1684341" y="1955156"/>
+            <a:chExt cx="6307868" cy="4902844"/>
+          </a:xfrm>
+        </p:grpSpPr>
+        <p:pic>
+          <p:nvPicPr>
+            <p:cNvPr id="2" name="Picture 1">
+              <a:extLst>
+                <a:ext uri="{FF2B5EF4-FFF2-40B4-BE49-F238E27FC236}">
+                  <a16:creationId xmlns:a16="http://schemas.microsoft.com/office/drawing/2014/main" id="{C950F77B-7276-4556-84C1-C68AAB5BEE88}"/>
+                </a:ext>
+              </a:extLst>
+            </p:cNvPr>
+            <p:cNvPicPr>
+              <a:picLocks noChangeAspect="1"/>
+            </p:cNvPicPr>
+            <p:nvPr/>
+          </p:nvPicPr>
+          <p:blipFill>
+            <a:blip r:embed="rId3"/>
+            <a:stretch>
+              <a:fillRect/>
+            </a:stretch>
+          </p:blipFill>
+          <p:spPr>
+            <a:xfrm>
+              <a:off x="1684341" y="1955156"/>
+              <a:ext cx="6307868" cy="4902844"/>
+            </a:xfrm>
+            <a:prstGeom prst="rect">
+              <a:avLst/>
+            </a:prstGeom>
+          </p:spPr>
+        </p:pic>
+        <p:pic>
+          <p:nvPicPr>
+            <p:cNvPr id="3" name="Picture 2">
+              <a:extLst>
+                <a:ext uri="{FF2B5EF4-FFF2-40B4-BE49-F238E27FC236}">
+                  <a16:creationId xmlns:a16="http://schemas.microsoft.com/office/drawing/2014/main" id="{F8F1FCB8-83B9-4580-AF45-1F36FD7E972F}"/>
+                </a:ext>
+              </a:extLst>
+            </p:cNvPr>
+            <p:cNvPicPr>
+              <a:picLocks noChangeAspect="1"/>
+            </p:cNvPicPr>
+            <p:nvPr/>
+          </p:nvPicPr>
+          <p:blipFill>
+            <a:blip r:embed="rId4"/>
+            <a:stretch>
+              <a:fillRect/>
+            </a:stretch>
+          </p:blipFill>
+          <p:spPr>
+            <a:xfrm>
+              <a:off x="4838275" y="4409806"/>
+              <a:ext cx="3083594" cy="2408602"/>
+            </a:xfrm>
+            <a:prstGeom prst="rect">
+              <a:avLst/>
+            </a:prstGeom>
+          </p:spPr>
+        </p:pic>
+      </p:grpSp>
+      <p:sp>
+        <p:nvSpPr>
+          <p:cNvPr id="14" name="Rectangle 13">
+            <a:extLst>
+              <a:ext uri="{FF2B5EF4-FFF2-40B4-BE49-F238E27FC236}">
+                <a16:creationId xmlns:a16="http://schemas.microsoft.com/office/drawing/2014/main" id="{73D2C29C-8C55-4AEE-9D86-8C811790659F}"/>
+              </a:ext>
+            </a:extLst>
+          </p:cNvPr>
+          <p:cNvSpPr/>
+          <p:nvPr/>
+        </p:nvSpPr>
+        <p:spPr>
+          <a:xfrm>
+            <a:off x="7623782" y="3289722"/>
+            <a:ext cx="3754315" cy="1523815"/>
+          </a:xfrm>
+          <a:prstGeom prst="rect">
+            <a:avLst/>
+          </a:prstGeom>
+        </p:spPr>
+        <p:txBody>
+          <a:bodyPr wrap="square">
+            <a:spAutoFit/>
+          </a:bodyPr>
+          <a:lstStyle/>
+          <a:p>
+            <a:pPr>
+              <a:lnSpc>
+                <a:spcPct val="150000"/>
+              </a:lnSpc>
+            </a:pPr>
+            <a:r>
+              <a:rPr lang="en-US" sz="1600" b="1" dirty="0" err="1">
+                <a:latin typeface="Lato"/>
+              </a:rPr>
+              <a:t>Product_MRP</a:t>
+            </a:r>
+            <a:r>
+              <a:rPr lang="en-US" sz="1600" b="1" dirty="0">
+                <a:latin typeface="Lato"/>
+              </a:rPr>
+              <a:t>, </a:t>
+            </a:r>
+          </a:p>
+          <a:p>
+            <a:pPr>
+              <a:lnSpc>
+                <a:spcPct val="150000"/>
+              </a:lnSpc>
+            </a:pPr>
+            <a:r>
+              <a:rPr lang="en-US" sz="1600" b="1" dirty="0" err="1">
+                <a:latin typeface="Lato"/>
+              </a:rPr>
+              <a:t>SubCategory_Camera</a:t>
+            </a:r>
+            <a:r>
+              <a:rPr lang="en-US" sz="1600" b="1" dirty="0">
+                <a:latin typeface="Lato"/>
+              </a:rPr>
+              <a:t>, </a:t>
+            </a:r>
+            <a:r>
+              <a:rPr lang="en-US" sz="1600" b="1" dirty="0" err="1">
+                <a:latin typeface="Lato"/>
+              </a:rPr>
+              <a:t>Category_EntertainmentSmall</a:t>
+            </a:r>
+            <a:r>
+              <a:rPr lang="en-US" sz="1600" b="1" dirty="0">
+                <a:latin typeface="Lato"/>
+              </a:rPr>
+              <a:t> </a:t>
+            </a:r>
+          </a:p>
+          <a:p>
+            <a:pPr>
+              <a:lnSpc>
+                <a:spcPct val="150000"/>
+              </a:lnSpc>
+            </a:pPr>
+            <a:r>
+              <a:rPr lang="en-US" sz="1600" dirty="0">
+                <a:latin typeface="Lato"/>
+              </a:rPr>
+              <a:t>found high correlated to </a:t>
+            </a:r>
+            <a:r>
+              <a:rPr lang="en-US" sz="1600" b="1" dirty="0">
+                <a:latin typeface="Lato"/>
+              </a:rPr>
+              <a:t>GMV</a:t>
+            </a:r>
+          </a:p>
+        </p:txBody>
+      </p:sp>
+    </p:spTree>
+    <p:extLst>
+      <p:ext uri="{BB962C8B-B14F-4D97-AF65-F5344CB8AC3E}">
+        <p14:creationId xmlns:p14="http://schemas.microsoft.com/office/powerpoint/2010/main" val="2571659438"/>
+      </p:ext>
+    </p:extLst>
+  </p:cSld>
+  <p:clrMapOvr>
+    <a:masterClrMapping/>
+  </p:clrMapOvr>
+</p:sld>
+</file>
+
+<file path=ppt/slides/slide16.xml><?xml version="1.0" encoding="utf-8"?>
+<p:sld xmlns:a="http://schemas.openxmlformats.org/drawingml/2006/main" xmlns:r="http://schemas.openxmlformats.org/officeDocument/2006/relationships" xmlns:p="http://schemas.openxmlformats.org/presentationml/2006/main">
+  <p:cSld>
+    <p:spTree>
+      <p:nvGrpSpPr>
+        <p:cNvPr id="1" name=""/>
+        <p:cNvGrpSpPr/>
+        <p:nvPr/>
+      </p:nvGrpSpPr>
+      <p:grpSpPr>
+        <a:xfrm>
+          <a:off x="0" y="0"/>
+          <a:ext cx="0" cy="0"/>
+          <a:chOff x="0" y="0"/>
+          <a:chExt cx="0" cy="0"/>
+        </a:xfrm>
+      </p:grpSpPr>
+      <p:grpSp>
+        <p:nvGrpSpPr>
+          <p:cNvPr id="11" name="Group 10">
+            <a:extLst>
+              <a:ext uri="{FF2B5EF4-FFF2-40B4-BE49-F238E27FC236}">
+                <a16:creationId xmlns:a16="http://schemas.microsoft.com/office/drawing/2014/main" id="{EBBA25A6-360E-4B6F-B6E1-CF2014CF9962}"/>
+              </a:ext>
+            </a:extLst>
+          </p:cNvPr>
+          <p:cNvGrpSpPr/>
+          <p:nvPr/>
+        </p:nvGrpSpPr>
+        <p:grpSpPr>
+          <a:xfrm>
+            <a:off x="0" y="990600"/>
+            <a:ext cx="12192000" cy="807291"/>
+            <a:chOff x="0" y="895350"/>
+            <a:chExt cx="12192000" cy="807291"/>
+          </a:xfrm>
+        </p:grpSpPr>
+        <p:pic>
+          <p:nvPicPr>
+            <p:cNvPr id="12" name="Picture 11">
+              <a:extLst>
+                <a:ext uri="{FF2B5EF4-FFF2-40B4-BE49-F238E27FC236}">
+                  <a16:creationId xmlns:a16="http://schemas.microsoft.com/office/drawing/2014/main" id="{1152C58B-7A3D-453B-BEF5-0D6A80241D16}"/>
+                </a:ext>
+              </a:extLst>
+            </p:cNvPr>
+            <p:cNvPicPr>
+              <a:picLocks noChangeAspect="1"/>
+            </p:cNvPicPr>
+            <p:nvPr/>
+          </p:nvPicPr>
+          <p:blipFill>
+            <a:blip r:embed="rId2">
+              <a:extLst>
+                <a:ext uri="{28A0092B-C50C-407E-A947-70E740481C1C}">
+                  <a14:useLocalDpi xmlns:a14="http://schemas.microsoft.com/office/drawing/2010/main" val="0"/>
+                </a:ext>
+              </a:extLst>
+            </a:blip>
+            <a:stretch>
+              <a:fillRect/>
+            </a:stretch>
+          </p:blipFill>
+          <p:spPr>
+            <a:xfrm>
+              <a:off x="0" y="895350"/>
+              <a:ext cx="12192000" cy="807291"/>
+            </a:xfrm>
+            <a:prstGeom prst="rect">
+              <a:avLst/>
+            </a:prstGeom>
+          </p:spPr>
+        </p:pic>
+        <p:sp>
+          <p:nvSpPr>
+            <p:cNvPr id="13" name="Rectangle 12">
+              <a:extLst>
+                <a:ext uri="{FF2B5EF4-FFF2-40B4-BE49-F238E27FC236}">
+                  <a16:creationId xmlns:a16="http://schemas.microsoft.com/office/drawing/2014/main" id="{CF7573B2-FDB7-41CD-8FE1-311DF7F4E7B3}"/>
+                </a:ext>
+              </a:extLst>
+            </p:cNvPr>
+            <p:cNvSpPr/>
+            <p:nvPr/>
+          </p:nvSpPr>
+          <p:spPr>
+            <a:xfrm>
+              <a:off x="210706" y="1148643"/>
+              <a:ext cx="3339632" cy="553998"/>
+            </a:xfrm>
+            <a:prstGeom prst="rect">
+              <a:avLst/>
+            </a:prstGeom>
+          </p:spPr>
+          <p:txBody>
+            <a:bodyPr wrap="none">
+              <a:spAutoFit/>
+            </a:bodyPr>
+            <a:lstStyle/>
+            <a:p>
+              <a:r>
+                <a:rPr lang="en-US" sz="3000" b="1" dirty="0">
+                  <a:solidFill>
+                    <a:schemeClr val="bg1"/>
+                  </a:solidFill>
+                  <a:latin typeface="Lato" charset="0"/>
+                </a:rPr>
+                <a:t>Aggregated Plots</a:t>
+              </a:r>
+              <a:endParaRPr lang="en-US" sz="2400" b="1" dirty="0">
+                <a:solidFill>
+                  <a:schemeClr val="bg1"/>
+                </a:solidFill>
+                <a:latin typeface="Lato" charset="0"/>
+              </a:endParaRPr>
+            </a:p>
+          </p:txBody>
+        </p:sp>
+      </p:grpSp>
+      <p:pic>
+        <p:nvPicPr>
+          <p:cNvPr id="5" name="Picture 4">
+            <a:extLst>
+              <a:ext uri="{FF2B5EF4-FFF2-40B4-BE49-F238E27FC236}">
+                <a16:creationId xmlns:a16="http://schemas.microsoft.com/office/drawing/2014/main" id="{997B72CC-E13A-4B2B-9232-3531A1424210}"/>
+              </a:ext>
+            </a:extLst>
+          </p:cNvPr>
+          <p:cNvPicPr>
+            <a:picLocks noChangeAspect="1"/>
+          </p:cNvPicPr>
+          <p:nvPr/>
+        </p:nvPicPr>
+        <p:blipFill>
+          <a:blip r:embed="rId3"/>
+          <a:stretch>
+            <a:fillRect/>
+          </a:stretch>
+        </p:blipFill>
+        <p:spPr>
+          <a:xfrm>
+            <a:off x="695325" y="2051184"/>
+            <a:ext cx="8820150" cy="4581475"/>
+          </a:xfrm>
+          <a:prstGeom prst="rect">
+            <a:avLst/>
+          </a:prstGeom>
+        </p:spPr>
+      </p:pic>
+    </p:spTree>
+    <p:extLst>
+      <p:ext uri="{BB962C8B-B14F-4D97-AF65-F5344CB8AC3E}">
+        <p14:creationId xmlns:p14="http://schemas.microsoft.com/office/powerpoint/2010/main" val="2948711709"/>
+      </p:ext>
+    </p:extLst>
+  </p:cSld>
+  <p:clrMapOvr>
+    <a:masterClrMapping/>
+  </p:clrMapOvr>
+</p:sld>
+</file>
+
+<file path=ppt/slides/slide17.xml><?xml version="1.0" encoding="utf-8"?>
+<p:sld xmlns:a="http://schemas.openxmlformats.org/drawingml/2006/main" xmlns:r="http://schemas.openxmlformats.org/officeDocument/2006/relationships" xmlns:p="http://schemas.openxmlformats.org/presentationml/2006/main">
+  <p:cSld>
+    <p:spTree>
+      <p:nvGrpSpPr>
+        <p:cNvPr id="1" name=""/>
+        <p:cNvGrpSpPr/>
+        <p:nvPr/>
+      </p:nvGrpSpPr>
+      <p:grpSpPr>
+        <a:xfrm>
+          <a:off x="0" y="0"/>
+          <a:ext cx="0" cy="0"/>
+          <a:chOff x="0" y="0"/>
+          <a:chExt cx="0" cy="0"/>
+        </a:xfrm>
+      </p:grpSpPr>
+      <p:grpSp>
+        <p:nvGrpSpPr>
+          <p:cNvPr id="11" name="Group 10">
+            <a:extLst>
+              <a:ext uri="{FF2B5EF4-FFF2-40B4-BE49-F238E27FC236}">
+                <a16:creationId xmlns:a16="http://schemas.microsoft.com/office/drawing/2014/main" id="{EBBA25A6-360E-4B6F-B6E1-CF2014CF9962}"/>
+              </a:ext>
+            </a:extLst>
+          </p:cNvPr>
+          <p:cNvGrpSpPr/>
+          <p:nvPr/>
+        </p:nvGrpSpPr>
+        <p:grpSpPr>
+          <a:xfrm>
+            <a:off x="0" y="990600"/>
+            <a:ext cx="12192000" cy="807291"/>
+            <a:chOff x="0" y="895350"/>
+            <a:chExt cx="12192000" cy="807291"/>
+          </a:xfrm>
+        </p:grpSpPr>
+        <p:pic>
+          <p:nvPicPr>
+            <p:cNvPr id="12" name="Picture 11">
+              <a:extLst>
+                <a:ext uri="{FF2B5EF4-FFF2-40B4-BE49-F238E27FC236}">
+                  <a16:creationId xmlns:a16="http://schemas.microsoft.com/office/drawing/2014/main" id="{1152C58B-7A3D-453B-BEF5-0D6A80241D16}"/>
+                </a:ext>
+              </a:extLst>
+            </p:cNvPr>
+            <p:cNvPicPr>
+              <a:picLocks noChangeAspect="1"/>
+            </p:cNvPicPr>
+            <p:nvPr/>
+          </p:nvPicPr>
+          <p:blipFill>
+            <a:blip r:embed="rId2">
+              <a:extLst>
+                <a:ext uri="{28A0092B-C50C-407E-A947-70E740481C1C}">
+                  <a14:useLocalDpi xmlns:a14="http://schemas.microsoft.com/office/drawing/2010/main" val="0"/>
+                </a:ext>
+              </a:extLst>
+            </a:blip>
+            <a:stretch>
+              <a:fillRect/>
+            </a:stretch>
+          </p:blipFill>
+          <p:spPr>
+            <a:xfrm>
+              <a:off x="0" y="895350"/>
+              <a:ext cx="12192000" cy="807291"/>
+            </a:xfrm>
+            <a:prstGeom prst="rect">
+              <a:avLst/>
+            </a:prstGeom>
+          </p:spPr>
+        </p:pic>
+        <p:sp>
+          <p:nvSpPr>
+            <p:cNvPr id="13" name="Rectangle 12">
+              <a:extLst>
+                <a:ext uri="{FF2B5EF4-FFF2-40B4-BE49-F238E27FC236}">
+                  <a16:creationId xmlns:a16="http://schemas.microsoft.com/office/drawing/2014/main" id="{CF7573B2-FDB7-41CD-8FE1-311DF7F4E7B3}"/>
+                </a:ext>
+              </a:extLst>
+            </p:cNvPr>
+            <p:cNvSpPr/>
+            <p:nvPr/>
+          </p:nvSpPr>
+          <p:spPr>
+            <a:xfrm>
+              <a:off x="210706" y="1148643"/>
+              <a:ext cx="4089902" cy="553998"/>
+            </a:xfrm>
+            <a:prstGeom prst="rect">
+              <a:avLst/>
+            </a:prstGeom>
+          </p:spPr>
+          <p:txBody>
+            <a:bodyPr wrap="none">
+              <a:spAutoFit/>
+            </a:bodyPr>
+            <a:lstStyle/>
+            <a:p>
+              <a:r>
+                <a:rPr lang="en-US" sz="3000" b="1" dirty="0">
+                  <a:solidFill>
+                    <a:schemeClr val="bg1"/>
+                  </a:solidFill>
+                  <a:latin typeface="Lato" charset="0"/>
+                </a:rPr>
+                <a:t>Aggregation Strategy</a:t>
+              </a:r>
+              <a:endParaRPr lang="en-US" sz="2400" b="1" dirty="0">
+                <a:solidFill>
+                  <a:schemeClr val="bg1"/>
+                </a:solidFill>
+                <a:latin typeface="Lato" charset="0"/>
+              </a:endParaRPr>
+            </a:p>
+          </p:txBody>
+        </p:sp>
+      </p:grpSp>
+      <p:sp>
+        <p:nvSpPr>
+          <p:cNvPr id="5" name="Rectangle 4">
+            <a:extLst>
+              <a:ext uri="{FF2B5EF4-FFF2-40B4-BE49-F238E27FC236}">
+                <a16:creationId xmlns:a16="http://schemas.microsoft.com/office/drawing/2014/main" id="{E3AD0377-12D4-4CEA-9949-31CFCB134DA7}"/>
+              </a:ext>
+            </a:extLst>
+          </p:cNvPr>
+          <p:cNvSpPr/>
+          <p:nvPr/>
+        </p:nvSpPr>
+        <p:spPr>
+          <a:xfrm>
+            <a:off x="904875" y="1925515"/>
+            <a:ext cx="9544050" cy="4201471"/>
+          </a:xfrm>
+          <a:prstGeom prst="rect">
+            <a:avLst/>
+          </a:prstGeom>
+        </p:spPr>
+        <p:txBody>
+          <a:bodyPr wrap="square">
+            <a:spAutoFit/>
+          </a:bodyPr>
+          <a:lstStyle/>
+          <a:p>
+            <a:pPr marL="285750" indent="-285750">
+              <a:lnSpc>
+                <a:spcPct val="150000"/>
+              </a:lnSpc>
+              <a:buFont typeface="Courier New" panose="02070309020205020404" pitchFamily="49" charset="0"/>
+              <a:buChar char="o"/>
+            </a:pPr>
+            <a:r>
+              <a:rPr lang="en-US" sz="1600" b="1" dirty="0"/>
+              <a:t>Aggregate By day</a:t>
+            </a:r>
+          </a:p>
+          <a:p>
+            <a:pPr marL="742950" lvl="1" indent="-285750">
+              <a:lnSpc>
+                <a:spcPct val="150000"/>
+              </a:lnSpc>
+              <a:buFont typeface="Courier New" panose="02070309020205020404" pitchFamily="49" charset="0"/>
+              <a:buChar char="o"/>
+            </a:pPr>
+            <a:r>
+              <a:rPr lang="en-US" sz="1600" dirty="0"/>
+              <a:t>Calculated the </a:t>
+            </a:r>
+            <a:r>
+              <a:rPr lang="en-US" sz="1600" b="1" dirty="0"/>
+              <a:t>SUM </a:t>
+            </a:r>
+            <a:r>
+              <a:rPr lang="en-US" sz="1600" dirty="0"/>
+              <a:t>of </a:t>
+            </a:r>
+            <a:r>
+              <a:rPr lang="en-US" sz="1600" b="1" dirty="0"/>
+              <a:t>GMV, Product MRP and Offer Price</a:t>
+            </a:r>
+            <a:r>
+              <a:rPr lang="en-US" sz="1600" dirty="0"/>
+              <a:t> variables</a:t>
+            </a:r>
+          </a:p>
+          <a:p>
+            <a:pPr marL="742950" lvl="1" indent="-285750">
+              <a:lnSpc>
+                <a:spcPct val="150000"/>
+              </a:lnSpc>
+              <a:buFont typeface="Courier New" panose="02070309020205020404" pitchFamily="49" charset="0"/>
+              <a:buChar char="o"/>
+            </a:pPr>
+            <a:endParaRPr lang="en-US" sz="1600" dirty="0"/>
+          </a:p>
+          <a:p>
+            <a:pPr marL="285750" indent="-285750">
+              <a:lnSpc>
+                <a:spcPct val="150000"/>
+              </a:lnSpc>
+              <a:buFont typeface="Courier New" panose="02070309020205020404" pitchFamily="49" charset="0"/>
+              <a:buChar char="o"/>
+            </a:pPr>
+            <a:r>
+              <a:rPr lang="en-US" sz="1600" b="1" dirty="0"/>
+              <a:t>Aggregate By Month</a:t>
+            </a:r>
+          </a:p>
+          <a:p>
+            <a:pPr marL="285750" indent="-285750">
+              <a:lnSpc>
+                <a:spcPct val="150000"/>
+              </a:lnSpc>
+              <a:buFont typeface="Courier New" panose="02070309020205020404" pitchFamily="49" charset="0"/>
+              <a:buChar char="o"/>
+            </a:pPr>
+            <a:r>
+              <a:rPr lang="en-US" sz="1600" b="1" dirty="0"/>
+              <a:t>Week Number, </a:t>
+            </a:r>
+            <a:r>
+              <a:rPr lang="en-US" sz="1600" dirty="0"/>
+              <a:t>week number of the year ranging from 0-53 with Monday as first day of the week</a:t>
+            </a:r>
+          </a:p>
+          <a:p>
+            <a:pPr marL="285750" indent="-285750">
+              <a:lnSpc>
+                <a:spcPct val="150000"/>
+              </a:lnSpc>
+              <a:buFont typeface="Courier New" panose="02070309020205020404" pitchFamily="49" charset="0"/>
+              <a:buChar char="o"/>
+            </a:pPr>
+            <a:r>
+              <a:rPr lang="en-US" sz="1600" b="1" dirty="0"/>
+              <a:t>Day, </a:t>
+            </a:r>
+            <a:r>
+              <a:rPr lang="en-US" sz="1600" dirty="0"/>
+              <a:t>day of the month ranging from 0-31</a:t>
+            </a:r>
+          </a:p>
+          <a:p>
+            <a:pPr marL="1200150" lvl="2" indent="-285750">
+              <a:lnSpc>
+                <a:spcPct val="150000"/>
+              </a:lnSpc>
+              <a:buFont typeface="Courier New" panose="02070309020205020404" pitchFamily="49" charset="0"/>
+              <a:buChar char="o"/>
+            </a:pPr>
+            <a:endParaRPr lang="en-US" sz="1600" dirty="0"/>
+          </a:p>
+          <a:p>
+            <a:pPr marL="1200150" lvl="2" indent="-285750">
+              <a:lnSpc>
+                <a:spcPct val="150000"/>
+              </a:lnSpc>
+              <a:buFont typeface="Courier New" panose="02070309020205020404" pitchFamily="49" charset="0"/>
+              <a:buChar char="o"/>
+            </a:pPr>
+            <a:endParaRPr lang="en-US" sz="1600" dirty="0"/>
+          </a:p>
+          <a:p>
+            <a:pPr marL="1200150" lvl="2" indent="-285750">
+              <a:lnSpc>
+                <a:spcPct val="150000"/>
+              </a:lnSpc>
+              <a:buFont typeface="Courier New" panose="02070309020205020404" pitchFamily="49" charset="0"/>
+              <a:buChar char="o"/>
+            </a:pPr>
+            <a:endParaRPr lang="en-US" sz="1600" dirty="0">
+              <a:latin typeface="Lato"/>
+            </a:endParaRPr>
+          </a:p>
+          <a:p>
+            <a:pPr marL="742950" lvl="1" indent="-285750">
+              <a:lnSpc>
+                <a:spcPct val="150000"/>
+              </a:lnSpc>
+              <a:buFont typeface="Courier New" panose="02070309020205020404" pitchFamily="49" charset="0"/>
+              <a:buChar char="o"/>
+            </a:pPr>
+            <a:endParaRPr lang="en-IN" sz="1600" dirty="0">
+              <a:latin typeface="Lato"/>
+            </a:endParaRPr>
+          </a:p>
+          <a:p>
+            <a:pPr>
+              <a:lnSpc>
+                <a:spcPct val="200000"/>
+              </a:lnSpc>
+            </a:pPr>
+            <a:endParaRPr lang="en-US" sz="1600" dirty="0">
+              <a:latin typeface="Lato"/>
+            </a:endParaRPr>
+          </a:p>
+        </p:txBody>
+      </p:sp>
+    </p:spTree>
+    <p:extLst>
+      <p:ext uri="{BB962C8B-B14F-4D97-AF65-F5344CB8AC3E}">
+        <p14:creationId xmlns:p14="http://schemas.microsoft.com/office/powerpoint/2010/main" val="3541138158"/>
+      </p:ext>
+    </p:extLst>
+  </p:cSld>
+  <p:clrMapOvr>
+    <a:masterClrMapping/>
+  </p:clrMapOvr>
+</p:sld>
+</file>
+
+<file path=ppt/slides/slide18.xml><?xml version="1.0" encoding="utf-8"?>
+<p:sld xmlns:a="http://schemas.openxmlformats.org/drawingml/2006/main" xmlns:r="http://schemas.openxmlformats.org/officeDocument/2006/relationships" xmlns:p="http://schemas.openxmlformats.org/presentationml/2006/main">
+  <p:cSld>
+    <p:spTree>
+      <p:nvGrpSpPr>
+        <p:cNvPr id="1" name=""/>
+        <p:cNvGrpSpPr/>
+        <p:nvPr/>
+      </p:nvGrpSpPr>
+      <p:grpSpPr>
+        <a:xfrm>
+          <a:off x="0" y="0"/>
+          <a:ext cx="0" cy="0"/>
+          <a:chOff x="0" y="0"/>
+          <a:chExt cx="0" cy="0"/>
+        </a:xfrm>
+      </p:grpSpPr>
       <p:sp>
         <p:nvSpPr>
           <p:cNvPr id="3" name="Subtitle 2"/>
@@ -4086,7 +5988,7 @@
           <a:p>
             <a:pPr algn="r"/>
             <a:r>
-              <a:rPr lang="en-IN" sz="1800" dirty="0">
+              <a:rPr lang="en-IN" sz="1600" dirty="0">
                 <a:latin typeface="Lato" panose="020F0502020204030203"/>
               </a:rPr>
               <a:t>Merin Jose</a:t>
@@ -4095,43 +5997,43 @@
           <a:p>
             <a:pPr algn="r"/>
             <a:r>
-              <a:rPr lang="en-IN" sz="1800" dirty="0">
+              <a:rPr lang="en-IN" sz="1600" dirty="0">
                 <a:latin typeface="Lato" panose="020F0502020204030203"/>
               </a:rPr>
               <a:t>Suresh </a:t>
             </a:r>
             <a:r>
-              <a:rPr lang="en-IN" sz="1800" dirty="0" err="1">
+              <a:rPr lang="en-IN" sz="1600" dirty="0" err="1">
                 <a:latin typeface="Lato" panose="020F0502020204030203"/>
               </a:rPr>
               <a:t>Balla</a:t>
             </a:r>
-            <a:endParaRPr lang="en-IN" sz="1800" dirty="0">
+            <a:endParaRPr lang="en-IN" sz="1600" dirty="0">
               <a:latin typeface="Lato" panose="020F0502020204030203"/>
             </a:endParaRPr>
           </a:p>
           <a:p>
             <a:pPr algn="r"/>
             <a:r>
-              <a:rPr lang="en-IN" sz="1800" dirty="0">
+              <a:rPr lang="en-IN" sz="1600" dirty="0">
                 <a:latin typeface="Lato" panose="020F0502020204030203"/>
               </a:rPr>
               <a:t>Deepak </a:t>
             </a:r>
             <a:r>
-              <a:rPr lang="en-IN" sz="1800" dirty="0" err="1">
+              <a:rPr lang="en-IN" sz="1600" dirty="0" err="1">
                 <a:latin typeface="Lato" panose="020F0502020204030203"/>
               </a:rPr>
               <a:t>Aneja</a:t>
             </a:r>
-            <a:endParaRPr lang="en-IN" sz="1800" dirty="0">
+            <a:endParaRPr lang="en-IN" sz="1600" dirty="0">
               <a:latin typeface="Lato" panose="020F0502020204030203"/>
             </a:endParaRPr>
           </a:p>
           <a:p>
             <a:pPr algn="r"/>
             <a:r>
-              <a:rPr lang="en-IN" sz="1800" dirty="0">
+              <a:rPr lang="en-IN" sz="1600" dirty="0">
                 <a:latin typeface="Lato" panose="020F0502020204030203"/>
               </a:rPr>
               <a:t>Fayiz Mayam Veettil</a:t>
@@ -4180,7 +6082,9 @@
               </a:lnSpc>
             </a:pPr>
             <a:r>
-              <a:rPr lang="en-US" sz="3200" b="1" dirty="0"/>
+              <a:rPr lang="en-US" sz="3200" b="1" dirty="0">
+                <a:latin typeface="Lato" panose="020F0502020204030203"/>
+              </a:rPr>
               <a:t>Thanks</a:t>
             </a:r>
             <a:endParaRPr lang="en-IN" sz="2400" dirty="0">
@@ -4992,6 +6896,36 @@
       </p:grpSpPr>
       <p:pic>
         <p:nvPicPr>
+          <p:cNvPr id="5" name="Picture 4">
+            <a:extLst>
+              <a:ext uri="{FF2B5EF4-FFF2-40B4-BE49-F238E27FC236}">
+                <a16:creationId xmlns:a16="http://schemas.microsoft.com/office/drawing/2014/main" id="{B1CB1D8A-2A09-4A03-B355-8430855A9E28}"/>
+              </a:ext>
+            </a:extLst>
+          </p:cNvPr>
+          <p:cNvPicPr>
+            <a:picLocks noChangeAspect="1"/>
+          </p:cNvPicPr>
+          <p:nvPr/>
+        </p:nvPicPr>
+        <p:blipFill>
+          <a:blip r:embed="rId2"/>
+          <a:stretch>
+            <a:fillRect/>
+          </a:stretch>
+        </p:blipFill>
+        <p:spPr>
+          <a:xfrm>
+            <a:off x="2462212" y="2752698"/>
+            <a:ext cx="7362825" cy="3486150"/>
+          </a:xfrm>
+          <a:prstGeom prst="rect">
+            <a:avLst/>
+          </a:prstGeom>
+        </p:spPr>
+      </p:pic>
+      <p:pic>
+        <p:nvPicPr>
           <p:cNvPr id="6" name="Picture 5">
             <a:extLst>
               <a:ext uri="{FF2B5EF4-FFF2-40B4-BE49-F238E27FC236}">
@@ -5005,7 +6939,7 @@
           <p:nvPr/>
         </p:nvPicPr>
         <p:blipFill>
-          <a:blip r:embed="rId2">
+          <a:blip r:embed="rId3">
             <a:extLst>
               <a:ext uri="{28A0092B-C50C-407E-A947-70E740481C1C}">
                 <a14:useLocalDpi xmlns:a14="http://schemas.microsoft.com/office/drawing/2010/main" val="0"/>
@@ -5106,36 +7040,6 @@
           </a:p>
         </p:txBody>
       </p:sp>
-      <p:pic>
-        <p:nvPicPr>
-          <p:cNvPr id="4" name="Picture 3">
-            <a:extLst>
-              <a:ext uri="{FF2B5EF4-FFF2-40B4-BE49-F238E27FC236}">
-                <a16:creationId xmlns:a16="http://schemas.microsoft.com/office/drawing/2014/main" id="{61BC7FCC-AEF2-43F4-9C77-66E1374A77AA}"/>
-              </a:ext>
-            </a:extLst>
-          </p:cNvPr>
-          <p:cNvPicPr>
-            <a:picLocks noChangeAspect="1"/>
-          </p:cNvPicPr>
-          <p:nvPr/>
-        </p:nvPicPr>
-        <p:blipFill>
-          <a:blip r:embed="rId3"/>
-          <a:stretch>
-            <a:fillRect/>
-          </a:stretch>
-        </p:blipFill>
-        <p:spPr>
-          <a:xfrm>
-            <a:off x="2462212" y="2733648"/>
-            <a:ext cx="7267575" cy="3505200"/>
-          </a:xfrm>
-          <a:prstGeom prst="rect">
-            <a:avLst/>
-          </a:prstGeom>
-        </p:spPr>
-      </p:pic>
     </p:spTree>
     <p:extLst>
       <p:ext uri="{BB962C8B-B14F-4D97-AF65-F5344CB8AC3E}">
@@ -6012,7 +7916,7 @@
           <p:spPr>
             <a:xfrm>
               <a:off x="210706" y="1148643"/>
-              <a:ext cx="4839273" cy="553998"/>
+              <a:ext cx="7772769" cy="553998"/>
             </a:xfrm>
             <a:prstGeom prst="rect">
               <a:avLst/>
@@ -6031,7 +7935,7 @@
                   </a:solidFill>
                   <a:latin typeface="Lato" charset="0"/>
                 </a:rPr>
-                <a:t>Exploratory Data Analysis</a:t>
+                <a:t>Exploratory Data Analysis – Data Cleaning</a:t>
               </a:r>
               <a:endParaRPr lang="en-US" sz="2400" b="1" dirty="0">
                 <a:solidFill>
@@ -6077,6 +7981,18 @@
               <a:buFont typeface="Courier New" panose="02070309020205020404" pitchFamily="49" charset="0"/>
               <a:buChar char="o"/>
             </a:pPr>
+            <a:endParaRPr lang="en-US" sz="1600" dirty="0">
+              <a:latin typeface="Lato"/>
+            </a:endParaRPr>
+          </a:p>
+          <a:p>
+            <a:pPr marL="742950" lvl="1" indent="-285750">
+              <a:lnSpc>
+                <a:spcPct val="150000"/>
+              </a:lnSpc>
+              <a:buFont typeface="Courier New" panose="02070309020205020404" pitchFamily="49" charset="0"/>
+              <a:buChar char="o"/>
+            </a:pPr>
             <a:r>
               <a:rPr lang="en-US" sz="1600" dirty="0">
                 <a:latin typeface="Lato"/>
@@ -6130,6 +8046,18 @@
             </a:r>
           </a:p>
           <a:p>
+            <a:pPr marL="1200150" lvl="2" indent="-285750">
+              <a:lnSpc>
+                <a:spcPct val="150000"/>
+              </a:lnSpc>
+              <a:buFont typeface="Courier New" panose="02070309020205020404" pitchFamily="49" charset="0"/>
+              <a:buChar char="o"/>
+            </a:pPr>
+            <a:endParaRPr lang="en-US" sz="1600" dirty="0">
+              <a:latin typeface="Lato"/>
+            </a:endParaRPr>
+          </a:p>
+          <a:p>
             <a:pPr marL="742950" lvl="1" indent="-285750">
               <a:lnSpc>
                 <a:spcPct val="150000"/>
@@ -6201,11 +8129,11 @@
               <a:rPr lang="en-US" sz="1600" dirty="0">
                 <a:latin typeface="Lato"/>
               </a:rPr>
-              <a:t>Removed the columns based on Non Zero Variance </a:t>
-            </a:r>
-          </a:p>
-          <a:p>
-            <a:pPr marL="742950" lvl="1" indent="-285750">
+              <a:t>Below columns where removed after applying Near Zero Variances</a:t>
+            </a:r>
+          </a:p>
+          <a:p>
+            <a:pPr marL="1657350" lvl="3" indent="-285750">
               <a:lnSpc>
                 <a:spcPct val="150000"/>
               </a:lnSpc>
@@ -6216,40 +8144,23 @@
               <a:rPr lang="en-US" sz="1600" dirty="0">
                 <a:latin typeface="Lato"/>
               </a:rPr>
-              <a:t>Derived Metrics</a:t>
-            </a:r>
-          </a:p>
-          <a:p>
-            <a:pPr marL="1200150" lvl="2" indent="-285750">
-              <a:lnSpc>
-                <a:spcPct val="150000"/>
-              </a:lnSpc>
-              <a:buFont typeface="Courier New" panose="02070309020205020404" pitchFamily="49" charset="0"/>
-              <a:buChar char="o"/>
-            </a:pPr>
-            <a:r>
-              <a:rPr lang="en-US" sz="1600" dirty="0"/>
-              <a:t>New column derived to get the offered price</a:t>
-            </a:r>
+              <a:t>units, </a:t>
+            </a:r>
+            <a:r>
+              <a:rPr lang="en-US" sz="1600" dirty="0" err="1">
+                <a:latin typeface="Lato"/>
+              </a:rPr>
+              <a:t>product_analytics_super_category</a:t>
+            </a:r>
+            <a:endParaRPr lang="en-US" sz="1600" dirty="0">
+              <a:latin typeface="Lato"/>
+            </a:endParaRPr>
           </a:p>
           <a:p>
             <a:pPr lvl="2">
               <a:lnSpc>
                 <a:spcPct val="150000"/>
               </a:lnSpc>
-            </a:pPr>
-            <a:r>
-              <a:rPr lang="en-US" sz="1600" b="1" dirty="0"/>
-              <a:t>	Offer Price = (Product MRP * Unit Sold) – Gross Merchandise Value or Revenue</a:t>
-            </a:r>
-          </a:p>
-          <a:p>
-            <a:pPr marL="1200150" lvl="2" indent="-285750">
-              <a:lnSpc>
-                <a:spcPct val="150000"/>
-              </a:lnSpc>
-              <a:buFont typeface="Courier New" panose="02070309020205020404" pitchFamily="49" charset="0"/>
-              <a:buChar char="o"/>
             </a:pPr>
             <a:endParaRPr lang="en-US" sz="1600" dirty="0"/>
           </a:p>

--- a/Capstone Project/Ecommerce_Capstone_Project.pptx
+++ b/Capstone Project/Ecommerce_Capstone_Project.pptx
@@ -5,7 +5,7 @@
     <p:sldMasterId id="2147483660" r:id="rId1"/>
   </p:sldMasterIdLst>
   <p:notesMasterIdLst>
-    <p:notesMasterId r:id="rId20"/>
+    <p:notesMasterId r:id="rId24"/>
   </p:notesMasterIdLst>
   <p:sldIdLst>
     <p:sldId id="256" r:id="rId2"/>
@@ -13,19 +13,23 @@
     <p:sldId id="338" r:id="rId4"/>
     <p:sldId id="327" r:id="rId5"/>
     <p:sldId id="339" r:id="rId6"/>
-    <p:sldId id="340" r:id="rId7"/>
-    <p:sldId id="341" r:id="rId8"/>
-    <p:sldId id="283" r:id="rId9"/>
-    <p:sldId id="271" r:id="rId10"/>
-    <p:sldId id="342" r:id="rId11"/>
-    <p:sldId id="343" r:id="rId12"/>
-    <p:sldId id="344" r:id="rId13"/>
-    <p:sldId id="347" r:id="rId14"/>
-    <p:sldId id="345" r:id="rId15"/>
-    <p:sldId id="346" r:id="rId16"/>
-    <p:sldId id="348" r:id="rId17"/>
-    <p:sldId id="349" r:id="rId18"/>
-    <p:sldId id="334" r:id="rId19"/>
+    <p:sldId id="341" r:id="rId7"/>
+    <p:sldId id="283" r:id="rId8"/>
+    <p:sldId id="271" r:id="rId9"/>
+    <p:sldId id="342" r:id="rId10"/>
+    <p:sldId id="343" r:id="rId11"/>
+    <p:sldId id="344" r:id="rId12"/>
+    <p:sldId id="345" r:id="rId13"/>
+    <p:sldId id="346" r:id="rId14"/>
+    <p:sldId id="348" r:id="rId15"/>
+    <p:sldId id="349" r:id="rId16"/>
+    <p:sldId id="352" r:id="rId17"/>
+    <p:sldId id="350" r:id="rId18"/>
+    <p:sldId id="351" r:id="rId19"/>
+    <p:sldId id="353" r:id="rId20"/>
+    <p:sldId id="354" r:id="rId21"/>
+    <p:sldId id="355" r:id="rId22"/>
+    <p:sldId id="334" r:id="rId23"/>
   </p:sldIdLst>
   <p:sldSz cx="12192000" cy="6858000"/>
   <p:notesSz cx="6858000" cy="9144000"/>
@@ -3922,280 +3926,6 @@
           <p:spPr>
             <a:xfrm>
               <a:off x="210706" y="1148643"/>
-              <a:ext cx="8102154" cy="553998"/>
-            </a:xfrm>
-            <a:prstGeom prst="rect">
-              <a:avLst/>
-            </a:prstGeom>
-          </p:spPr>
-          <p:txBody>
-            <a:bodyPr wrap="none">
-              <a:spAutoFit/>
-            </a:bodyPr>
-            <a:lstStyle/>
-            <a:p>
-              <a:r>
-                <a:rPr lang="en-US" sz="3000" b="1" dirty="0">
-                  <a:solidFill>
-                    <a:schemeClr val="bg1"/>
-                  </a:solidFill>
-                  <a:latin typeface="Lato" charset="0"/>
-                </a:rPr>
-                <a:t>Exploratory Data Analysis – Derived Metrics</a:t>
-              </a:r>
-              <a:endParaRPr lang="en-US" sz="2400" b="1" dirty="0">
-                <a:solidFill>
-                  <a:schemeClr val="bg1"/>
-                </a:solidFill>
-                <a:latin typeface="Lato" charset="0"/>
-              </a:endParaRPr>
-            </a:p>
-          </p:txBody>
-        </p:sp>
-      </p:grpSp>
-      <p:sp>
-        <p:nvSpPr>
-          <p:cNvPr id="6" name="Rectangle 5">
-            <a:extLst>
-              <a:ext uri="{FF2B5EF4-FFF2-40B4-BE49-F238E27FC236}">
-                <a16:creationId xmlns:a16="http://schemas.microsoft.com/office/drawing/2014/main" id="{B4603E62-375A-4D7B-AA63-7E3E15899393}"/>
-              </a:ext>
-            </a:extLst>
-          </p:cNvPr>
-          <p:cNvSpPr/>
-          <p:nvPr/>
-        </p:nvSpPr>
-        <p:spPr>
-          <a:xfrm>
-            <a:off x="904875" y="1925515"/>
-            <a:ext cx="9544050" cy="3462807"/>
-          </a:xfrm>
-          <a:prstGeom prst="rect">
-            <a:avLst/>
-          </a:prstGeom>
-        </p:spPr>
-        <p:txBody>
-          <a:bodyPr wrap="square">
-            <a:spAutoFit/>
-          </a:bodyPr>
-          <a:lstStyle/>
-          <a:p>
-            <a:pPr lvl="1">
-              <a:lnSpc>
-                <a:spcPct val="150000"/>
-              </a:lnSpc>
-            </a:pPr>
-            <a:r>
-              <a:rPr lang="en-US" sz="1600" dirty="0">
-                <a:latin typeface="Lato"/>
-              </a:rPr>
-              <a:t>Below the columns derived for further analysis</a:t>
-            </a:r>
-          </a:p>
-          <a:p>
-            <a:pPr marL="1200150" lvl="2" indent="-285750">
-              <a:lnSpc>
-                <a:spcPct val="150000"/>
-              </a:lnSpc>
-              <a:buFont typeface="Courier New" panose="02070309020205020404" pitchFamily="49" charset="0"/>
-              <a:buChar char="o"/>
-            </a:pPr>
-            <a:r>
-              <a:rPr lang="en-US" sz="1600" b="1" dirty="0"/>
-              <a:t>Offer Price = (Product MRP * Unit Sold) – Gross Merchandise Value or Revenue</a:t>
-            </a:r>
-          </a:p>
-          <a:p>
-            <a:pPr marL="1200150" lvl="2" indent="-285750">
-              <a:lnSpc>
-                <a:spcPct val="150000"/>
-              </a:lnSpc>
-              <a:buFont typeface="Courier New" panose="02070309020205020404" pitchFamily="49" charset="0"/>
-              <a:buChar char="o"/>
-            </a:pPr>
-            <a:r>
-              <a:rPr lang="en-US" sz="1600" b="1" dirty="0"/>
-              <a:t>Week Number, </a:t>
-            </a:r>
-            <a:r>
-              <a:rPr lang="en-US" sz="1600" dirty="0"/>
-              <a:t>week number of the year ranging from 0-53 with Monday as first day of the week</a:t>
-            </a:r>
-          </a:p>
-          <a:p>
-            <a:pPr marL="1200150" lvl="2" indent="-285750">
-              <a:lnSpc>
-                <a:spcPct val="150000"/>
-              </a:lnSpc>
-              <a:buFont typeface="Courier New" panose="02070309020205020404" pitchFamily="49" charset="0"/>
-              <a:buChar char="o"/>
-            </a:pPr>
-            <a:r>
-              <a:rPr lang="en-US" sz="1600" b="1" dirty="0"/>
-              <a:t>Day, </a:t>
-            </a:r>
-            <a:r>
-              <a:rPr lang="en-US" sz="1600" dirty="0"/>
-              <a:t>day of the month ranging from 0-31</a:t>
-            </a:r>
-          </a:p>
-          <a:p>
-            <a:pPr marL="1200150" lvl="2" indent="-285750">
-              <a:lnSpc>
-                <a:spcPct val="150000"/>
-              </a:lnSpc>
-              <a:buFont typeface="Courier New" panose="02070309020205020404" pitchFamily="49" charset="0"/>
-              <a:buChar char="o"/>
-            </a:pPr>
-            <a:endParaRPr lang="en-US" sz="1600" dirty="0"/>
-          </a:p>
-          <a:p>
-            <a:pPr marL="1200150" lvl="2" indent="-285750">
-              <a:lnSpc>
-                <a:spcPct val="150000"/>
-              </a:lnSpc>
-              <a:buFont typeface="Courier New" panose="02070309020205020404" pitchFamily="49" charset="0"/>
-              <a:buChar char="o"/>
-            </a:pPr>
-            <a:endParaRPr lang="en-US" sz="1600" dirty="0"/>
-          </a:p>
-          <a:p>
-            <a:pPr marL="1200150" lvl="2" indent="-285750">
-              <a:lnSpc>
-                <a:spcPct val="150000"/>
-              </a:lnSpc>
-              <a:buFont typeface="Courier New" panose="02070309020205020404" pitchFamily="49" charset="0"/>
-              <a:buChar char="o"/>
-            </a:pPr>
-            <a:endParaRPr lang="en-US" sz="1600" dirty="0">
-              <a:latin typeface="Lato"/>
-            </a:endParaRPr>
-          </a:p>
-          <a:p>
-            <a:pPr marL="742950" lvl="1" indent="-285750">
-              <a:lnSpc>
-                <a:spcPct val="150000"/>
-              </a:lnSpc>
-              <a:buFont typeface="Courier New" panose="02070309020205020404" pitchFamily="49" charset="0"/>
-              <a:buChar char="o"/>
-            </a:pPr>
-            <a:endParaRPr lang="en-IN" sz="1600" dirty="0">
-              <a:latin typeface="Lato"/>
-            </a:endParaRPr>
-          </a:p>
-          <a:p>
-            <a:pPr>
-              <a:lnSpc>
-                <a:spcPct val="200000"/>
-              </a:lnSpc>
-            </a:pPr>
-            <a:endParaRPr lang="en-US" sz="1600" dirty="0">
-              <a:latin typeface="Lato"/>
-            </a:endParaRPr>
-          </a:p>
-        </p:txBody>
-      </p:sp>
-    </p:spTree>
-    <p:extLst>
-      <p:ext uri="{BB962C8B-B14F-4D97-AF65-F5344CB8AC3E}">
-        <p14:creationId xmlns:p14="http://schemas.microsoft.com/office/powerpoint/2010/main" val="2642081345"/>
-      </p:ext>
-    </p:extLst>
-  </p:cSld>
-  <p:clrMapOvr>
-    <a:masterClrMapping/>
-  </p:clrMapOvr>
-</p:sld>
-</file>
-
-<file path=ppt/slides/slide11.xml><?xml version="1.0" encoding="utf-8"?>
-<p:sld xmlns:a="http://schemas.openxmlformats.org/drawingml/2006/main" xmlns:r="http://schemas.openxmlformats.org/officeDocument/2006/relationships" xmlns:p="http://schemas.openxmlformats.org/presentationml/2006/main">
-  <p:cSld>
-    <p:spTree>
-      <p:nvGrpSpPr>
-        <p:cNvPr id="1" name=""/>
-        <p:cNvGrpSpPr/>
-        <p:nvPr/>
-      </p:nvGrpSpPr>
-      <p:grpSpPr>
-        <a:xfrm>
-          <a:off x="0" y="0"/>
-          <a:ext cx="0" cy="0"/>
-          <a:chOff x="0" y="0"/>
-          <a:chExt cx="0" cy="0"/>
-        </a:xfrm>
-      </p:grpSpPr>
-      <p:grpSp>
-        <p:nvGrpSpPr>
-          <p:cNvPr id="11" name="Group 10">
-            <a:extLst>
-              <a:ext uri="{FF2B5EF4-FFF2-40B4-BE49-F238E27FC236}">
-                <a16:creationId xmlns:a16="http://schemas.microsoft.com/office/drawing/2014/main" id="{EBBA25A6-360E-4B6F-B6E1-CF2014CF9962}"/>
-              </a:ext>
-            </a:extLst>
-          </p:cNvPr>
-          <p:cNvGrpSpPr/>
-          <p:nvPr/>
-        </p:nvGrpSpPr>
-        <p:grpSpPr>
-          <a:xfrm>
-            <a:off x="0" y="990600"/>
-            <a:ext cx="12192000" cy="807291"/>
-            <a:chOff x="0" y="895350"/>
-            <a:chExt cx="12192000" cy="807291"/>
-          </a:xfrm>
-        </p:grpSpPr>
-        <p:pic>
-          <p:nvPicPr>
-            <p:cNvPr id="12" name="Picture 11">
-              <a:extLst>
-                <a:ext uri="{FF2B5EF4-FFF2-40B4-BE49-F238E27FC236}">
-                  <a16:creationId xmlns:a16="http://schemas.microsoft.com/office/drawing/2014/main" id="{1152C58B-7A3D-453B-BEF5-0D6A80241D16}"/>
-                </a:ext>
-              </a:extLst>
-            </p:cNvPr>
-            <p:cNvPicPr>
-              <a:picLocks noChangeAspect="1"/>
-            </p:cNvPicPr>
-            <p:nvPr/>
-          </p:nvPicPr>
-          <p:blipFill>
-            <a:blip r:embed="rId2">
-              <a:extLst>
-                <a:ext uri="{28A0092B-C50C-407E-A947-70E740481C1C}">
-                  <a14:useLocalDpi xmlns:a14="http://schemas.microsoft.com/office/drawing/2010/main" val="0"/>
-                </a:ext>
-              </a:extLst>
-            </a:blip>
-            <a:stretch>
-              <a:fillRect/>
-            </a:stretch>
-          </p:blipFill>
-          <p:spPr>
-            <a:xfrm>
-              <a:off x="0" y="895350"/>
-              <a:ext cx="12192000" cy="807291"/>
-            </a:xfrm>
-            <a:prstGeom prst="rect">
-              <a:avLst/>
-            </a:prstGeom>
-          </p:spPr>
-        </p:pic>
-        <p:sp>
-          <p:nvSpPr>
-            <p:cNvPr id="13" name="Rectangle 12">
-              <a:extLst>
-                <a:ext uri="{FF2B5EF4-FFF2-40B4-BE49-F238E27FC236}">
-                  <a16:creationId xmlns:a16="http://schemas.microsoft.com/office/drawing/2014/main" id="{CF7573B2-FDB7-41CD-8FE1-311DF7F4E7B3}"/>
-                </a:ext>
-              </a:extLst>
-            </p:cNvPr>
-            <p:cNvSpPr/>
-            <p:nvPr/>
-          </p:nvSpPr>
-          <p:spPr>
-            <a:xfrm>
-              <a:off x="210706" y="1148643"/>
               <a:ext cx="6450227" cy="553998"/>
             </a:xfrm>
             <a:prstGeom prst="rect">
@@ -4574,7 +4304,7 @@
 </p:sld>
 </file>
 
-<file path=ppt/slides/slide12.xml><?xml version="1.0" encoding="utf-8"?>
+<file path=ppt/slides/slide11.xml><?xml version="1.0" encoding="utf-8"?>
 <p:sld xmlns:a="http://schemas.openxmlformats.org/drawingml/2006/main" xmlns:r="http://schemas.openxmlformats.org/officeDocument/2006/relationships" xmlns:p="http://schemas.openxmlformats.org/presentationml/2006/main">
   <p:cSld>
     <p:spTree>
@@ -4693,87 +4423,36 @@
           </p:txBody>
         </p:sp>
       </p:grpSp>
-      <p:grpSp>
-        <p:nvGrpSpPr>
-          <p:cNvPr id="5" name="Group 4">
+      <p:pic>
+        <p:nvPicPr>
+          <p:cNvPr id="3" name="Picture 2">
             <a:extLst>
               <a:ext uri="{FF2B5EF4-FFF2-40B4-BE49-F238E27FC236}">
-                <a16:creationId xmlns:a16="http://schemas.microsoft.com/office/drawing/2014/main" id="{D9F2D564-8494-4630-9584-1CA31B13C9F9}"/>
+                <a16:creationId xmlns:a16="http://schemas.microsoft.com/office/drawing/2014/main" id="{8AACF503-776C-4D49-9421-D37203193383}"/>
               </a:ext>
             </a:extLst>
           </p:cNvPr>
-          <p:cNvGrpSpPr/>
+          <p:cNvPicPr>
+            <a:picLocks noChangeAspect="1"/>
+          </p:cNvPicPr>
           <p:nvPr/>
-        </p:nvGrpSpPr>
-        <p:grpSpPr>
+        </p:nvPicPr>
+        <p:blipFill>
+          <a:blip r:embed="rId3"/>
+          <a:stretch>
+            <a:fillRect/>
+          </a:stretch>
+        </p:blipFill>
+        <p:spPr>
           <a:xfrm>
-            <a:off x="1402684" y="2051184"/>
-            <a:ext cx="9038492" cy="4710200"/>
-            <a:chOff x="1402684" y="2051184"/>
-            <a:chExt cx="9038492" cy="4710200"/>
+            <a:off x="1090245" y="1962683"/>
+            <a:ext cx="9267093" cy="4824695"/>
           </a:xfrm>
-        </p:grpSpPr>
-        <p:pic>
-          <p:nvPicPr>
-            <p:cNvPr id="2" name="Picture 1">
-              <a:extLst>
-                <a:ext uri="{FF2B5EF4-FFF2-40B4-BE49-F238E27FC236}">
-                  <a16:creationId xmlns:a16="http://schemas.microsoft.com/office/drawing/2014/main" id="{29FDCBEA-8413-4E55-A629-0B3CF55D9240}"/>
-                </a:ext>
-              </a:extLst>
-            </p:cNvPr>
-            <p:cNvPicPr>
-              <a:picLocks noChangeAspect="1"/>
-            </p:cNvPicPr>
-            <p:nvPr/>
-          </p:nvPicPr>
-          <p:blipFill>
-            <a:blip r:embed="rId3"/>
-            <a:stretch>
-              <a:fillRect/>
-            </a:stretch>
-          </p:blipFill>
-          <p:spPr>
-            <a:xfrm>
-              <a:off x="1402684" y="2051184"/>
-              <a:ext cx="9038492" cy="4710200"/>
-            </a:xfrm>
-            <a:prstGeom prst="rect">
-              <a:avLst/>
-            </a:prstGeom>
-          </p:spPr>
-        </p:pic>
-        <p:pic>
-          <p:nvPicPr>
-            <p:cNvPr id="4" name="Picture 3">
-              <a:extLst>
-                <a:ext uri="{FF2B5EF4-FFF2-40B4-BE49-F238E27FC236}">
-                  <a16:creationId xmlns:a16="http://schemas.microsoft.com/office/drawing/2014/main" id="{93799897-BD16-4D7D-BB1F-76816D010F7B}"/>
-                </a:ext>
-              </a:extLst>
-            </p:cNvPr>
-            <p:cNvPicPr>
-              <a:picLocks noChangeAspect="1"/>
-            </p:cNvPicPr>
-            <p:nvPr/>
-          </p:nvPicPr>
-          <p:blipFill>
-            <a:blip r:embed="rId4"/>
-            <a:stretch>
-              <a:fillRect/>
-            </a:stretch>
-          </p:blipFill>
-          <p:spPr>
-            <a:xfrm>
-              <a:off x="1402684" y="3657601"/>
-              <a:ext cx="9038492" cy="1380392"/>
-            </a:xfrm>
-            <a:prstGeom prst="rect">
-              <a:avLst/>
-            </a:prstGeom>
-          </p:spPr>
-        </p:pic>
-      </p:grpSp>
+          <a:prstGeom prst="rect">
+            <a:avLst/>
+          </a:prstGeom>
+        </p:spPr>
+      </p:pic>
     </p:spTree>
     <p:extLst>
       <p:ext uri="{BB962C8B-B14F-4D97-AF65-F5344CB8AC3E}">
@@ -4787,220 +4466,7 @@
 </p:sld>
 </file>
 
-<file path=ppt/slides/slide13.xml><?xml version="1.0" encoding="utf-8"?>
-<p:sld xmlns:a="http://schemas.openxmlformats.org/drawingml/2006/main" xmlns:r="http://schemas.openxmlformats.org/officeDocument/2006/relationships" xmlns:p="http://schemas.openxmlformats.org/presentationml/2006/main">
-  <p:cSld>
-    <p:spTree>
-      <p:nvGrpSpPr>
-        <p:cNvPr id="1" name=""/>
-        <p:cNvGrpSpPr/>
-        <p:nvPr/>
-      </p:nvGrpSpPr>
-      <p:grpSpPr>
-        <a:xfrm>
-          <a:off x="0" y="0"/>
-          <a:ext cx="0" cy="0"/>
-          <a:chOff x="0" y="0"/>
-          <a:chExt cx="0" cy="0"/>
-        </a:xfrm>
-      </p:grpSpPr>
-      <p:grpSp>
-        <p:nvGrpSpPr>
-          <p:cNvPr id="11" name="Group 10">
-            <a:extLst>
-              <a:ext uri="{FF2B5EF4-FFF2-40B4-BE49-F238E27FC236}">
-                <a16:creationId xmlns:a16="http://schemas.microsoft.com/office/drawing/2014/main" id="{EBBA25A6-360E-4B6F-B6E1-CF2014CF9962}"/>
-              </a:ext>
-            </a:extLst>
-          </p:cNvPr>
-          <p:cNvGrpSpPr/>
-          <p:nvPr/>
-        </p:nvGrpSpPr>
-        <p:grpSpPr>
-          <a:xfrm>
-            <a:off x="0" y="990600"/>
-            <a:ext cx="12192000" cy="807291"/>
-            <a:chOff x="0" y="895350"/>
-            <a:chExt cx="12192000" cy="807291"/>
-          </a:xfrm>
-        </p:grpSpPr>
-        <p:pic>
-          <p:nvPicPr>
-            <p:cNvPr id="12" name="Picture 11">
-              <a:extLst>
-                <a:ext uri="{FF2B5EF4-FFF2-40B4-BE49-F238E27FC236}">
-                  <a16:creationId xmlns:a16="http://schemas.microsoft.com/office/drawing/2014/main" id="{1152C58B-7A3D-453B-BEF5-0D6A80241D16}"/>
-                </a:ext>
-              </a:extLst>
-            </p:cNvPr>
-            <p:cNvPicPr>
-              <a:picLocks noChangeAspect="1"/>
-            </p:cNvPicPr>
-            <p:nvPr/>
-          </p:nvPicPr>
-          <p:blipFill>
-            <a:blip r:embed="rId2">
-              <a:extLst>
-                <a:ext uri="{28A0092B-C50C-407E-A947-70E740481C1C}">
-                  <a14:useLocalDpi xmlns:a14="http://schemas.microsoft.com/office/drawing/2010/main" val="0"/>
-                </a:ext>
-              </a:extLst>
-            </a:blip>
-            <a:stretch>
-              <a:fillRect/>
-            </a:stretch>
-          </p:blipFill>
-          <p:spPr>
-            <a:xfrm>
-              <a:off x="0" y="895350"/>
-              <a:ext cx="12192000" cy="807291"/>
-            </a:xfrm>
-            <a:prstGeom prst="rect">
-              <a:avLst/>
-            </a:prstGeom>
-          </p:spPr>
-        </p:pic>
-        <p:sp>
-          <p:nvSpPr>
-            <p:cNvPr id="13" name="Rectangle 12">
-              <a:extLst>
-                <a:ext uri="{FF2B5EF4-FFF2-40B4-BE49-F238E27FC236}">
-                  <a16:creationId xmlns:a16="http://schemas.microsoft.com/office/drawing/2014/main" id="{CF7573B2-FDB7-41CD-8FE1-311DF7F4E7B3}"/>
-                </a:ext>
-              </a:extLst>
-            </p:cNvPr>
-            <p:cNvSpPr/>
-            <p:nvPr/>
-          </p:nvSpPr>
-          <p:spPr>
-            <a:xfrm>
-              <a:off x="210706" y="1148643"/>
-              <a:ext cx="9783832" cy="553998"/>
-            </a:xfrm>
-            <a:prstGeom prst="rect">
-              <a:avLst/>
-            </a:prstGeom>
-          </p:spPr>
-          <p:txBody>
-            <a:bodyPr wrap="none">
-              <a:spAutoFit/>
-            </a:bodyPr>
-            <a:lstStyle/>
-            <a:p>
-              <a:r>
-                <a:rPr lang="en-US" sz="3000" b="1" dirty="0">
-                  <a:solidFill>
-                    <a:schemeClr val="bg1"/>
-                  </a:solidFill>
-                  <a:latin typeface="Lato" charset="0"/>
-                </a:rPr>
-                <a:t>Univariate Segmented Analysis – Numerical Variables</a:t>
-              </a:r>
-              <a:endParaRPr lang="en-US" sz="2400" b="1" dirty="0">
-                <a:solidFill>
-                  <a:schemeClr val="bg1"/>
-                </a:solidFill>
-                <a:latin typeface="Lato" charset="0"/>
-              </a:endParaRPr>
-            </a:p>
-          </p:txBody>
-        </p:sp>
-      </p:grpSp>
-      <p:grpSp>
-        <p:nvGrpSpPr>
-          <p:cNvPr id="5" name="Group 4">
-            <a:extLst>
-              <a:ext uri="{FF2B5EF4-FFF2-40B4-BE49-F238E27FC236}">
-                <a16:creationId xmlns:a16="http://schemas.microsoft.com/office/drawing/2014/main" id="{D9F2D564-8494-4630-9584-1CA31B13C9F9}"/>
-              </a:ext>
-            </a:extLst>
-          </p:cNvPr>
-          <p:cNvGrpSpPr/>
-          <p:nvPr/>
-        </p:nvGrpSpPr>
-        <p:grpSpPr>
-          <a:xfrm>
-            <a:off x="1402684" y="2051184"/>
-            <a:ext cx="9038492" cy="4710200"/>
-            <a:chOff x="1402684" y="2051184"/>
-            <a:chExt cx="9038492" cy="4710200"/>
-          </a:xfrm>
-        </p:grpSpPr>
-        <p:pic>
-          <p:nvPicPr>
-            <p:cNvPr id="2" name="Picture 1">
-              <a:extLst>
-                <a:ext uri="{FF2B5EF4-FFF2-40B4-BE49-F238E27FC236}">
-                  <a16:creationId xmlns:a16="http://schemas.microsoft.com/office/drawing/2014/main" id="{29FDCBEA-8413-4E55-A629-0B3CF55D9240}"/>
-                </a:ext>
-              </a:extLst>
-            </p:cNvPr>
-            <p:cNvPicPr>
-              <a:picLocks noChangeAspect="1"/>
-            </p:cNvPicPr>
-            <p:nvPr/>
-          </p:nvPicPr>
-          <p:blipFill>
-            <a:blip r:embed="rId3"/>
-            <a:stretch>
-              <a:fillRect/>
-            </a:stretch>
-          </p:blipFill>
-          <p:spPr>
-            <a:xfrm>
-              <a:off x="1402684" y="2051184"/>
-              <a:ext cx="9038492" cy="4710200"/>
-            </a:xfrm>
-            <a:prstGeom prst="rect">
-              <a:avLst/>
-            </a:prstGeom>
-          </p:spPr>
-        </p:pic>
-        <p:pic>
-          <p:nvPicPr>
-            <p:cNvPr id="4" name="Picture 3">
-              <a:extLst>
-                <a:ext uri="{FF2B5EF4-FFF2-40B4-BE49-F238E27FC236}">
-                  <a16:creationId xmlns:a16="http://schemas.microsoft.com/office/drawing/2014/main" id="{93799897-BD16-4D7D-BB1F-76816D010F7B}"/>
-                </a:ext>
-              </a:extLst>
-            </p:cNvPr>
-            <p:cNvPicPr>
-              <a:picLocks noChangeAspect="1"/>
-            </p:cNvPicPr>
-            <p:nvPr/>
-          </p:nvPicPr>
-          <p:blipFill>
-            <a:blip r:embed="rId4"/>
-            <a:stretch>
-              <a:fillRect/>
-            </a:stretch>
-          </p:blipFill>
-          <p:spPr>
-            <a:xfrm>
-              <a:off x="1402684" y="3657601"/>
-              <a:ext cx="9038492" cy="1380392"/>
-            </a:xfrm>
-            <a:prstGeom prst="rect">
-              <a:avLst/>
-            </a:prstGeom>
-          </p:spPr>
-        </p:pic>
-      </p:grpSp>
-    </p:spTree>
-    <p:extLst>
-      <p:ext uri="{BB962C8B-B14F-4D97-AF65-F5344CB8AC3E}">
-        <p14:creationId xmlns:p14="http://schemas.microsoft.com/office/powerpoint/2010/main" val="1477163698"/>
-      </p:ext>
-    </p:extLst>
-  </p:cSld>
-  <p:clrMapOvr>
-    <a:masterClrMapping/>
-  </p:clrMapOvr>
-</p:sld>
-</file>
-
-<file path=ppt/slides/slide14.xml><?xml version="1.0" encoding="utf-8"?>
+<file path=ppt/slides/slide12.xml><?xml version="1.0" encoding="utf-8"?>
 <p:sld xmlns:a="http://schemas.openxmlformats.org/drawingml/2006/main" xmlns:r="http://schemas.openxmlformats.org/officeDocument/2006/relationships" xmlns:p="http://schemas.openxmlformats.org/presentationml/2006/main">
   <p:cSld>
     <p:spTree>
@@ -5121,10 +4587,10 @@
       </p:grpSp>
       <p:pic>
         <p:nvPicPr>
-          <p:cNvPr id="7" name="Picture 6">
+          <p:cNvPr id="2" name="Picture 1">
             <a:extLst>
               <a:ext uri="{FF2B5EF4-FFF2-40B4-BE49-F238E27FC236}">
-                <a16:creationId xmlns:a16="http://schemas.microsoft.com/office/drawing/2014/main" id="{119B87D5-CEEE-4C0F-B027-E5899BC1A180}"/>
+                <a16:creationId xmlns:a16="http://schemas.microsoft.com/office/drawing/2014/main" id="{074F85F2-F57D-4465-B048-ED48EF4F7AC5}"/>
               </a:ext>
             </a:extLst>
           </p:cNvPr>
@@ -5141,8 +4607,8 @@
         </p:blipFill>
         <p:spPr>
           <a:xfrm>
-            <a:off x="3350091" y="1935660"/>
-            <a:ext cx="4946693" cy="4764079"/>
+            <a:off x="2746102" y="1944541"/>
+            <a:ext cx="5832290" cy="4828617"/>
           </a:xfrm>
           <a:prstGeom prst="rect">
             <a:avLst/>
@@ -5162,7 +4628,7 @@
 </p:sld>
 </file>
 
-<file path=ppt/slides/slide15.xml><?xml version="1.0" encoding="utf-8"?>
+<file path=ppt/slides/slide13.xml><?xml version="1.0" encoding="utf-8"?>
 <p:sld xmlns:a="http://schemas.openxmlformats.org/drawingml/2006/main" xmlns:r="http://schemas.openxmlformats.org/officeDocument/2006/relationships" xmlns:p="http://schemas.openxmlformats.org/presentationml/2006/main">
   <p:cSld>
     <p:spTree>
@@ -5269,7 +4735,7 @@
                   </a:solidFill>
                   <a:latin typeface="Lato" charset="0"/>
                 </a:rPr>
-                <a:t>Bivariate Analysis – High Correlated Variables</a:t>
+                <a:t>Bivariate Analysis – High Correlated Variable</a:t>
               </a:r>
               <a:endParaRPr lang="en-US" sz="2400" b="1" dirty="0">
                 <a:solidFill>
@@ -5281,87 +4747,6 @@
           </p:txBody>
         </p:sp>
       </p:grpSp>
-      <p:grpSp>
-        <p:nvGrpSpPr>
-          <p:cNvPr id="4" name="Group 3">
-            <a:extLst>
-              <a:ext uri="{FF2B5EF4-FFF2-40B4-BE49-F238E27FC236}">
-                <a16:creationId xmlns:a16="http://schemas.microsoft.com/office/drawing/2014/main" id="{E7284F39-89F0-4F7C-AD32-4E344E8BF4EF}"/>
-              </a:ext>
-            </a:extLst>
-          </p:cNvPr>
-          <p:cNvGrpSpPr/>
-          <p:nvPr/>
-        </p:nvGrpSpPr>
-        <p:grpSpPr>
-          <a:xfrm>
-            <a:off x="813903" y="1955156"/>
-            <a:ext cx="6307868" cy="4902844"/>
-            <a:chOff x="1684341" y="1955156"/>
-            <a:chExt cx="6307868" cy="4902844"/>
-          </a:xfrm>
-        </p:grpSpPr>
-        <p:pic>
-          <p:nvPicPr>
-            <p:cNvPr id="2" name="Picture 1">
-              <a:extLst>
-                <a:ext uri="{FF2B5EF4-FFF2-40B4-BE49-F238E27FC236}">
-                  <a16:creationId xmlns:a16="http://schemas.microsoft.com/office/drawing/2014/main" id="{C950F77B-7276-4556-84C1-C68AAB5BEE88}"/>
-                </a:ext>
-              </a:extLst>
-            </p:cNvPr>
-            <p:cNvPicPr>
-              <a:picLocks noChangeAspect="1"/>
-            </p:cNvPicPr>
-            <p:nvPr/>
-          </p:nvPicPr>
-          <p:blipFill>
-            <a:blip r:embed="rId3"/>
-            <a:stretch>
-              <a:fillRect/>
-            </a:stretch>
-          </p:blipFill>
-          <p:spPr>
-            <a:xfrm>
-              <a:off x="1684341" y="1955156"/>
-              <a:ext cx="6307868" cy="4902844"/>
-            </a:xfrm>
-            <a:prstGeom prst="rect">
-              <a:avLst/>
-            </a:prstGeom>
-          </p:spPr>
-        </p:pic>
-        <p:pic>
-          <p:nvPicPr>
-            <p:cNvPr id="3" name="Picture 2">
-              <a:extLst>
-                <a:ext uri="{FF2B5EF4-FFF2-40B4-BE49-F238E27FC236}">
-                  <a16:creationId xmlns:a16="http://schemas.microsoft.com/office/drawing/2014/main" id="{F8F1FCB8-83B9-4580-AF45-1F36FD7E972F}"/>
-                </a:ext>
-              </a:extLst>
-            </p:cNvPr>
-            <p:cNvPicPr>
-              <a:picLocks noChangeAspect="1"/>
-            </p:cNvPicPr>
-            <p:nvPr/>
-          </p:nvPicPr>
-          <p:blipFill>
-            <a:blip r:embed="rId4"/>
-            <a:stretch>
-              <a:fillRect/>
-            </a:stretch>
-          </p:blipFill>
-          <p:spPr>
-            <a:xfrm>
-              <a:off x="4838275" y="4409806"/>
-              <a:ext cx="3083594" cy="2408602"/>
-            </a:xfrm>
-            <a:prstGeom prst="rect">
-              <a:avLst/>
-            </a:prstGeom>
-          </p:spPr>
-        </p:pic>
-      </p:grpSp>
       <p:sp>
         <p:nvSpPr>
           <p:cNvPr id="14" name="Rectangle 13">
@@ -5376,8 +4761,8 @@
         </p:nvSpPr>
         <p:spPr>
           <a:xfrm>
-            <a:off x="7623782" y="3289722"/>
-            <a:ext cx="3754315" cy="1523815"/>
+            <a:off x="5109329" y="3946527"/>
+            <a:ext cx="4590852" cy="415819"/>
           </a:xfrm>
           <a:prstGeom prst="rect">
             <a:avLst/>
@@ -5404,51 +4789,13 @@
               <a:rPr lang="en-US" sz="1600" b="1" dirty="0">
                 <a:latin typeface="Lato"/>
               </a:rPr>
-              <a:t>, </a:t>
-            </a:r>
-          </a:p>
-          <a:p>
-            <a:pPr>
-              <a:lnSpc>
-                <a:spcPct val="150000"/>
-              </a:lnSpc>
-            </a:pPr>
-            <a:r>
-              <a:rPr lang="en-US" sz="1600" b="1" dirty="0" err="1">
-                <a:latin typeface="Lato"/>
-              </a:rPr>
-              <a:t>SubCategory_Camera</a:t>
-            </a:r>
-            <a:r>
-              <a:rPr lang="en-US" sz="1600" b="1" dirty="0">
-                <a:latin typeface="Lato"/>
-              </a:rPr>
-              <a:t>, </a:t>
-            </a:r>
-            <a:r>
-              <a:rPr lang="en-US" sz="1600" b="1" dirty="0" err="1">
-                <a:latin typeface="Lato"/>
-              </a:rPr>
-              <a:t>Category_EntertainmentSmall</a:t>
-            </a:r>
-            <a:r>
-              <a:rPr lang="en-US" sz="1600" b="1" dirty="0">
-                <a:latin typeface="Lato"/>
-              </a:rPr>
               <a:t> </a:t>
             </a:r>
-          </a:p>
-          <a:p>
-            <a:pPr>
-              <a:lnSpc>
-                <a:spcPct val="150000"/>
-              </a:lnSpc>
-            </a:pPr>
             <a:r>
               <a:rPr lang="en-US" sz="1600" dirty="0">
                 <a:latin typeface="Lato"/>
               </a:rPr>
-              <a:t>found high correlated to </a:t>
+              <a:t>showed high correlated to </a:t>
             </a:r>
             <a:r>
               <a:rPr lang="en-US" sz="1600" b="1" dirty="0">
@@ -5459,6 +4806,36 @@
           </a:p>
         </p:txBody>
       </p:sp>
+      <p:pic>
+        <p:nvPicPr>
+          <p:cNvPr id="5" name="Picture 4">
+            <a:extLst>
+              <a:ext uri="{FF2B5EF4-FFF2-40B4-BE49-F238E27FC236}">
+                <a16:creationId xmlns:a16="http://schemas.microsoft.com/office/drawing/2014/main" id="{36EF95D5-4426-4F1E-A75E-CFDD2187461F}"/>
+              </a:ext>
+            </a:extLst>
+          </p:cNvPr>
+          <p:cNvPicPr>
+            <a:picLocks noChangeAspect="1"/>
+          </p:cNvPicPr>
+          <p:nvPr/>
+        </p:nvPicPr>
+        <p:blipFill>
+          <a:blip r:embed="rId3"/>
+          <a:stretch>
+            <a:fillRect/>
+          </a:stretch>
+        </p:blipFill>
+        <p:spPr>
+          <a:xfrm>
+            <a:off x="1590282" y="2051184"/>
+            <a:ext cx="3405924" cy="4622325"/>
+          </a:xfrm>
+          <a:prstGeom prst="rect">
+            <a:avLst/>
+          </a:prstGeom>
+        </p:spPr>
+      </p:pic>
     </p:spTree>
     <p:extLst>
       <p:ext uri="{BB962C8B-B14F-4D97-AF65-F5344CB8AC3E}">
@@ -5472,7 +4849,7 @@
 </p:sld>
 </file>
 
-<file path=ppt/slides/slide16.xml><?xml version="1.0" encoding="utf-8"?>
+<file path=ppt/slides/slide14.xml><?xml version="1.0" encoding="utf-8"?>
 <p:sld xmlns:a="http://schemas.openxmlformats.org/drawingml/2006/main" xmlns:r="http://schemas.openxmlformats.org/officeDocument/2006/relationships" xmlns:p="http://schemas.openxmlformats.org/presentationml/2006/main">
   <p:cSld>
     <p:spTree>
@@ -5613,7 +4990,7 @@
         </p:blipFill>
         <p:spPr>
           <a:xfrm>
-            <a:off x="695325" y="2051184"/>
+            <a:off x="299398" y="2136025"/>
             <a:ext cx="8820150" cy="4581475"/>
           </a:xfrm>
           <a:prstGeom prst="rect">
@@ -5621,6 +4998,60 @@
           </a:prstGeom>
         </p:spPr>
       </p:pic>
+      <p:sp>
+        <p:nvSpPr>
+          <p:cNvPr id="6" name="Rectangle 5">
+            <a:extLst>
+              <a:ext uri="{FF2B5EF4-FFF2-40B4-BE49-F238E27FC236}">
+                <a16:creationId xmlns:a16="http://schemas.microsoft.com/office/drawing/2014/main" id="{1539C29D-CA65-46C9-8DA6-F7AE26CFB131}"/>
+              </a:ext>
+            </a:extLst>
+          </p:cNvPr>
+          <p:cNvSpPr/>
+          <p:nvPr/>
+        </p:nvSpPr>
+        <p:spPr>
+          <a:xfrm>
+            <a:off x="9681329" y="4980798"/>
+            <a:ext cx="2667786" cy="1523815"/>
+          </a:xfrm>
+          <a:prstGeom prst="rect">
+            <a:avLst/>
+          </a:prstGeom>
+        </p:spPr>
+        <p:txBody>
+          <a:bodyPr wrap="square">
+            <a:spAutoFit/>
+          </a:bodyPr>
+          <a:lstStyle/>
+          <a:p>
+            <a:pPr>
+              <a:lnSpc>
+                <a:spcPct val="150000"/>
+              </a:lnSpc>
+            </a:pPr>
+            <a:r>
+              <a:rPr lang="en-US" sz="1600" dirty="0">
+                <a:latin typeface="Lato"/>
+              </a:rPr>
+              <a:t>Plots explains the aggregation of </a:t>
+            </a:r>
+          </a:p>
+          <a:p>
+            <a:pPr>
+              <a:lnSpc>
+                <a:spcPct val="150000"/>
+              </a:lnSpc>
+            </a:pPr>
+            <a:r>
+              <a:rPr lang="en-US" sz="1600" dirty="0">
+                <a:latin typeface="Lato"/>
+              </a:rPr>
+              <a:t>different values of the Categorical Variables</a:t>
+            </a:r>
+          </a:p>
+        </p:txBody>
+      </p:sp>
     </p:spTree>
     <p:extLst>
       <p:ext uri="{BB962C8B-B14F-4D97-AF65-F5344CB8AC3E}">
@@ -5634,7 +5065,7 @@
 </p:sld>
 </file>
 
-<file path=ppt/slides/slide17.xml><?xml version="1.0" encoding="utf-8"?>
+<file path=ppt/slides/slide15.xml><?xml version="1.0" encoding="utf-8"?>
 <p:sld xmlns:a="http://schemas.openxmlformats.org/drawingml/2006/main" xmlns:r="http://schemas.openxmlformats.org/officeDocument/2006/relationships" xmlns:p="http://schemas.openxmlformats.org/presentationml/2006/main">
   <p:cSld>
     <p:spTree>
@@ -5767,8 +5198,8 @@
         </p:nvSpPr>
         <p:spPr>
           <a:xfrm>
-            <a:off x="904875" y="1925515"/>
-            <a:ext cx="9544050" cy="4201471"/>
+            <a:off x="904874" y="1925515"/>
+            <a:ext cx="10954045" cy="4486100"/>
           </a:xfrm>
           <a:prstGeom prst="rect">
             <a:avLst/>
@@ -5780,6 +5211,17 @@
           </a:bodyPr>
           <a:lstStyle/>
           <a:p>
+            <a:pPr>
+              <a:lnSpc>
+                <a:spcPct val="150000"/>
+              </a:lnSpc>
+            </a:pPr>
+            <a:r>
+              <a:rPr lang="en-US" sz="1600" dirty="0"/>
+              <a:t>Strategies applied to aggregate the data are</a:t>
+            </a:r>
+          </a:p>
+          <a:p>
             <a:pPr marL="285750" indent="-285750">
               <a:lnSpc>
                 <a:spcPct val="150000"/>
@@ -5787,6 +5229,16 @@
               <a:buFont typeface="Courier New" panose="02070309020205020404" pitchFamily="49" charset="0"/>
               <a:buChar char="o"/>
             </a:pPr>
+            <a:endParaRPr lang="en-US" sz="1600" b="1" dirty="0"/>
+          </a:p>
+          <a:p>
+            <a:pPr marL="285750" indent="-285750">
+              <a:lnSpc>
+                <a:spcPct val="150000"/>
+              </a:lnSpc>
+              <a:buFont typeface="Courier New" panose="02070309020205020404" pitchFamily="49" charset="0"/>
+              <a:buChar char="o"/>
+            </a:pPr>
             <a:r>
               <a:rPr lang="en-US" sz="1600" b="1" dirty="0"/>
               <a:t>Aggregate By day</a:t>
@@ -5801,8 +5253,33 @@
               <a:buChar char="o"/>
             </a:pPr>
             <a:r>
+              <a:rPr lang="en-US" sz="1600" b="1" dirty="0"/>
+              <a:t>Year, Month and Day</a:t>
+            </a:r>
+            <a:r>
               <a:rPr lang="en-US" sz="1600" dirty="0"/>
-              <a:t>Calculated the </a:t>
+              <a:t> variables used to </a:t>
+            </a:r>
+            <a:r>
+              <a:rPr lang="en-US" sz="1600" b="1" dirty="0"/>
+              <a:t>GROUP</a:t>
+            </a:r>
+            <a:r>
+              <a:rPr lang="en-US" sz="1600" dirty="0"/>
+              <a:t> the dataset</a:t>
+            </a:r>
+          </a:p>
+          <a:p>
+            <a:pPr marL="742950" lvl="1" indent="-285750">
+              <a:lnSpc>
+                <a:spcPct val="150000"/>
+              </a:lnSpc>
+              <a:buFont typeface="Courier New" panose="02070309020205020404" pitchFamily="49" charset="0"/>
+              <a:buChar char="o"/>
+            </a:pPr>
+            <a:r>
+              <a:rPr lang="en-US" sz="1600" dirty="0"/>
+              <a:t>Applied </a:t>
             </a:r>
             <a:r>
               <a:rPr lang="en-US" sz="1600" b="1" dirty="0"/>
@@ -5810,11 +5287,68 @@
             </a:r>
             <a:r>
               <a:rPr lang="en-US" sz="1600" dirty="0"/>
-              <a:t>of </a:t>
+              <a:t>function for </a:t>
             </a:r>
             <a:r>
               <a:rPr lang="en-US" sz="1600" b="1" dirty="0"/>
-              <a:t>GMV, Product MRP and Offer Price</a:t>
+              <a:t>GMV, Product MRP, Offer Price </a:t>
+            </a:r>
+            <a:r>
+              <a:rPr lang="en-US" sz="1600" dirty="0"/>
+              <a:t>and other numerical variables</a:t>
+            </a:r>
+          </a:p>
+          <a:p>
+            <a:pPr marL="742950" lvl="1" indent="-285750">
+              <a:lnSpc>
+                <a:spcPct val="150000"/>
+              </a:lnSpc>
+              <a:buFont typeface="Courier New" panose="02070309020205020404" pitchFamily="49" charset="0"/>
+              <a:buChar char="o"/>
+            </a:pPr>
+            <a:r>
+              <a:rPr lang="en-US" sz="1600" dirty="0"/>
+              <a:t>Applied </a:t>
+            </a:r>
+            <a:r>
+              <a:rPr lang="en-US" sz="1600" b="1" dirty="0"/>
+              <a:t>MEAN</a:t>
+            </a:r>
+            <a:r>
+              <a:rPr lang="en-US" sz="1600" dirty="0">
+                <a:solidFill>
+                  <a:srgbClr val="FF0000"/>
+                </a:solidFill>
+              </a:rPr>
+              <a:t>*</a:t>
+            </a:r>
+            <a:r>
+              <a:rPr lang="en-US" sz="1600" b="1" dirty="0"/>
+              <a:t> </a:t>
+            </a:r>
+            <a:r>
+              <a:rPr lang="en-US" sz="1600" dirty="0"/>
+              <a:t>function for </a:t>
+            </a:r>
+            <a:r>
+              <a:rPr lang="en-US" sz="1600" dirty="0" err="1"/>
+              <a:t>deliverybdays</a:t>
+            </a:r>
+            <a:r>
+              <a:rPr lang="en-US" sz="1600" dirty="0"/>
+              <a:t>, </a:t>
+            </a:r>
+            <a:r>
+              <a:rPr lang="en-US" sz="1600" dirty="0" err="1"/>
+              <a:t>deliverycdays</a:t>
+            </a:r>
+            <a:r>
+              <a:rPr lang="en-US" sz="1600" dirty="0"/>
+              <a:t>, </a:t>
+            </a:r>
+            <a:r>
+              <a:rPr lang="en-US" sz="1600" dirty="0" err="1"/>
+              <a:t>product_procurement_sla</a:t>
             </a:r>
             <a:r>
               <a:rPr lang="en-US" sz="1600" dirty="0"/>
@@ -5822,17 +5356,20 @@
             </a:r>
           </a:p>
           <a:p>
-            <a:pPr marL="742950" lvl="1" indent="-285750">
+            <a:pPr marL="285750" indent="-285750">
               <a:lnSpc>
                 <a:spcPct val="150000"/>
               </a:lnSpc>
               <a:buFont typeface="Courier New" panose="02070309020205020404" pitchFamily="49" charset="0"/>
               <a:buChar char="o"/>
             </a:pPr>
-            <a:endParaRPr lang="en-US" sz="1600" dirty="0"/>
-          </a:p>
-          <a:p>
-            <a:pPr marL="285750" indent="-285750">
+            <a:r>
+              <a:rPr lang="en-US" sz="1600" b="1" dirty="0"/>
+              <a:t>Aggregate By Week</a:t>
+            </a:r>
+          </a:p>
+          <a:p>
+            <a:pPr marL="742950" lvl="1" indent="-285750">
               <a:lnSpc>
                 <a:spcPct val="150000"/>
               </a:lnSpc>
@@ -5841,11 +5378,23 @@
             </a:pPr>
             <a:r>
               <a:rPr lang="en-US" sz="1600" b="1" dirty="0"/>
-              <a:t>Aggregate By Month</a:t>
-            </a:r>
-          </a:p>
-          <a:p>
-            <a:pPr marL="285750" indent="-285750">
+              <a:t>Year and Week</a:t>
+            </a:r>
+            <a:r>
+              <a:rPr lang="en-US" sz="1600" dirty="0"/>
+              <a:t> variables used to </a:t>
+            </a:r>
+            <a:r>
+              <a:rPr lang="en-US" sz="1600" b="1" dirty="0"/>
+              <a:t>GROUP</a:t>
+            </a:r>
+            <a:r>
+              <a:rPr lang="en-US" sz="1600" dirty="0"/>
+              <a:t> the dataset</a:t>
+            </a:r>
+          </a:p>
+          <a:p>
+            <a:pPr marL="742950" lvl="1" indent="-285750">
               <a:lnSpc>
                 <a:spcPct val="150000"/>
               </a:lnSpc>
@@ -5853,16 +5402,28 @@
               <a:buChar char="o"/>
             </a:pPr>
             <a:r>
+              <a:rPr lang="en-US" sz="1600" dirty="0"/>
+              <a:t>Applied </a:t>
+            </a:r>
+            <a:r>
               <a:rPr lang="en-US" sz="1600" b="1" dirty="0"/>
-              <a:t>Week Number, </a:t>
+              <a:t>SUM </a:t>
             </a:r>
             <a:r>
               <a:rPr lang="en-US" sz="1600" dirty="0"/>
-              <a:t>week number of the year ranging from 0-53 with Monday as first day of the week</a:t>
-            </a:r>
-          </a:p>
-          <a:p>
-            <a:pPr marL="285750" indent="-285750">
+              <a:t>function for </a:t>
+            </a:r>
+            <a:r>
+              <a:rPr lang="en-US" sz="1600" b="1" dirty="0"/>
+              <a:t>GMV, Product MRP, Offer Price </a:t>
+            </a:r>
+            <a:r>
+              <a:rPr lang="en-US" sz="1600" dirty="0"/>
+              <a:t>and other numerical variables</a:t>
+            </a:r>
+          </a:p>
+          <a:p>
+            <a:pPr marL="742950" lvl="1" indent="-285750">
               <a:lnSpc>
                 <a:spcPct val="150000"/>
               </a:lnSpc>
@@ -5870,65 +5431,83 @@
               <a:buChar char="o"/>
             </a:pPr>
             <a:r>
+              <a:rPr lang="en-US" sz="1600" dirty="0"/>
+              <a:t>Applied </a:t>
+            </a:r>
+            <a:r>
               <a:rPr lang="en-US" sz="1600" b="1" dirty="0"/>
-              <a:t>Day, </a:t>
+              <a:t>MEAN</a:t>
+            </a:r>
+            <a:r>
+              <a:rPr lang="en-US" sz="1600" dirty="0">
+                <a:solidFill>
+                  <a:srgbClr val="FF0000"/>
+                </a:solidFill>
+              </a:rPr>
+              <a:t>*</a:t>
+            </a:r>
+            <a:r>
+              <a:rPr lang="en-US" sz="1600" b="1" dirty="0"/>
+              <a:t> </a:t>
             </a:r>
             <a:r>
               <a:rPr lang="en-US" sz="1600" dirty="0"/>
-              <a:t>day of the month ranging from 0-31</a:t>
-            </a:r>
-          </a:p>
-          <a:p>
-            <a:pPr marL="1200150" lvl="2" indent="-285750">
+              <a:t>function for </a:t>
+            </a:r>
+            <a:r>
+              <a:rPr lang="en-US" sz="1600" dirty="0" err="1"/>
+              <a:t>deliverybdays</a:t>
+            </a:r>
+            <a:r>
+              <a:rPr lang="en-US" sz="1600" dirty="0"/>
+              <a:t>, </a:t>
+            </a:r>
+            <a:r>
+              <a:rPr lang="en-US" sz="1600" dirty="0" err="1"/>
+              <a:t>deliverycdays</a:t>
+            </a:r>
+            <a:r>
+              <a:rPr lang="en-US" sz="1600" dirty="0"/>
+              <a:t>, </a:t>
+            </a:r>
+            <a:r>
+              <a:rPr lang="en-US" sz="1600" dirty="0" err="1"/>
+              <a:t>product_procurement_sla</a:t>
+            </a:r>
+            <a:r>
+              <a:rPr lang="en-US" sz="1600" dirty="0"/>
+              <a:t> variables</a:t>
+            </a:r>
+          </a:p>
+          <a:p>
+            <a:pPr lvl="2">
               <a:lnSpc>
                 <a:spcPct val="150000"/>
               </a:lnSpc>
-              <a:buFont typeface="Courier New" panose="02070309020205020404" pitchFamily="49" charset="0"/>
-              <a:buChar char="o"/>
-            </a:pPr>
-            <a:endParaRPr lang="en-US" sz="1600" dirty="0"/>
-          </a:p>
-          <a:p>
-            <a:pPr marL="1200150" lvl="2" indent="-285750">
-              <a:lnSpc>
-                <a:spcPct val="150000"/>
-              </a:lnSpc>
-              <a:buFont typeface="Courier New" panose="02070309020205020404" pitchFamily="49" charset="0"/>
-              <a:buChar char="o"/>
-            </a:pPr>
-            <a:endParaRPr lang="en-US" sz="1600" dirty="0"/>
-          </a:p>
-          <a:p>
-            <a:pPr marL="1200150" lvl="2" indent="-285750">
-              <a:lnSpc>
-                <a:spcPct val="150000"/>
-              </a:lnSpc>
-              <a:buFont typeface="Courier New" panose="02070309020205020404" pitchFamily="49" charset="0"/>
-              <a:buChar char="o"/>
             </a:pPr>
             <a:endParaRPr lang="en-US" sz="1600" dirty="0">
               <a:latin typeface="Lato"/>
             </a:endParaRPr>
           </a:p>
           <a:p>
-            <a:pPr marL="742950" lvl="1" indent="-285750">
+            <a:pPr lvl="2" algn="r">
               <a:lnSpc>
                 <a:spcPct val="150000"/>
               </a:lnSpc>
-              <a:buFont typeface="Courier New" panose="02070309020205020404" pitchFamily="49" charset="0"/>
-              <a:buChar char="o"/>
-            </a:pPr>
-            <a:endParaRPr lang="en-IN" sz="1600" dirty="0">
-              <a:latin typeface="Lato"/>
-            </a:endParaRPr>
-          </a:p>
-          <a:p>
-            <a:pPr>
-              <a:lnSpc>
-                <a:spcPct val="200000"/>
-              </a:lnSpc>
-            </a:pPr>
-            <a:endParaRPr lang="en-US" sz="1600" dirty="0">
+            </a:pPr>
+            <a:r>
+              <a:rPr lang="en-US" sz="1600" dirty="0">
+                <a:solidFill>
+                  <a:srgbClr val="FF0000"/>
+                </a:solidFill>
+              </a:rPr>
+              <a:t>*</a:t>
+            </a:r>
+            <a:r>
+              <a:rPr lang="en-US" sz="1200" dirty="0"/>
+              <a:t>since these variables are represents the number of days applying SUM function is not logical hence used MEAN function</a:t>
+            </a:r>
+            <a:endParaRPr lang="en-US" sz="1200" dirty="0">
               <a:latin typeface="Lato"/>
             </a:endParaRPr>
           </a:p>
@@ -5938,6 +5517,371 @@
     <p:extLst>
       <p:ext uri="{BB962C8B-B14F-4D97-AF65-F5344CB8AC3E}">
         <p14:creationId xmlns:p14="http://schemas.microsoft.com/office/powerpoint/2010/main" val="3541138158"/>
+      </p:ext>
+    </p:extLst>
+  </p:cSld>
+  <p:clrMapOvr>
+    <a:masterClrMapping/>
+  </p:clrMapOvr>
+</p:sld>
+</file>
+
+<file path=ppt/slides/slide16.xml><?xml version="1.0" encoding="utf-8"?>
+<p:sld xmlns:a="http://schemas.openxmlformats.org/drawingml/2006/main" xmlns:r="http://schemas.openxmlformats.org/officeDocument/2006/relationships" xmlns:p="http://schemas.openxmlformats.org/presentationml/2006/main">
+  <p:cSld>
+    <p:spTree>
+      <p:nvGrpSpPr>
+        <p:cNvPr id="1" name=""/>
+        <p:cNvGrpSpPr/>
+        <p:nvPr/>
+      </p:nvGrpSpPr>
+      <p:grpSpPr>
+        <a:xfrm>
+          <a:off x="0" y="0"/>
+          <a:ext cx="0" cy="0"/>
+          <a:chOff x="0" y="0"/>
+          <a:chExt cx="0" cy="0"/>
+        </a:xfrm>
+      </p:grpSpPr>
+      <p:grpSp>
+        <p:nvGrpSpPr>
+          <p:cNvPr id="11" name="Group 10">
+            <a:extLst>
+              <a:ext uri="{FF2B5EF4-FFF2-40B4-BE49-F238E27FC236}">
+                <a16:creationId xmlns:a16="http://schemas.microsoft.com/office/drawing/2014/main" id="{EBBA25A6-360E-4B6F-B6E1-CF2014CF9962}"/>
+              </a:ext>
+            </a:extLst>
+          </p:cNvPr>
+          <p:cNvGrpSpPr/>
+          <p:nvPr/>
+        </p:nvGrpSpPr>
+        <p:grpSpPr>
+          <a:xfrm>
+            <a:off x="0" y="990600"/>
+            <a:ext cx="12192000" cy="807291"/>
+            <a:chOff x="0" y="895350"/>
+            <a:chExt cx="12192000" cy="807291"/>
+          </a:xfrm>
+        </p:grpSpPr>
+        <p:pic>
+          <p:nvPicPr>
+            <p:cNvPr id="12" name="Picture 11">
+              <a:extLst>
+                <a:ext uri="{FF2B5EF4-FFF2-40B4-BE49-F238E27FC236}">
+                  <a16:creationId xmlns:a16="http://schemas.microsoft.com/office/drawing/2014/main" id="{1152C58B-7A3D-453B-BEF5-0D6A80241D16}"/>
+                </a:ext>
+              </a:extLst>
+            </p:cNvPr>
+            <p:cNvPicPr>
+              <a:picLocks noChangeAspect="1"/>
+            </p:cNvPicPr>
+            <p:nvPr/>
+          </p:nvPicPr>
+          <p:blipFill>
+            <a:blip r:embed="rId2">
+              <a:extLst>
+                <a:ext uri="{28A0092B-C50C-407E-A947-70E740481C1C}">
+                  <a14:useLocalDpi xmlns:a14="http://schemas.microsoft.com/office/drawing/2010/main" val="0"/>
+                </a:ext>
+              </a:extLst>
+            </a:blip>
+            <a:stretch>
+              <a:fillRect/>
+            </a:stretch>
+          </p:blipFill>
+          <p:spPr>
+            <a:xfrm>
+              <a:off x="0" y="895350"/>
+              <a:ext cx="12192000" cy="807291"/>
+            </a:xfrm>
+            <a:prstGeom prst="rect">
+              <a:avLst/>
+            </a:prstGeom>
+          </p:spPr>
+        </p:pic>
+        <p:sp>
+          <p:nvSpPr>
+            <p:cNvPr id="13" name="Rectangle 12">
+              <a:extLst>
+                <a:ext uri="{FF2B5EF4-FFF2-40B4-BE49-F238E27FC236}">
+                  <a16:creationId xmlns:a16="http://schemas.microsoft.com/office/drawing/2014/main" id="{CF7573B2-FDB7-41CD-8FE1-311DF7F4E7B3}"/>
+                </a:ext>
+              </a:extLst>
+            </p:cNvPr>
+            <p:cNvSpPr/>
+            <p:nvPr/>
+          </p:nvSpPr>
+          <p:spPr>
+            <a:xfrm>
+              <a:off x="210706" y="1148643"/>
+              <a:ext cx="184731" cy="461665"/>
+            </a:xfrm>
+            <a:prstGeom prst="rect">
+              <a:avLst/>
+            </a:prstGeom>
+          </p:spPr>
+          <p:txBody>
+            <a:bodyPr wrap="none">
+              <a:spAutoFit/>
+            </a:bodyPr>
+            <a:lstStyle/>
+            <a:p>
+              <a:endParaRPr lang="en-US" sz="2400" b="1" dirty="0">
+                <a:solidFill>
+                  <a:schemeClr val="bg1"/>
+                </a:solidFill>
+                <a:latin typeface="Lato" charset="0"/>
+              </a:endParaRPr>
+            </a:p>
+          </p:txBody>
+        </p:sp>
+      </p:grpSp>
+      <p:sp>
+        <p:nvSpPr>
+          <p:cNvPr id="6" name="Rectangle 5">
+            <a:extLst>
+              <a:ext uri="{FF2B5EF4-FFF2-40B4-BE49-F238E27FC236}">
+                <a16:creationId xmlns:a16="http://schemas.microsoft.com/office/drawing/2014/main" id="{DBAA94C3-0FE8-4A5F-9E00-D3D273B1FA6E}"/>
+              </a:ext>
+            </a:extLst>
+          </p:cNvPr>
+          <p:cNvSpPr/>
+          <p:nvPr/>
+        </p:nvSpPr>
+        <p:spPr>
+          <a:xfrm>
+            <a:off x="4848703" y="3359391"/>
+            <a:ext cx="3088602" cy="553998"/>
+          </a:xfrm>
+          <a:prstGeom prst="rect">
+            <a:avLst/>
+          </a:prstGeom>
+        </p:spPr>
+        <p:txBody>
+          <a:bodyPr wrap="none">
+            <a:spAutoFit/>
+          </a:bodyPr>
+          <a:lstStyle/>
+          <a:p>
+            <a:r>
+              <a:rPr lang="en-US" sz="3000" b="1" dirty="0">
+                <a:latin typeface="Lato" charset="0"/>
+              </a:rPr>
+              <a:t>Weekly Analysis</a:t>
+            </a:r>
+            <a:endParaRPr lang="en-US" sz="2400" b="1" dirty="0">
+              <a:latin typeface="Lato" charset="0"/>
+            </a:endParaRPr>
+          </a:p>
+        </p:txBody>
+      </p:sp>
+    </p:spTree>
+    <p:extLst>
+      <p:ext uri="{BB962C8B-B14F-4D97-AF65-F5344CB8AC3E}">
+        <p14:creationId xmlns:p14="http://schemas.microsoft.com/office/powerpoint/2010/main" val="3706840399"/>
+      </p:ext>
+    </p:extLst>
+  </p:cSld>
+  <p:clrMapOvr>
+    <a:masterClrMapping/>
+  </p:clrMapOvr>
+</p:sld>
+</file>
+
+<file path=ppt/slides/slide17.xml><?xml version="1.0" encoding="utf-8"?>
+<p:sld xmlns:a="http://schemas.openxmlformats.org/drawingml/2006/main" xmlns:r="http://schemas.openxmlformats.org/officeDocument/2006/relationships" xmlns:p="http://schemas.openxmlformats.org/presentationml/2006/main">
+  <p:cSld>
+    <p:spTree>
+      <p:nvGrpSpPr>
+        <p:cNvPr id="1" name=""/>
+        <p:cNvGrpSpPr/>
+        <p:nvPr/>
+      </p:nvGrpSpPr>
+      <p:grpSpPr>
+        <a:xfrm>
+          <a:off x="0" y="0"/>
+          <a:ext cx="0" cy="0"/>
+          <a:chOff x="0" y="0"/>
+          <a:chExt cx="0" cy="0"/>
+        </a:xfrm>
+      </p:grpSpPr>
+      <p:grpSp>
+        <p:nvGrpSpPr>
+          <p:cNvPr id="11" name="Group 10">
+            <a:extLst>
+              <a:ext uri="{FF2B5EF4-FFF2-40B4-BE49-F238E27FC236}">
+                <a16:creationId xmlns:a16="http://schemas.microsoft.com/office/drawing/2014/main" id="{EBBA25A6-360E-4B6F-B6E1-CF2014CF9962}"/>
+              </a:ext>
+            </a:extLst>
+          </p:cNvPr>
+          <p:cNvGrpSpPr/>
+          <p:nvPr/>
+        </p:nvGrpSpPr>
+        <p:grpSpPr>
+          <a:xfrm>
+            <a:off x="0" y="990600"/>
+            <a:ext cx="12192000" cy="807291"/>
+            <a:chOff x="0" y="895350"/>
+            <a:chExt cx="12192000" cy="807291"/>
+          </a:xfrm>
+        </p:grpSpPr>
+        <p:pic>
+          <p:nvPicPr>
+            <p:cNvPr id="12" name="Picture 11">
+              <a:extLst>
+                <a:ext uri="{FF2B5EF4-FFF2-40B4-BE49-F238E27FC236}">
+                  <a16:creationId xmlns:a16="http://schemas.microsoft.com/office/drawing/2014/main" id="{1152C58B-7A3D-453B-BEF5-0D6A80241D16}"/>
+                </a:ext>
+              </a:extLst>
+            </p:cNvPr>
+            <p:cNvPicPr>
+              <a:picLocks noChangeAspect="1"/>
+            </p:cNvPicPr>
+            <p:nvPr/>
+          </p:nvPicPr>
+          <p:blipFill>
+            <a:blip r:embed="rId2">
+              <a:extLst>
+                <a:ext uri="{28A0092B-C50C-407E-A947-70E740481C1C}">
+                  <a14:useLocalDpi xmlns:a14="http://schemas.microsoft.com/office/drawing/2010/main" val="0"/>
+                </a:ext>
+              </a:extLst>
+            </a:blip>
+            <a:stretch>
+              <a:fillRect/>
+            </a:stretch>
+          </p:blipFill>
+          <p:spPr>
+            <a:xfrm>
+              <a:off x="0" y="895350"/>
+              <a:ext cx="12192000" cy="807291"/>
+            </a:xfrm>
+            <a:prstGeom prst="rect">
+              <a:avLst/>
+            </a:prstGeom>
+          </p:spPr>
+        </p:pic>
+        <p:sp>
+          <p:nvSpPr>
+            <p:cNvPr id="13" name="Rectangle 12">
+              <a:extLst>
+                <a:ext uri="{FF2B5EF4-FFF2-40B4-BE49-F238E27FC236}">
+                  <a16:creationId xmlns:a16="http://schemas.microsoft.com/office/drawing/2014/main" id="{CF7573B2-FDB7-41CD-8FE1-311DF7F4E7B3}"/>
+                </a:ext>
+              </a:extLst>
+            </p:cNvPr>
+            <p:cNvSpPr/>
+            <p:nvPr/>
+          </p:nvSpPr>
+          <p:spPr>
+            <a:xfrm>
+              <a:off x="210706" y="1148643"/>
+              <a:ext cx="8946232" cy="553998"/>
+            </a:xfrm>
+            <a:prstGeom prst="rect">
+              <a:avLst/>
+            </a:prstGeom>
+          </p:spPr>
+          <p:txBody>
+            <a:bodyPr wrap="none">
+              <a:spAutoFit/>
+            </a:bodyPr>
+            <a:lstStyle/>
+            <a:p>
+              <a:r>
+                <a:rPr lang="en-US" sz="3000" b="1" dirty="0">
+                  <a:solidFill>
+                    <a:schemeClr val="bg1"/>
+                  </a:solidFill>
+                  <a:latin typeface="Lato" charset="0"/>
+                </a:rPr>
+                <a:t>Weekly Analysis, 2015 – Revenue Vs Investments</a:t>
+              </a:r>
+              <a:endParaRPr lang="en-US" sz="2400" b="1" dirty="0">
+                <a:solidFill>
+                  <a:schemeClr val="bg1"/>
+                </a:solidFill>
+                <a:latin typeface="Lato" charset="0"/>
+              </a:endParaRPr>
+            </a:p>
+          </p:txBody>
+        </p:sp>
+      </p:grpSp>
+      <p:pic>
+        <p:nvPicPr>
+          <p:cNvPr id="2" name="Picture 1">
+            <a:extLst>
+              <a:ext uri="{FF2B5EF4-FFF2-40B4-BE49-F238E27FC236}">
+                <a16:creationId xmlns:a16="http://schemas.microsoft.com/office/drawing/2014/main" id="{5F33AC8C-1027-4B34-9A10-0D5963861828}"/>
+              </a:ext>
+            </a:extLst>
+          </p:cNvPr>
+          <p:cNvPicPr>
+            <a:picLocks noChangeAspect="1"/>
+          </p:cNvPicPr>
+          <p:nvPr/>
+        </p:nvPicPr>
+        <p:blipFill>
+          <a:blip r:embed="rId3"/>
+          <a:stretch>
+            <a:fillRect/>
+          </a:stretch>
+        </p:blipFill>
+        <p:spPr>
+          <a:xfrm>
+            <a:off x="2129947" y="2051184"/>
+            <a:ext cx="7932104" cy="3954984"/>
+          </a:xfrm>
+          <a:prstGeom prst="rect">
+            <a:avLst/>
+          </a:prstGeom>
+        </p:spPr>
+      </p:pic>
+      <p:sp>
+        <p:nvSpPr>
+          <p:cNvPr id="8" name="Rectangle 7">
+            <a:extLst>
+              <a:ext uri="{FF2B5EF4-FFF2-40B4-BE49-F238E27FC236}">
+                <a16:creationId xmlns:a16="http://schemas.microsoft.com/office/drawing/2014/main" id="{1D3F2426-981A-45C3-A1E1-7D3039EBF955}"/>
+              </a:ext>
+            </a:extLst>
+          </p:cNvPr>
+          <p:cNvSpPr/>
+          <p:nvPr/>
+        </p:nvSpPr>
+        <p:spPr>
+          <a:xfrm>
+            <a:off x="2446254" y="6281659"/>
+            <a:ext cx="7299490" cy="415819"/>
+          </a:xfrm>
+          <a:prstGeom prst="rect">
+            <a:avLst/>
+          </a:prstGeom>
+        </p:spPr>
+        <p:txBody>
+          <a:bodyPr wrap="square">
+            <a:spAutoFit/>
+          </a:bodyPr>
+          <a:lstStyle/>
+          <a:p>
+            <a:pPr>
+              <a:lnSpc>
+                <a:spcPct val="150000"/>
+              </a:lnSpc>
+            </a:pPr>
+            <a:r>
+              <a:rPr lang="en-US" sz="1600" dirty="0">
+                <a:latin typeface="Lato"/>
+              </a:rPr>
+              <a:t>Weekly Revenue vs. Investments Analysis from July – Dec 2016 (Week# 26-52)</a:t>
+            </a:r>
+          </a:p>
+        </p:txBody>
+      </p:sp>
+    </p:spTree>
+    <p:extLst>
+      <p:ext uri="{BB962C8B-B14F-4D97-AF65-F5344CB8AC3E}">
+        <p14:creationId xmlns:p14="http://schemas.microsoft.com/office/powerpoint/2010/main" val="1885875643"/>
       </p:ext>
     </p:extLst>
   </p:cSld>
@@ -5964,115 +5908,132 @@
           <a:chExt cx="0" cy="0"/>
         </a:xfrm>
       </p:grpSpPr>
-      <p:sp>
-        <p:nvSpPr>
-          <p:cNvPr id="3" name="Subtitle 2"/>
-          <p:cNvSpPr>
-            <a:spLocks noGrp="1"/>
-          </p:cNvSpPr>
-          <p:nvPr>
-            <p:ph type="subTitle" idx="1"/>
-          </p:nvPr>
-        </p:nvSpPr>
-        <p:spPr>
-          <a:xfrm>
-            <a:off x="5760542" y="4811430"/>
-            <a:ext cx="6138856" cy="1531917"/>
-          </a:xfrm>
-        </p:spPr>
-        <p:txBody>
-          <a:bodyPr>
-            <a:normAutofit/>
-          </a:bodyPr>
-          <a:lstStyle/>
-          <a:p>
-            <a:pPr algn="r"/>
-            <a:r>
-              <a:rPr lang="en-IN" sz="1600" dirty="0">
-                <a:latin typeface="Lato" panose="020F0502020204030203"/>
-              </a:rPr>
-              <a:t>Merin Jose</a:t>
-            </a:r>
-          </a:p>
-          <a:p>
-            <a:pPr algn="r"/>
-            <a:r>
-              <a:rPr lang="en-IN" sz="1600" dirty="0">
-                <a:latin typeface="Lato" panose="020F0502020204030203"/>
-              </a:rPr>
-              <a:t>Suresh </a:t>
-            </a:r>
-            <a:r>
-              <a:rPr lang="en-IN" sz="1600" dirty="0" err="1">
-                <a:latin typeface="Lato" panose="020F0502020204030203"/>
-              </a:rPr>
-              <a:t>Balla</a:t>
-            </a:r>
-            <a:endParaRPr lang="en-IN" sz="1600" dirty="0">
-              <a:latin typeface="Lato" panose="020F0502020204030203"/>
-            </a:endParaRPr>
-          </a:p>
-          <a:p>
-            <a:pPr algn="r"/>
-            <a:r>
-              <a:rPr lang="en-IN" sz="1600" dirty="0">
-                <a:latin typeface="Lato" panose="020F0502020204030203"/>
-              </a:rPr>
-              <a:t>Deepak </a:t>
-            </a:r>
-            <a:r>
-              <a:rPr lang="en-IN" sz="1600" dirty="0" err="1">
-                <a:latin typeface="Lato" panose="020F0502020204030203"/>
-              </a:rPr>
-              <a:t>Aneja</a:t>
-            </a:r>
-            <a:endParaRPr lang="en-IN" sz="1600" dirty="0">
-              <a:latin typeface="Lato" panose="020F0502020204030203"/>
-            </a:endParaRPr>
-          </a:p>
-          <a:p>
-            <a:pPr algn="r"/>
-            <a:r>
-              <a:rPr lang="en-IN" sz="1600" dirty="0">
-                <a:latin typeface="Lato" panose="020F0502020204030203"/>
-              </a:rPr>
-              <a:t>Fayiz Mayam Veettil</a:t>
-            </a:r>
-          </a:p>
-          <a:p>
-            <a:pPr marL="457200" indent="-457200" algn="l">
-              <a:buFont typeface="+mj-lt"/>
-              <a:buAutoNum type="arabicPeriod"/>
-            </a:pPr>
-            <a:endParaRPr lang="en-IN" sz="1800" dirty="0"/>
-          </a:p>
-        </p:txBody>
-      </p:sp>
-      <p:sp>
-        <p:nvSpPr>
-          <p:cNvPr id="7" name="Title 1">
+      <p:grpSp>
+        <p:nvGrpSpPr>
+          <p:cNvPr id="11" name="Group 10">
             <a:extLst>
               <a:ext uri="{FF2B5EF4-FFF2-40B4-BE49-F238E27FC236}">
-                <a16:creationId xmlns:a16="http://schemas.microsoft.com/office/drawing/2014/main" id="{06ED631A-0337-465F-8039-C7101C9480FA}"/>
+                <a16:creationId xmlns:a16="http://schemas.microsoft.com/office/drawing/2014/main" id="{EBBA25A6-360E-4B6F-B6E1-CF2014CF9962}"/>
               </a:ext>
             </a:extLst>
           </p:cNvPr>
-          <p:cNvSpPr>
-            <a:spLocks noGrp="1"/>
-          </p:cNvSpPr>
-          <p:nvPr>
-            <p:ph type="ctrTitle"/>
-          </p:nvPr>
+          <p:cNvGrpSpPr/>
+          <p:nvPr/>
+        </p:nvGrpSpPr>
+        <p:grpSpPr>
+          <a:xfrm>
+            <a:off x="0" y="990600"/>
+            <a:ext cx="12192000" cy="807291"/>
+            <a:chOff x="0" y="895350"/>
+            <a:chExt cx="12192000" cy="807291"/>
+          </a:xfrm>
+        </p:grpSpPr>
+        <p:pic>
+          <p:nvPicPr>
+            <p:cNvPr id="12" name="Picture 11">
+              <a:extLst>
+                <a:ext uri="{FF2B5EF4-FFF2-40B4-BE49-F238E27FC236}">
+                  <a16:creationId xmlns:a16="http://schemas.microsoft.com/office/drawing/2014/main" id="{1152C58B-7A3D-453B-BEF5-0D6A80241D16}"/>
+                </a:ext>
+              </a:extLst>
+            </p:cNvPr>
+            <p:cNvPicPr>
+              <a:picLocks noChangeAspect="1"/>
+            </p:cNvPicPr>
+            <p:nvPr/>
+          </p:nvPicPr>
+          <p:blipFill>
+            <a:blip r:embed="rId2">
+              <a:extLst>
+                <a:ext uri="{28A0092B-C50C-407E-A947-70E740481C1C}">
+                  <a14:useLocalDpi xmlns:a14="http://schemas.microsoft.com/office/drawing/2010/main" val="0"/>
+                </a:ext>
+              </a:extLst>
+            </a:blip>
+            <a:stretch>
+              <a:fillRect/>
+            </a:stretch>
+          </p:blipFill>
+          <p:spPr>
+            <a:xfrm>
+              <a:off x="0" y="895350"/>
+              <a:ext cx="12192000" cy="807291"/>
+            </a:xfrm>
+            <a:prstGeom prst="rect">
+              <a:avLst/>
+            </a:prstGeom>
+          </p:spPr>
+        </p:pic>
+        <p:sp>
+          <p:nvSpPr>
+            <p:cNvPr id="13" name="Rectangle 12">
+              <a:extLst>
+                <a:ext uri="{FF2B5EF4-FFF2-40B4-BE49-F238E27FC236}">
+                  <a16:creationId xmlns:a16="http://schemas.microsoft.com/office/drawing/2014/main" id="{CF7573B2-FDB7-41CD-8FE1-311DF7F4E7B3}"/>
+                </a:ext>
+              </a:extLst>
+            </p:cNvPr>
+            <p:cNvSpPr/>
+            <p:nvPr/>
+          </p:nvSpPr>
+          <p:spPr>
+            <a:xfrm>
+              <a:off x="210706" y="1148643"/>
+              <a:ext cx="8946232" cy="553998"/>
+            </a:xfrm>
+            <a:prstGeom prst="rect">
+              <a:avLst/>
+            </a:prstGeom>
+          </p:spPr>
+          <p:txBody>
+            <a:bodyPr wrap="none">
+              <a:spAutoFit/>
+            </a:bodyPr>
+            <a:lstStyle/>
+            <a:p>
+              <a:r>
+                <a:rPr lang="en-US" sz="3000" b="1" dirty="0">
+                  <a:solidFill>
+                    <a:schemeClr val="bg1"/>
+                  </a:solidFill>
+                  <a:latin typeface="Lato" charset="0"/>
+                </a:rPr>
+                <a:t>Weekly Analysis, 2016 – Revenue Vs Investments</a:t>
+              </a:r>
+              <a:endParaRPr lang="en-US" sz="2400" b="1" dirty="0">
+                <a:solidFill>
+                  <a:schemeClr val="bg1"/>
+                </a:solidFill>
+                <a:latin typeface="Lato" charset="0"/>
+              </a:endParaRPr>
+            </a:p>
+          </p:txBody>
+        </p:sp>
+      </p:grpSp>
+      <p:sp>
+        <p:nvSpPr>
+          <p:cNvPr id="8" name="Rectangle 7">
+            <a:extLst>
+              <a:ext uri="{FF2B5EF4-FFF2-40B4-BE49-F238E27FC236}">
+                <a16:creationId xmlns:a16="http://schemas.microsoft.com/office/drawing/2014/main" id="{1D3F2426-981A-45C3-A1E1-7D3039EBF955}"/>
+              </a:ext>
+            </a:extLst>
+          </p:cNvPr>
+          <p:cNvSpPr/>
+          <p:nvPr/>
         </p:nvSpPr>
         <p:spPr>
           <a:xfrm>
-            <a:off x="1391478" y="1438275"/>
-            <a:ext cx="9144000" cy="2100056"/>
+            <a:off x="2446254" y="6281659"/>
+            <a:ext cx="7299490" cy="415819"/>
           </a:xfrm>
+          <a:prstGeom prst="rect">
+            <a:avLst/>
+          </a:prstGeom>
         </p:spPr>
         <p:txBody>
-          <a:bodyPr>
-            <a:normAutofit/>
+          <a:bodyPr wrap="square">
+            <a:spAutoFit/>
           </a:bodyPr>
           <a:lstStyle/>
           <a:p>
@@ -6082,21 +6043,330 @@
               </a:lnSpc>
             </a:pPr>
             <a:r>
-              <a:rPr lang="en-US" sz="3200" b="1" dirty="0">
-                <a:latin typeface="Lato" panose="020F0502020204030203"/>
+              <a:rPr lang="en-US" sz="1600" dirty="0">
+                <a:latin typeface="Lato"/>
               </a:rPr>
-              <a:t>Thanks</a:t>
-            </a:r>
-            <a:endParaRPr lang="en-IN" sz="2400" dirty="0">
-              <a:latin typeface="Lato" panose="020F0502020204030203"/>
-            </a:endParaRPr>
-          </a:p>
-        </p:txBody>
-      </p:sp>
+              <a:t>Weekly Revenue vs. Investments Analysis from Jan – Jun 2015 (Week # 0-25)</a:t>
+            </a:r>
+          </a:p>
+        </p:txBody>
+      </p:sp>
+      <p:pic>
+        <p:nvPicPr>
+          <p:cNvPr id="3" name="Picture 2">
+            <a:extLst>
+              <a:ext uri="{FF2B5EF4-FFF2-40B4-BE49-F238E27FC236}">
+                <a16:creationId xmlns:a16="http://schemas.microsoft.com/office/drawing/2014/main" id="{B781EF64-3502-4562-BB0F-05FA4F8E11EB}"/>
+              </a:ext>
+            </a:extLst>
+          </p:cNvPr>
+          <p:cNvPicPr>
+            <a:picLocks noChangeAspect="1"/>
+          </p:cNvPicPr>
+          <p:nvPr/>
+        </p:nvPicPr>
+        <p:blipFill>
+          <a:blip r:embed="rId3"/>
+          <a:stretch>
+            <a:fillRect/>
+          </a:stretch>
+        </p:blipFill>
+        <p:spPr>
+          <a:xfrm>
+            <a:off x="2488332" y="2144992"/>
+            <a:ext cx="7215335" cy="3859538"/>
+          </a:xfrm>
+          <a:prstGeom prst="rect">
+            <a:avLst/>
+          </a:prstGeom>
+        </p:spPr>
+      </p:pic>
     </p:spTree>
     <p:extLst>
       <p:ext uri="{BB962C8B-B14F-4D97-AF65-F5344CB8AC3E}">
-        <p14:creationId xmlns:p14="http://schemas.microsoft.com/office/powerpoint/2010/main" val="177390757"/>
+        <p14:creationId xmlns:p14="http://schemas.microsoft.com/office/powerpoint/2010/main" val="119632478"/>
+      </p:ext>
+    </p:extLst>
+  </p:cSld>
+  <p:clrMapOvr>
+    <a:masterClrMapping/>
+  </p:clrMapOvr>
+</p:sld>
+</file>
+
+<file path=ppt/slides/slide19.xml><?xml version="1.0" encoding="utf-8"?>
+<p:sld xmlns:a="http://schemas.openxmlformats.org/drawingml/2006/main" xmlns:r="http://schemas.openxmlformats.org/officeDocument/2006/relationships" xmlns:p="http://schemas.openxmlformats.org/presentationml/2006/main">
+  <p:cSld>
+    <p:spTree>
+      <p:nvGrpSpPr>
+        <p:cNvPr id="1" name=""/>
+        <p:cNvGrpSpPr/>
+        <p:nvPr/>
+      </p:nvGrpSpPr>
+      <p:grpSpPr>
+        <a:xfrm>
+          <a:off x="0" y="0"/>
+          <a:ext cx="0" cy="0"/>
+          <a:chOff x="0" y="0"/>
+          <a:chExt cx="0" cy="0"/>
+        </a:xfrm>
+      </p:grpSpPr>
+      <p:grpSp>
+        <p:nvGrpSpPr>
+          <p:cNvPr id="11" name="Group 10">
+            <a:extLst>
+              <a:ext uri="{FF2B5EF4-FFF2-40B4-BE49-F238E27FC236}">
+                <a16:creationId xmlns:a16="http://schemas.microsoft.com/office/drawing/2014/main" id="{EBBA25A6-360E-4B6F-B6E1-CF2014CF9962}"/>
+              </a:ext>
+            </a:extLst>
+          </p:cNvPr>
+          <p:cNvGrpSpPr/>
+          <p:nvPr/>
+        </p:nvGrpSpPr>
+        <p:grpSpPr>
+          <a:xfrm>
+            <a:off x="0" y="990600"/>
+            <a:ext cx="12192000" cy="1176623"/>
+            <a:chOff x="0" y="895350"/>
+            <a:chExt cx="12192000" cy="1176623"/>
+          </a:xfrm>
+        </p:grpSpPr>
+        <p:pic>
+          <p:nvPicPr>
+            <p:cNvPr id="12" name="Picture 11">
+              <a:extLst>
+                <a:ext uri="{FF2B5EF4-FFF2-40B4-BE49-F238E27FC236}">
+                  <a16:creationId xmlns:a16="http://schemas.microsoft.com/office/drawing/2014/main" id="{1152C58B-7A3D-453B-BEF5-0D6A80241D16}"/>
+                </a:ext>
+              </a:extLst>
+            </p:cNvPr>
+            <p:cNvPicPr>
+              <a:picLocks noChangeAspect="1"/>
+            </p:cNvPicPr>
+            <p:nvPr/>
+          </p:nvPicPr>
+          <p:blipFill>
+            <a:blip r:embed="rId2">
+              <a:extLst>
+                <a:ext uri="{28A0092B-C50C-407E-A947-70E740481C1C}">
+                  <a14:useLocalDpi xmlns:a14="http://schemas.microsoft.com/office/drawing/2010/main" val="0"/>
+                </a:ext>
+              </a:extLst>
+            </a:blip>
+            <a:stretch>
+              <a:fillRect/>
+            </a:stretch>
+          </p:blipFill>
+          <p:spPr>
+            <a:xfrm>
+              <a:off x="0" y="895350"/>
+              <a:ext cx="12192000" cy="807291"/>
+            </a:xfrm>
+            <a:prstGeom prst="rect">
+              <a:avLst/>
+            </a:prstGeom>
+          </p:spPr>
+        </p:pic>
+        <p:sp>
+          <p:nvSpPr>
+            <p:cNvPr id="13" name="Rectangle 12">
+              <a:extLst>
+                <a:ext uri="{FF2B5EF4-FFF2-40B4-BE49-F238E27FC236}">
+                  <a16:creationId xmlns:a16="http://schemas.microsoft.com/office/drawing/2014/main" id="{CF7573B2-FDB7-41CD-8FE1-311DF7F4E7B3}"/>
+                </a:ext>
+              </a:extLst>
+            </p:cNvPr>
+            <p:cNvSpPr/>
+            <p:nvPr/>
+          </p:nvSpPr>
+          <p:spPr>
+            <a:xfrm>
+              <a:off x="210706" y="1148643"/>
+              <a:ext cx="7916911" cy="923330"/>
+            </a:xfrm>
+            <a:prstGeom prst="rect">
+              <a:avLst/>
+            </a:prstGeom>
+          </p:spPr>
+          <p:txBody>
+            <a:bodyPr wrap="none">
+              <a:spAutoFit/>
+            </a:bodyPr>
+            <a:lstStyle/>
+            <a:p>
+              <a:r>
+                <a:rPr lang="en-US" sz="3000" b="1" dirty="0">
+                  <a:solidFill>
+                    <a:schemeClr val="bg1"/>
+                  </a:solidFill>
+                  <a:latin typeface="Lato" charset="0"/>
+                </a:rPr>
+                <a:t>Weekly Analysis, High Correlated Variables</a:t>
+              </a:r>
+              <a:endParaRPr lang="en-US" sz="2400" b="1" dirty="0">
+                <a:solidFill>
+                  <a:schemeClr val="bg1"/>
+                </a:solidFill>
+                <a:latin typeface="Lato" charset="0"/>
+              </a:endParaRPr>
+            </a:p>
+            <a:p>
+              <a:endParaRPr lang="en-US" sz="2400" b="1" dirty="0">
+                <a:solidFill>
+                  <a:schemeClr val="bg1"/>
+                </a:solidFill>
+                <a:latin typeface="Lato" charset="0"/>
+              </a:endParaRPr>
+            </a:p>
+          </p:txBody>
+        </p:sp>
+      </p:grpSp>
+      <p:sp>
+        <p:nvSpPr>
+          <p:cNvPr id="8" name="Rectangle 7">
+            <a:extLst>
+              <a:ext uri="{FF2B5EF4-FFF2-40B4-BE49-F238E27FC236}">
+                <a16:creationId xmlns:a16="http://schemas.microsoft.com/office/drawing/2014/main" id="{1D3F2426-981A-45C3-A1E1-7D3039EBF955}"/>
+              </a:ext>
+            </a:extLst>
+          </p:cNvPr>
+          <p:cNvSpPr/>
+          <p:nvPr/>
+        </p:nvSpPr>
+        <p:spPr>
+          <a:xfrm>
+            <a:off x="467185" y="5867400"/>
+            <a:ext cx="6461748" cy="375359"/>
+          </a:xfrm>
+          <a:prstGeom prst="rect">
+            <a:avLst/>
+          </a:prstGeom>
+        </p:spPr>
+        <p:txBody>
+          <a:bodyPr wrap="square">
+            <a:spAutoFit/>
+          </a:bodyPr>
+          <a:lstStyle/>
+          <a:p>
+            <a:pPr algn="ctr">
+              <a:lnSpc>
+                <a:spcPct val="150000"/>
+              </a:lnSpc>
+            </a:pPr>
+            <a:r>
+              <a:rPr lang="en-US" sz="1400" dirty="0">
+                <a:latin typeface="Lato"/>
+              </a:rPr>
+              <a:t>Highly correlated variables with GMV at week level</a:t>
+            </a:r>
+          </a:p>
+        </p:txBody>
+      </p:sp>
+      <p:pic>
+        <p:nvPicPr>
+          <p:cNvPr id="2" name="Picture 1">
+            <a:extLst>
+              <a:ext uri="{FF2B5EF4-FFF2-40B4-BE49-F238E27FC236}">
+                <a16:creationId xmlns:a16="http://schemas.microsoft.com/office/drawing/2014/main" id="{96464A7C-CA8D-43D2-8816-6A7840A8D6B0}"/>
+              </a:ext>
+            </a:extLst>
+          </p:cNvPr>
+          <p:cNvPicPr>
+            <a:picLocks noChangeAspect="1"/>
+          </p:cNvPicPr>
+          <p:nvPr/>
+        </p:nvPicPr>
+        <p:blipFill>
+          <a:blip r:embed="rId3"/>
+          <a:stretch>
+            <a:fillRect/>
+          </a:stretch>
+        </p:blipFill>
+        <p:spPr>
+          <a:xfrm>
+            <a:off x="467185" y="2167223"/>
+            <a:ext cx="6461749" cy="3374582"/>
+          </a:xfrm>
+          <a:prstGeom prst="rect">
+            <a:avLst/>
+          </a:prstGeom>
+        </p:spPr>
+      </p:pic>
+      <p:pic>
+        <p:nvPicPr>
+          <p:cNvPr id="4" name="Picture 3">
+            <a:extLst>
+              <a:ext uri="{FF2B5EF4-FFF2-40B4-BE49-F238E27FC236}">
+                <a16:creationId xmlns:a16="http://schemas.microsoft.com/office/drawing/2014/main" id="{4989487F-1FE8-42A6-B70C-06B118B05584}"/>
+              </a:ext>
+            </a:extLst>
+          </p:cNvPr>
+          <p:cNvPicPr>
+            <a:picLocks noChangeAspect="1"/>
+          </p:cNvPicPr>
+          <p:nvPr/>
+        </p:nvPicPr>
+        <p:blipFill>
+          <a:blip r:embed="rId4"/>
+          <a:stretch>
+            <a:fillRect/>
+          </a:stretch>
+        </p:blipFill>
+        <p:spPr>
+          <a:xfrm>
+            <a:off x="7692272" y="1895309"/>
+            <a:ext cx="3944331" cy="3718798"/>
+          </a:xfrm>
+          <a:prstGeom prst="rect">
+            <a:avLst/>
+          </a:prstGeom>
+        </p:spPr>
+      </p:pic>
+      <p:sp>
+        <p:nvSpPr>
+          <p:cNvPr id="9" name="Rectangle 8">
+            <a:extLst>
+              <a:ext uri="{FF2B5EF4-FFF2-40B4-BE49-F238E27FC236}">
+                <a16:creationId xmlns:a16="http://schemas.microsoft.com/office/drawing/2014/main" id="{1C46AA21-56C7-425E-A688-FA341C5AA930}"/>
+              </a:ext>
+            </a:extLst>
+          </p:cNvPr>
+          <p:cNvSpPr/>
+          <p:nvPr/>
+        </p:nvSpPr>
+        <p:spPr>
+          <a:xfrm>
+            <a:off x="7965649" y="5867399"/>
+            <a:ext cx="3670954" cy="375359"/>
+          </a:xfrm>
+          <a:prstGeom prst="rect">
+            <a:avLst/>
+          </a:prstGeom>
+        </p:spPr>
+        <p:txBody>
+          <a:bodyPr wrap="square">
+            <a:spAutoFit/>
+          </a:bodyPr>
+          <a:lstStyle/>
+          <a:p>
+            <a:pPr algn="ctr">
+              <a:lnSpc>
+                <a:spcPct val="150000"/>
+              </a:lnSpc>
+            </a:pPr>
+            <a:r>
+              <a:rPr lang="en-US" sz="1400" dirty="0">
+                <a:latin typeface="Lato"/>
+              </a:rPr>
+              <a:t>Highly correlated variables with Investments</a:t>
+            </a:r>
+          </a:p>
+        </p:txBody>
+      </p:sp>
+    </p:spTree>
+    <p:extLst>
+      <p:ext uri="{BB962C8B-B14F-4D97-AF65-F5344CB8AC3E}">
+        <p14:creationId xmlns:p14="http://schemas.microsoft.com/office/powerpoint/2010/main" val="3218175959"/>
       </p:ext>
     </p:extLst>
   </p:cSld>
@@ -6266,14 +6536,11 @@
               <a:buChar char="o"/>
             </a:pPr>
             <a:r>
-              <a:rPr lang="en-US" sz="2000" b="1" dirty="0" err="1">
+              <a:rPr lang="en-US" sz="2000" b="1" dirty="0">
                 <a:latin typeface="Lato"/>
               </a:rPr>
-              <a:t>Recomendations</a:t>
-            </a:r>
-            <a:endParaRPr lang="en-US" sz="2000" b="1" dirty="0">
-              <a:latin typeface="Lato"/>
-            </a:endParaRPr>
+              <a:t>Recommendations</a:t>
+            </a:r>
           </a:p>
           <a:p>
             <a:pPr marL="742950" lvl="1" indent="-285750">
@@ -6342,6 +6609,450 @@
     <p:extLst>
       <p:ext uri="{BB962C8B-B14F-4D97-AF65-F5344CB8AC3E}">
         <p14:creationId xmlns:p14="http://schemas.microsoft.com/office/powerpoint/2010/main" val="3869754742"/>
+      </p:ext>
+    </p:extLst>
+  </p:cSld>
+  <p:clrMapOvr>
+    <a:masterClrMapping/>
+  </p:clrMapOvr>
+</p:sld>
+</file>
+
+<file path=ppt/slides/slide20.xml><?xml version="1.0" encoding="utf-8"?>
+<p:sld xmlns:a="http://schemas.openxmlformats.org/drawingml/2006/main" xmlns:r="http://schemas.openxmlformats.org/officeDocument/2006/relationships" xmlns:p="http://schemas.openxmlformats.org/presentationml/2006/main">
+  <p:cSld>
+    <p:spTree>
+      <p:nvGrpSpPr>
+        <p:cNvPr id="1" name=""/>
+        <p:cNvGrpSpPr/>
+        <p:nvPr/>
+      </p:nvGrpSpPr>
+      <p:grpSpPr>
+        <a:xfrm>
+          <a:off x="0" y="0"/>
+          <a:ext cx="0" cy="0"/>
+          <a:chOff x="0" y="0"/>
+          <a:chExt cx="0" cy="0"/>
+        </a:xfrm>
+      </p:grpSpPr>
+      <p:grpSp>
+        <p:nvGrpSpPr>
+          <p:cNvPr id="11" name="Group 10">
+            <a:extLst>
+              <a:ext uri="{FF2B5EF4-FFF2-40B4-BE49-F238E27FC236}">
+                <a16:creationId xmlns:a16="http://schemas.microsoft.com/office/drawing/2014/main" id="{EBBA25A6-360E-4B6F-B6E1-CF2014CF9962}"/>
+              </a:ext>
+            </a:extLst>
+          </p:cNvPr>
+          <p:cNvGrpSpPr/>
+          <p:nvPr/>
+        </p:nvGrpSpPr>
+        <p:grpSpPr>
+          <a:xfrm>
+            <a:off x="0" y="990600"/>
+            <a:ext cx="12192000" cy="807291"/>
+            <a:chOff x="0" y="895350"/>
+            <a:chExt cx="12192000" cy="807291"/>
+          </a:xfrm>
+        </p:grpSpPr>
+        <p:pic>
+          <p:nvPicPr>
+            <p:cNvPr id="12" name="Picture 11">
+              <a:extLst>
+                <a:ext uri="{FF2B5EF4-FFF2-40B4-BE49-F238E27FC236}">
+                  <a16:creationId xmlns:a16="http://schemas.microsoft.com/office/drawing/2014/main" id="{1152C58B-7A3D-453B-BEF5-0D6A80241D16}"/>
+                </a:ext>
+              </a:extLst>
+            </p:cNvPr>
+            <p:cNvPicPr>
+              <a:picLocks noChangeAspect="1"/>
+            </p:cNvPicPr>
+            <p:nvPr/>
+          </p:nvPicPr>
+          <p:blipFill>
+            <a:blip r:embed="rId2">
+              <a:extLst>
+                <a:ext uri="{28A0092B-C50C-407E-A947-70E740481C1C}">
+                  <a14:useLocalDpi xmlns:a14="http://schemas.microsoft.com/office/drawing/2010/main" val="0"/>
+                </a:ext>
+              </a:extLst>
+            </a:blip>
+            <a:stretch>
+              <a:fillRect/>
+            </a:stretch>
+          </p:blipFill>
+          <p:spPr>
+            <a:xfrm>
+              <a:off x="0" y="895350"/>
+              <a:ext cx="12192000" cy="807291"/>
+            </a:xfrm>
+            <a:prstGeom prst="rect">
+              <a:avLst/>
+            </a:prstGeom>
+          </p:spPr>
+        </p:pic>
+        <p:sp>
+          <p:nvSpPr>
+            <p:cNvPr id="13" name="Rectangle 12">
+              <a:extLst>
+                <a:ext uri="{FF2B5EF4-FFF2-40B4-BE49-F238E27FC236}">
+                  <a16:creationId xmlns:a16="http://schemas.microsoft.com/office/drawing/2014/main" id="{CF7573B2-FDB7-41CD-8FE1-311DF7F4E7B3}"/>
+                </a:ext>
+              </a:extLst>
+            </p:cNvPr>
+            <p:cNvSpPr/>
+            <p:nvPr/>
+          </p:nvSpPr>
+          <p:spPr>
+            <a:xfrm>
+              <a:off x="210706" y="1148643"/>
+              <a:ext cx="184731" cy="461665"/>
+            </a:xfrm>
+            <a:prstGeom prst="rect">
+              <a:avLst/>
+            </a:prstGeom>
+          </p:spPr>
+          <p:txBody>
+            <a:bodyPr wrap="none">
+              <a:spAutoFit/>
+            </a:bodyPr>
+            <a:lstStyle/>
+            <a:p>
+              <a:endParaRPr lang="en-US" sz="2400" b="1" dirty="0">
+                <a:solidFill>
+                  <a:schemeClr val="bg1"/>
+                </a:solidFill>
+                <a:latin typeface="Lato" charset="0"/>
+              </a:endParaRPr>
+            </a:p>
+          </p:txBody>
+        </p:sp>
+      </p:grpSp>
+      <p:sp>
+        <p:nvSpPr>
+          <p:cNvPr id="6" name="Rectangle 5">
+            <a:extLst>
+              <a:ext uri="{FF2B5EF4-FFF2-40B4-BE49-F238E27FC236}">
+                <a16:creationId xmlns:a16="http://schemas.microsoft.com/office/drawing/2014/main" id="{DBAA94C3-0FE8-4A5F-9E00-D3D273B1FA6E}"/>
+              </a:ext>
+            </a:extLst>
+          </p:cNvPr>
+          <p:cNvSpPr/>
+          <p:nvPr/>
+        </p:nvSpPr>
+        <p:spPr>
+          <a:xfrm>
+            <a:off x="4848703" y="3359391"/>
+            <a:ext cx="2034531" cy="553998"/>
+          </a:xfrm>
+          <a:prstGeom prst="rect">
+            <a:avLst/>
+          </a:prstGeom>
+        </p:spPr>
+        <p:txBody>
+          <a:bodyPr wrap="none">
+            <a:spAutoFit/>
+          </a:bodyPr>
+          <a:lstStyle/>
+          <a:p>
+            <a:r>
+              <a:rPr lang="en-US" sz="3000" b="1" dirty="0">
+                <a:latin typeface="Lato" charset="0"/>
+              </a:rPr>
+              <a:t>Modelling</a:t>
+            </a:r>
+            <a:endParaRPr lang="en-US" sz="2400" b="1" dirty="0">
+              <a:latin typeface="Lato" charset="0"/>
+            </a:endParaRPr>
+          </a:p>
+        </p:txBody>
+      </p:sp>
+    </p:spTree>
+    <p:extLst>
+      <p:ext uri="{BB962C8B-B14F-4D97-AF65-F5344CB8AC3E}">
+        <p14:creationId xmlns:p14="http://schemas.microsoft.com/office/powerpoint/2010/main" val="3966901857"/>
+      </p:ext>
+    </p:extLst>
+  </p:cSld>
+  <p:clrMapOvr>
+    <a:masterClrMapping/>
+  </p:clrMapOvr>
+</p:sld>
+</file>
+
+<file path=ppt/slides/slide21.xml><?xml version="1.0" encoding="utf-8"?>
+<p:sld xmlns:a="http://schemas.openxmlformats.org/drawingml/2006/main" xmlns:r="http://schemas.openxmlformats.org/officeDocument/2006/relationships" xmlns:p="http://schemas.openxmlformats.org/presentationml/2006/main">
+  <p:cSld>
+    <p:spTree>
+      <p:nvGrpSpPr>
+        <p:cNvPr id="1" name=""/>
+        <p:cNvGrpSpPr/>
+        <p:nvPr/>
+      </p:nvGrpSpPr>
+      <p:grpSpPr>
+        <a:xfrm>
+          <a:off x="0" y="0"/>
+          <a:ext cx="0" cy="0"/>
+          <a:chOff x="0" y="0"/>
+          <a:chExt cx="0" cy="0"/>
+        </a:xfrm>
+      </p:grpSpPr>
+      <p:grpSp>
+        <p:nvGrpSpPr>
+          <p:cNvPr id="11" name="Group 10">
+            <a:extLst>
+              <a:ext uri="{FF2B5EF4-FFF2-40B4-BE49-F238E27FC236}">
+                <a16:creationId xmlns:a16="http://schemas.microsoft.com/office/drawing/2014/main" id="{EBBA25A6-360E-4B6F-B6E1-CF2014CF9962}"/>
+              </a:ext>
+            </a:extLst>
+          </p:cNvPr>
+          <p:cNvGrpSpPr/>
+          <p:nvPr/>
+        </p:nvGrpSpPr>
+        <p:grpSpPr>
+          <a:xfrm>
+            <a:off x="0" y="990600"/>
+            <a:ext cx="12192000" cy="807291"/>
+            <a:chOff x="0" y="895350"/>
+            <a:chExt cx="12192000" cy="807291"/>
+          </a:xfrm>
+        </p:grpSpPr>
+        <p:pic>
+          <p:nvPicPr>
+            <p:cNvPr id="12" name="Picture 11">
+              <a:extLst>
+                <a:ext uri="{FF2B5EF4-FFF2-40B4-BE49-F238E27FC236}">
+                  <a16:creationId xmlns:a16="http://schemas.microsoft.com/office/drawing/2014/main" id="{1152C58B-7A3D-453B-BEF5-0D6A80241D16}"/>
+                </a:ext>
+              </a:extLst>
+            </p:cNvPr>
+            <p:cNvPicPr>
+              <a:picLocks noChangeAspect="1"/>
+            </p:cNvPicPr>
+            <p:nvPr/>
+          </p:nvPicPr>
+          <p:blipFill>
+            <a:blip r:embed="rId2">
+              <a:extLst>
+                <a:ext uri="{28A0092B-C50C-407E-A947-70E740481C1C}">
+                  <a14:useLocalDpi xmlns:a14="http://schemas.microsoft.com/office/drawing/2010/main" val="0"/>
+                </a:ext>
+              </a:extLst>
+            </a:blip>
+            <a:stretch>
+              <a:fillRect/>
+            </a:stretch>
+          </p:blipFill>
+          <p:spPr>
+            <a:xfrm>
+              <a:off x="0" y="895350"/>
+              <a:ext cx="12192000" cy="807291"/>
+            </a:xfrm>
+            <a:prstGeom prst="rect">
+              <a:avLst/>
+            </a:prstGeom>
+          </p:spPr>
+        </p:pic>
+        <p:sp>
+          <p:nvSpPr>
+            <p:cNvPr id="13" name="Rectangle 12">
+              <a:extLst>
+                <a:ext uri="{FF2B5EF4-FFF2-40B4-BE49-F238E27FC236}">
+                  <a16:creationId xmlns:a16="http://schemas.microsoft.com/office/drawing/2014/main" id="{CF7573B2-FDB7-41CD-8FE1-311DF7F4E7B3}"/>
+                </a:ext>
+              </a:extLst>
+            </p:cNvPr>
+            <p:cNvSpPr/>
+            <p:nvPr/>
+          </p:nvSpPr>
+          <p:spPr>
+            <a:xfrm>
+              <a:off x="210706" y="1148643"/>
+              <a:ext cx="184731" cy="461665"/>
+            </a:xfrm>
+            <a:prstGeom prst="rect">
+              <a:avLst/>
+            </a:prstGeom>
+          </p:spPr>
+          <p:txBody>
+            <a:bodyPr wrap="none">
+              <a:spAutoFit/>
+            </a:bodyPr>
+            <a:lstStyle/>
+            <a:p>
+              <a:endParaRPr lang="en-US" sz="2400" b="1" dirty="0">
+                <a:solidFill>
+                  <a:schemeClr val="bg1"/>
+                </a:solidFill>
+                <a:latin typeface="Lato" charset="0"/>
+              </a:endParaRPr>
+            </a:p>
+          </p:txBody>
+        </p:sp>
+      </p:grpSp>
+    </p:spTree>
+    <p:extLst>
+      <p:ext uri="{BB962C8B-B14F-4D97-AF65-F5344CB8AC3E}">
+        <p14:creationId xmlns:p14="http://schemas.microsoft.com/office/powerpoint/2010/main" val="3975642669"/>
+      </p:ext>
+    </p:extLst>
+  </p:cSld>
+  <p:clrMapOvr>
+    <a:masterClrMapping/>
+  </p:clrMapOvr>
+</p:sld>
+</file>
+
+<file path=ppt/slides/slide22.xml><?xml version="1.0" encoding="utf-8"?>
+<p:sld xmlns:a="http://schemas.openxmlformats.org/drawingml/2006/main" xmlns:r="http://schemas.openxmlformats.org/officeDocument/2006/relationships" xmlns:p="http://schemas.openxmlformats.org/presentationml/2006/main">
+  <p:cSld>
+    <p:spTree>
+      <p:nvGrpSpPr>
+        <p:cNvPr id="1" name=""/>
+        <p:cNvGrpSpPr/>
+        <p:nvPr/>
+      </p:nvGrpSpPr>
+      <p:grpSpPr>
+        <a:xfrm>
+          <a:off x="0" y="0"/>
+          <a:ext cx="0" cy="0"/>
+          <a:chOff x="0" y="0"/>
+          <a:chExt cx="0" cy="0"/>
+        </a:xfrm>
+      </p:grpSpPr>
+      <p:sp>
+        <p:nvSpPr>
+          <p:cNvPr id="3" name="Subtitle 2"/>
+          <p:cNvSpPr>
+            <a:spLocks noGrp="1"/>
+          </p:cNvSpPr>
+          <p:nvPr>
+            <p:ph type="subTitle" idx="1"/>
+          </p:nvPr>
+        </p:nvSpPr>
+        <p:spPr>
+          <a:xfrm>
+            <a:off x="5760542" y="4811430"/>
+            <a:ext cx="6138856" cy="1531917"/>
+          </a:xfrm>
+        </p:spPr>
+        <p:txBody>
+          <a:bodyPr>
+            <a:normAutofit/>
+          </a:bodyPr>
+          <a:lstStyle/>
+          <a:p>
+            <a:pPr algn="r"/>
+            <a:r>
+              <a:rPr lang="en-IN" sz="1600" dirty="0">
+                <a:latin typeface="Lato" panose="020F0502020204030203"/>
+              </a:rPr>
+              <a:t>Merin Jose</a:t>
+            </a:r>
+          </a:p>
+          <a:p>
+            <a:pPr algn="r"/>
+            <a:r>
+              <a:rPr lang="en-IN" sz="1600" dirty="0">
+                <a:latin typeface="Lato" panose="020F0502020204030203"/>
+              </a:rPr>
+              <a:t>Suresh </a:t>
+            </a:r>
+            <a:r>
+              <a:rPr lang="en-IN" sz="1600" dirty="0" err="1">
+                <a:latin typeface="Lato" panose="020F0502020204030203"/>
+              </a:rPr>
+              <a:t>Balla</a:t>
+            </a:r>
+            <a:endParaRPr lang="en-IN" sz="1600" dirty="0">
+              <a:latin typeface="Lato" panose="020F0502020204030203"/>
+            </a:endParaRPr>
+          </a:p>
+          <a:p>
+            <a:pPr algn="r"/>
+            <a:r>
+              <a:rPr lang="en-IN" sz="1600" dirty="0">
+                <a:latin typeface="Lato" panose="020F0502020204030203"/>
+              </a:rPr>
+              <a:t>Deepak </a:t>
+            </a:r>
+            <a:r>
+              <a:rPr lang="en-IN" sz="1600" dirty="0" err="1">
+                <a:latin typeface="Lato" panose="020F0502020204030203"/>
+              </a:rPr>
+              <a:t>Aneja</a:t>
+            </a:r>
+            <a:endParaRPr lang="en-IN" sz="1600" dirty="0">
+              <a:latin typeface="Lato" panose="020F0502020204030203"/>
+            </a:endParaRPr>
+          </a:p>
+          <a:p>
+            <a:pPr algn="r"/>
+            <a:r>
+              <a:rPr lang="en-IN" sz="1600" dirty="0">
+                <a:latin typeface="Lato" panose="020F0502020204030203"/>
+              </a:rPr>
+              <a:t>Fayiz Mayam Veettil</a:t>
+            </a:r>
+          </a:p>
+          <a:p>
+            <a:pPr marL="457200" indent="-457200" algn="l">
+              <a:buFont typeface="+mj-lt"/>
+              <a:buAutoNum type="arabicPeriod"/>
+            </a:pPr>
+            <a:endParaRPr lang="en-IN" sz="1800" dirty="0"/>
+          </a:p>
+        </p:txBody>
+      </p:sp>
+      <p:sp>
+        <p:nvSpPr>
+          <p:cNvPr id="7" name="Title 1">
+            <a:extLst>
+              <a:ext uri="{FF2B5EF4-FFF2-40B4-BE49-F238E27FC236}">
+                <a16:creationId xmlns:a16="http://schemas.microsoft.com/office/drawing/2014/main" id="{06ED631A-0337-465F-8039-C7101C9480FA}"/>
+              </a:ext>
+            </a:extLst>
+          </p:cNvPr>
+          <p:cNvSpPr>
+            <a:spLocks noGrp="1"/>
+          </p:cNvSpPr>
+          <p:nvPr>
+            <p:ph type="ctrTitle"/>
+          </p:nvPr>
+        </p:nvSpPr>
+        <p:spPr>
+          <a:xfrm>
+            <a:off x="1391478" y="1438275"/>
+            <a:ext cx="9144000" cy="2100056"/>
+          </a:xfrm>
+        </p:spPr>
+        <p:txBody>
+          <a:bodyPr>
+            <a:normAutofit/>
+          </a:bodyPr>
+          <a:lstStyle/>
+          <a:p>
+            <a:pPr>
+              <a:lnSpc>
+                <a:spcPct val="150000"/>
+              </a:lnSpc>
+            </a:pPr>
+            <a:r>
+              <a:rPr lang="en-US" sz="3200" b="1" dirty="0">
+                <a:latin typeface="Lato" panose="020F0502020204030203"/>
+              </a:rPr>
+              <a:t>Thanks</a:t>
+            </a:r>
+            <a:endParaRPr lang="en-IN" sz="2400" dirty="0">
+              <a:latin typeface="Lato" panose="020F0502020204030203"/>
+            </a:endParaRPr>
+          </a:p>
+        </p:txBody>
+      </p:sp>
+    </p:spTree>
+    <p:extLst>
+      <p:ext uri="{BB962C8B-B14F-4D97-AF65-F5344CB8AC3E}">
+        <p14:creationId xmlns:p14="http://schemas.microsoft.com/office/powerpoint/2010/main" val="177390757"/>
       </p:ext>
     </p:extLst>
   </p:cSld>
@@ -6676,8 +7387,8 @@
         </p:nvSpPr>
         <p:spPr>
           <a:xfrm>
-            <a:off x="400051" y="1955934"/>
-            <a:ext cx="9631972" cy="3739806"/>
+            <a:off x="735290" y="2087909"/>
+            <a:ext cx="9098769" cy="4109138"/>
           </a:xfrm>
           <a:prstGeom prst="rect">
             <a:avLst/>
@@ -6700,11 +7411,11 @@
               <a:rPr lang="en-US" sz="1600" dirty="0">
                 <a:latin typeface="Lato" panose="020F0502020204030203"/>
               </a:rPr>
-              <a:t>Around of 1.6 M records of Consumer Electronics data for the below three product sub-categories available for analysis</a:t>
-            </a:r>
-          </a:p>
-          <a:p>
-            <a:pPr marL="1200150" lvl="2" indent="-285750">
+              <a:t>Dataset contains around 1.6 M records of Consumer Electronics data from July 2015 to June 2016</a:t>
+            </a:r>
+          </a:p>
+          <a:p>
+            <a:pPr marL="742950" lvl="1" indent="-285750">
               <a:lnSpc>
                 <a:spcPct val="150000"/>
               </a:lnSpc>
@@ -6715,7 +7426,82 @@
               <a:rPr lang="en-US" sz="1600" dirty="0">
                 <a:latin typeface="Lato" panose="020F0502020204030203"/>
               </a:rPr>
-              <a:t>Camera Accessory </a:t>
+              <a:t>Other available datasets are</a:t>
+            </a:r>
+          </a:p>
+          <a:p>
+            <a:pPr marL="1200150" lvl="2" indent="-285750">
+              <a:lnSpc>
+                <a:spcPct val="150000"/>
+              </a:lnSpc>
+              <a:buFont typeface="Courier New" panose="02070309020205020404" pitchFamily="49" charset="0"/>
+              <a:buChar char="o"/>
+            </a:pPr>
+            <a:r>
+              <a:rPr lang="en-US" sz="1600" dirty="0">
+                <a:latin typeface="Lato" panose="020F0502020204030203"/>
+              </a:rPr>
+              <a:t>Media Investments </a:t>
+            </a:r>
+          </a:p>
+          <a:p>
+            <a:pPr marL="1200150" lvl="2" indent="-285750">
+              <a:lnSpc>
+                <a:spcPct val="150000"/>
+              </a:lnSpc>
+              <a:buFont typeface="Courier New" panose="02070309020205020404" pitchFamily="49" charset="0"/>
+              <a:buChar char="o"/>
+            </a:pPr>
+            <a:r>
+              <a:rPr lang="en-US" sz="1600" dirty="0">
+                <a:latin typeface="Lato" panose="020F0502020204030203"/>
+              </a:rPr>
+              <a:t>Special Sale Calendar</a:t>
+            </a:r>
+          </a:p>
+          <a:p>
+            <a:pPr marL="1200150" lvl="2" indent="-285750">
+              <a:lnSpc>
+                <a:spcPct val="150000"/>
+              </a:lnSpc>
+              <a:buFont typeface="Courier New" panose="02070309020205020404" pitchFamily="49" charset="0"/>
+              <a:buChar char="o"/>
+            </a:pPr>
+            <a:r>
+              <a:rPr lang="en-US" sz="1600" dirty="0">
+                <a:latin typeface="Lato" panose="020F0502020204030203"/>
+              </a:rPr>
+              <a:t>Monthly NPS Score</a:t>
+            </a:r>
+          </a:p>
+          <a:p>
+            <a:pPr marL="742950" lvl="1" indent="-285750">
+              <a:lnSpc>
+                <a:spcPct val="150000"/>
+              </a:lnSpc>
+              <a:buFont typeface="Courier New" panose="02070309020205020404" pitchFamily="49" charset="0"/>
+              <a:buChar char="o"/>
+            </a:pPr>
+            <a:r>
+              <a:rPr lang="en-US" sz="1600" dirty="0">
+                <a:latin typeface="Lato" panose="020F0502020204030203"/>
+              </a:rPr>
+              <a:t>Product sub-categories used for analysis are</a:t>
+            </a:r>
+          </a:p>
+          <a:p>
+            <a:pPr marL="1200150" lvl="2" indent="-285750">
+              <a:lnSpc>
+                <a:spcPct val="150000"/>
+              </a:lnSpc>
+              <a:buFont typeface="Courier New" panose="02070309020205020404" pitchFamily="49" charset="0"/>
+              <a:buChar char="o"/>
+            </a:pPr>
+            <a:r>
+              <a:rPr lang="en-US" sz="1600" dirty="0">
+                <a:latin typeface="Lato" panose="020F0502020204030203"/>
+              </a:rPr>
+              <a:t>Camera Accessory</a:t>
             </a:r>
           </a:p>
           <a:p>
@@ -6749,79 +7535,16 @@
             </a:r>
           </a:p>
           <a:p>
-            <a:pPr marL="742950" lvl="1" indent="-285750">
+            <a:pPr marL="1200150" lvl="2" indent="-285750">
               <a:lnSpc>
                 <a:spcPct val="150000"/>
               </a:lnSpc>
               <a:buFont typeface="Courier New" panose="02070309020205020404" pitchFamily="49" charset="0"/>
               <a:buChar char="o"/>
             </a:pPr>
-            <a:r>
-              <a:rPr lang="en-US" sz="1600" dirty="0">
-                <a:latin typeface="Lato" panose="020F0502020204030203"/>
-              </a:rPr>
-              <a:t>It covers the data from July 2015 to June 2016</a:t>
-            </a:r>
-          </a:p>
-          <a:p>
-            <a:pPr marL="742950" lvl="1" indent="-285750">
-              <a:lnSpc>
-                <a:spcPct val="150000"/>
-              </a:lnSpc>
-              <a:buFont typeface="Courier New" panose="02070309020205020404" pitchFamily="49" charset="0"/>
-              <a:buChar char="o"/>
-            </a:pPr>
-            <a:r>
-              <a:rPr lang="en-US" sz="1600" dirty="0">
-                <a:latin typeface="Lato" panose="020F0502020204030203"/>
-              </a:rPr>
-              <a:t>Other available datasets are</a:t>
-            </a:r>
-          </a:p>
-          <a:p>
-            <a:pPr marL="1200150" lvl="2" indent="-285750">
-              <a:lnSpc>
-                <a:spcPct val="150000"/>
-              </a:lnSpc>
-              <a:buFont typeface="Courier New" panose="02070309020205020404" pitchFamily="49" charset="0"/>
-              <a:buChar char="o"/>
-            </a:pPr>
-            <a:r>
-              <a:rPr lang="en-US" sz="1600" dirty="0">
-                <a:latin typeface="Lato" panose="020F0502020204030203"/>
-              </a:rPr>
-              <a:t>Media Investments </a:t>
-            </a:r>
-          </a:p>
-          <a:p>
-            <a:pPr marL="1200150" lvl="2" indent="-285750">
-              <a:lnSpc>
-                <a:spcPct val="150000"/>
-              </a:lnSpc>
-              <a:buFont typeface="Courier New" panose="02070309020205020404" pitchFamily="49" charset="0"/>
-              <a:buChar char="o"/>
-            </a:pPr>
-            <a:r>
-              <a:rPr lang="en-US" sz="1600" dirty="0">
-                <a:latin typeface="Lato" panose="020F0502020204030203"/>
-              </a:rPr>
-              <a:t>Special Sale Calendar</a:t>
-            </a:r>
-          </a:p>
-          <a:p>
-            <a:pPr marL="1200150" lvl="2" indent="-285750">
-              <a:lnSpc>
-                <a:spcPct val="150000"/>
-              </a:lnSpc>
-              <a:buFont typeface="Courier New" panose="02070309020205020404" pitchFamily="49" charset="0"/>
-              <a:buChar char="o"/>
-            </a:pPr>
-            <a:r>
-              <a:rPr lang="en-US" sz="1600" dirty="0">
-                <a:latin typeface="Lato" panose="020F0502020204030203"/>
-              </a:rPr>
-              <a:t>Monthly NPS Score</a:t>
-            </a:r>
+            <a:endParaRPr lang="en-US" sz="1600" dirty="0">
+              <a:latin typeface="Lato" panose="020F0502020204030203"/>
+            </a:endParaRPr>
           </a:p>
         </p:txBody>
       </p:sp>
@@ -7121,263 +7844,6 @@
         <p:spPr>
           <a:xfrm>
             <a:off x="400051" y="1955934"/>
-            <a:ext cx="9631972" cy="2631811"/>
-          </a:xfrm>
-          <a:prstGeom prst="rect">
-            <a:avLst/>
-          </a:prstGeom>
-        </p:spPr>
-        <p:txBody>
-          <a:bodyPr wrap="square">
-            <a:spAutoFit/>
-          </a:bodyPr>
-          <a:lstStyle/>
-          <a:p>
-            <a:pPr marL="742950" lvl="1" indent="-285750">
-              <a:lnSpc>
-                <a:spcPct val="150000"/>
-              </a:lnSpc>
-              <a:buFont typeface="Courier New" panose="02070309020205020404" pitchFamily="49" charset="0"/>
-              <a:buChar char="o"/>
-            </a:pPr>
-            <a:r>
-              <a:rPr lang="en-US" sz="1600" dirty="0">
-                <a:latin typeface="Lato" panose="020F0502020204030203"/>
-              </a:rPr>
-              <a:t>It covers the data from </a:t>
-            </a:r>
-            <a:r>
-              <a:rPr lang="en-US" sz="1600" b="1" dirty="0">
-                <a:latin typeface="Lato" panose="020F0502020204030203"/>
-              </a:rPr>
-              <a:t>July 2015 to June 2016</a:t>
-            </a:r>
-          </a:p>
-          <a:p>
-            <a:pPr marL="742950" lvl="1" indent="-285750">
-              <a:lnSpc>
-                <a:spcPct val="150000"/>
-              </a:lnSpc>
-              <a:buFont typeface="Courier New" panose="02070309020205020404" pitchFamily="49" charset="0"/>
-              <a:buChar char="o"/>
-            </a:pPr>
-            <a:r>
-              <a:rPr lang="en-US" sz="1600" dirty="0">
-                <a:latin typeface="Lato" panose="020F0502020204030203"/>
-              </a:rPr>
-              <a:t>Data is segmented by three major product sub-categories</a:t>
-            </a:r>
-          </a:p>
-          <a:p>
-            <a:pPr marL="742950" lvl="1" indent="-285750">
-              <a:lnSpc>
-                <a:spcPct val="150000"/>
-              </a:lnSpc>
-              <a:buFont typeface="Courier New" panose="02070309020205020404" pitchFamily="49" charset="0"/>
-              <a:buChar char="o"/>
-            </a:pPr>
-            <a:endParaRPr lang="en-US" sz="1600" dirty="0">
-              <a:latin typeface="Lato" panose="020F0502020204030203"/>
-            </a:endParaRPr>
-          </a:p>
-          <a:p>
-            <a:pPr marL="742950" lvl="1" indent="-285750">
-              <a:lnSpc>
-                <a:spcPct val="150000"/>
-              </a:lnSpc>
-              <a:buFont typeface="Courier New" panose="02070309020205020404" pitchFamily="49" charset="0"/>
-              <a:buChar char="o"/>
-            </a:pPr>
-            <a:endParaRPr lang="en-US" sz="1600" b="1" dirty="0">
-              <a:latin typeface="Lato" panose="020F0502020204030203"/>
-            </a:endParaRPr>
-          </a:p>
-          <a:p>
-            <a:pPr marL="742950" lvl="1" indent="-285750">
-              <a:lnSpc>
-                <a:spcPct val="150000"/>
-              </a:lnSpc>
-              <a:buFont typeface="Courier New" panose="02070309020205020404" pitchFamily="49" charset="0"/>
-              <a:buChar char="o"/>
-            </a:pPr>
-            <a:endParaRPr lang="en-US" sz="1600" dirty="0">
-              <a:latin typeface="Lato" panose="020F0502020204030203"/>
-            </a:endParaRPr>
-          </a:p>
-          <a:p>
-            <a:pPr marL="742950" lvl="1" indent="-285750">
-              <a:lnSpc>
-                <a:spcPct val="150000"/>
-              </a:lnSpc>
-              <a:buFont typeface="Courier New" panose="02070309020205020404" pitchFamily="49" charset="0"/>
-              <a:buChar char="o"/>
-            </a:pPr>
-            <a:endParaRPr lang="en-US" sz="1600" dirty="0">
-              <a:latin typeface="Lato" panose="020F0502020204030203"/>
-            </a:endParaRPr>
-          </a:p>
-          <a:p>
-            <a:pPr lvl="1">
-              <a:lnSpc>
-                <a:spcPct val="150000"/>
-              </a:lnSpc>
-            </a:pPr>
-            <a:endParaRPr lang="en-US" sz="1600" dirty="0">
-              <a:latin typeface="Lato" panose="020F0502020204030203"/>
-            </a:endParaRPr>
-          </a:p>
-        </p:txBody>
-      </p:sp>
-      <p:sp>
-        <p:nvSpPr>
-          <p:cNvPr id="9" name="Rectangle 8">
-            <a:extLst>
-              <a:ext uri="{FF2B5EF4-FFF2-40B4-BE49-F238E27FC236}">
-                <a16:creationId xmlns:a16="http://schemas.microsoft.com/office/drawing/2014/main" id="{7E0C540B-58B3-4E69-B5EF-11090BB39535}"/>
-              </a:ext>
-            </a:extLst>
-          </p:cNvPr>
-          <p:cNvSpPr/>
-          <p:nvPr/>
-        </p:nvSpPr>
-        <p:spPr>
-          <a:xfrm>
-            <a:off x="210706" y="1148643"/>
-            <a:ext cx="8207311" cy="553998"/>
-          </a:xfrm>
-          <a:prstGeom prst="rect">
-            <a:avLst/>
-          </a:prstGeom>
-        </p:spPr>
-        <p:txBody>
-          <a:bodyPr wrap="none">
-            <a:spAutoFit/>
-          </a:bodyPr>
-          <a:lstStyle/>
-          <a:p>
-            <a:r>
-              <a:rPr lang="en-US" sz="3000" b="1" dirty="0">
-                <a:solidFill>
-                  <a:schemeClr val="bg1"/>
-                </a:solidFill>
-                <a:latin typeface="Lato" charset="0"/>
-              </a:rPr>
-              <a:t>Data Understanding – Segmentation of Data</a:t>
-            </a:r>
-          </a:p>
-        </p:txBody>
-      </p:sp>
-      <p:pic>
-        <p:nvPicPr>
-          <p:cNvPr id="2" name="Picture 1">
-            <a:extLst>
-              <a:ext uri="{FF2B5EF4-FFF2-40B4-BE49-F238E27FC236}">
-                <a16:creationId xmlns:a16="http://schemas.microsoft.com/office/drawing/2014/main" id="{774BDADD-67AF-4FFA-9D34-D7EA6E4D1B61}"/>
-              </a:ext>
-            </a:extLst>
-          </p:cNvPr>
-          <p:cNvPicPr>
-            <a:picLocks noChangeAspect="1"/>
-          </p:cNvPicPr>
-          <p:nvPr/>
-        </p:nvPicPr>
-        <p:blipFill>
-          <a:blip r:embed="rId3"/>
-          <a:stretch>
-            <a:fillRect/>
-          </a:stretch>
-        </p:blipFill>
-        <p:spPr>
-          <a:xfrm>
-            <a:off x="1513375" y="2783498"/>
-            <a:ext cx="2447925" cy="1466850"/>
-          </a:xfrm>
-          <a:prstGeom prst="rect">
-            <a:avLst/>
-          </a:prstGeom>
-        </p:spPr>
-      </p:pic>
-    </p:spTree>
-    <p:extLst>
-      <p:ext uri="{BB962C8B-B14F-4D97-AF65-F5344CB8AC3E}">
-        <p14:creationId xmlns:p14="http://schemas.microsoft.com/office/powerpoint/2010/main" val="2699208862"/>
-      </p:ext>
-    </p:extLst>
-  </p:cSld>
-  <p:clrMapOvr>
-    <a:masterClrMapping/>
-  </p:clrMapOvr>
-</p:sld>
-</file>
-
-<file path=ppt/slides/slide7.xml><?xml version="1.0" encoding="utf-8"?>
-<p:sld xmlns:a="http://schemas.openxmlformats.org/drawingml/2006/main" xmlns:r="http://schemas.openxmlformats.org/officeDocument/2006/relationships" xmlns:p="http://schemas.openxmlformats.org/presentationml/2006/main">
-  <p:cSld>
-    <p:spTree>
-      <p:nvGrpSpPr>
-        <p:cNvPr id="1" name=""/>
-        <p:cNvGrpSpPr/>
-        <p:nvPr/>
-      </p:nvGrpSpPr>
-      <p:grpSpPr>
-        <a:xfrm>
-          <a:off x="0" y="0"/>
-          <a:ext cx="0" cy="0"/>
-          <a:chOff x="0" y="0"/>
-          <a:chExt cx="0" cy="0"/>
-        </a:xfrm>
-      </p:grpSpPr>
-      <p:pic>
-        <p:nvPicPr>
-          <p:cNvPr id="6" name="Picture 5">
-            <a:extLst>
-              <a:ext uri="{FF2B5EF4-FFF2-40B4-BE49-F238E27FC236}">
-                <a16:creationId xmlns:a16="http://schemas.microsoft.com/office/drawing/2014/main" id="{BBFF3EA0-AC66-4359-BDA4-E2C2C89A47CD}"/>
-              </a:ext>
-            </a:extLst>
-          </p:cNvPr>
-          <p:cNvPicPr>
-            <a:picLocks noChangeAspect="1"/>
-          </p:cNvPicPr>
-          <p:nvPr/>
-        </p:nvPicPr>
-        <p:blipFill>
-          <a:blip r:embed="rId2">
-            <a:extLst>
-              <a:ext uri="{28A0092B-C50C-407E-A947-70E740481C1C}">
-                <a14:useLocalDpi xmlns:a14="http://schemas.microsoft.com/office/drawing/2010/main" val="0"/>
-              </a:ext>
-            </a:extLst>
-          </a:blip>
-          <a:stretch>
-            <a:fillRect/>
-          </a:stretch>
-        </p:blipFill>
-        <p:spPr>
-          <a:xfrm>
-            <a:off x="0" y="895350"/>
-            <a:ext cx="12192000" cy="807291"/>
-          </a:xfrm>
-          <a:prstGeom prst="rect">
-            <a:avLst/>
-          </a:prstGeom>
-        </p:spPr>
-      </p:pic>
-      <p:sp>
-        <p:nvSpPr>
-          <p:cNvPr id="8" name="Rectangle 7">
-            <a:extLst>
-              <a:ext uri="{FF2B5EF4-FFF2-40B4-BE49-F238E27FC236}">
-                <a16:creationId xmlns:a16="http://schemas.microsoft.com/office/drawing/2014/main" id="{6C56F38C-7050-4F99-84D0-1F03B1ACC969}"/>
-              </a:ext>
-            </a:extLst>
-          </p:cNvPr>
-          <p:cNvSpPr/>
-          <p:nvPr/>
-        </p:nvSpPr>
-        <p:spPr>
-          <a:xfrm>
-            <a:off x="400051" y="1955934"/>
             <a:ext cx="9631972" cy="3370474"/>
           </a:xfrm>
           <a:prstGeom prst="rect">
@@ -7399,7 +7865,7 @@
               <a:rPr lang="en-US" sz="1600" dirty="0">
                 <a:latin typeface="Lato" panose="020F0502020204030203"/>
               </a:rPr>
-              <a:t>Following additional information also received apart from consumer data</a:t>
+              <a:t>apart from consumer data following addition information received for model building</a:t>
             </a:r>
           </a:p>
           <a:p>
@@ -7562,7 +8028,7 @@
 </p:sld>
 </file>
 
-<file path=ppt/slides/slide8.xml><?xml version="1.0" encoding="utf-8"?>
+<file path=ppt/slides/slide7.xml><?xml version="1.0" encoding="utf-8"?>
 <p:sld xmlns:a="http://schemas.openxmlformats.org/drawingml/2006/main" xmlns:r="http://schemas.openxmlformats.org/officeDocument/2006/relationships" xmlns:p="http://schemas.openxmlformats.org/presentationml/2006/main">
   <p:cSld>
     <p:spTree>
@@ -7828,7 +8294,7 @@
 </p:sld>
 </file>
 
-<file path=ppt/slides/slide9.xml><?xml version="1.0" encoding="utf-8"?>
+<file path=ppt/slides/slide8.xml><?xml version="1.0" encoding="utf-8"?>
 <p:sld xmlns:a="http://schemas.openxmlformats.org/drawingml/2006/main" xmlns:r="http://schemas.openxmlformats.org/officeDocument/2006/relationships" xmlns:p="http://schemas.openxmlformats.org/presentationml/2006/main">
   <p:cSld>
     <p:spTree>
@@ -7962,7 +8428,7 @@
         <p:spPr>
           <a:xfrm>
             <a:off x="140677" y="1925515"/>
-            <a:ext cx="11201400" cy="6417462"/>
+            <a:ext cx="11201400" cy="6786794"/>
           </a:xfrm>
           <a:prstGeom prst="rect">
             <a:avLst/>
@@ -8046,18 +8512,6 @@
             </a:r>
           </a:p>
           <a:p>
-            <a:pPr marL="1200150" lvl="2" indent="-285750">
-              <a:lnSpc>
-                <a:spcPct val="150000"/>
-              </a:lnSpc>
-              <a:buFont typeface="Courier New" panose="02070309020205020404" pitchFamily="49" charset="0"/>
-              <a:buChar char="o"/>
-            </a:pPr>
-            <a:endParaRPr lang="en-US" sz="1600" dirty="0">
-              <a:latin typeface="Lato"/>
-            </a:endParaRPr>
-          </a:p>
-          <a:p>
             <a:pPr marL="742950" lvl="1" indent="-285750">
               <a:lnSpc>
                 <a:spcPct val="150000"/>
@@ -8157,6 +8611,31 @@
             </a:endParaRPr>
           </a:p>
           <a:p>
+            <a:pPr marL="1200150" lvl="2" indent="-285750">
+              <a:lnSpc>
+                <a:spcPct val="150000"/>
+              </a:lnSpc>
+              <a:buFont typeface="Courier New" panose="02070309020205020404" pitchFamily="49" charset="0"/>
+              <a:buChar char="o"/>
+            </a:pPr>
+            <a:r>
+              <a:rPr lang="en-US" sz="1600" dirty="0">
+                <a:latin typeface="Lato"/>
+              </a:rPr>
+              <a:t>Filtered out the records to 526K after applying the </a:t>
+            </a:r>
+          </a:p>
+          <a:p>
+            <a:pPr lvl="3">
+              <a:lnSpc>
+                <a:spcPct val="150000"/>
+              </a:lnSpc>
+            </a:pPr>
+            <a:endParaRPr lang="en-US" sz="1600" dirty="0">
+              <a:latin typeface="Lato"/>
+            </a:endParaRPr>
+          </a:p>
+          <a:p>
             <a:pPr lvl="2">
               <a:lnSpc>
                 <a:spcPct val="150000"/>
@@ -8214,6 +8693,290 @@
     <p:extLst>
       <p:ext uri="{BB962C8B-B14F-4D97-AF65-F5344CB8AC3E}">
         <p14:creationId xmlns:p14="http://schemas.microsoft.com/office/powerpoint/2010/main" val="706035117"/>
+      </p:ext>
+    </p:extLst>
+  </p:cSld>
+  <p:clrMapOvr>
+    <a:masterClrMapping/>
+  </p:clrMapOvr>
+</p:sld>
+</file>
+
+<file path=ppt/slides/slide9.xml><?xml version="1.0" encoding="utf-8"?>
+<p:sld xmlns:a="http://schemas.openxmlformats.org/drawingml/2006/main" xmlns:r="http://schemas.openxmlformats.org/officeDocument/2006/relationships" xmlns:p="http://schemas.openxmlformats.org/presentationml/2006/main">
+  <p:cSld>
+    <p:spTree>
+      <p:nvGrpSpPr>
+        <p:cNvPr id="1" name=""/>
+        <p:cNvGrpSpPr/>
+        <p:nvPr/>
+      </p:nvGrpSpPr>
+      <p:grpSpPr>
+        <a:xfrm>
+          <a:off x="0" y="0"/>
+          <a:ext cx="0" cy="0"/>
+          <a:chOff x="0" y="0"/>
+          <a:chExt cx="0" cy="0"/>
+        </a:xfrm>
+      </p:grpSpPr>
+      <p:grpSp>
+        <p:nvGrpSpPr>
+          <p:cNvPr id="11" name="Group 10">
+            <a:extLst>
+              <a:ext uri="{FF2B5EF4-FFF2-40B4-BE49-F238E27FC236}">
+                <a16:creationId xmlns:a16="http://schemas.microsoft.com/office/drawing/2014/main" id="{EBBA25A6-360E-4B6F-B6E1-CF2014CF9962}"/>
+              </a:ext>
+            </a:extLst>
+          </p:cNvPr>
+          <p:cNvGrpSpPr/>
+          <p:nvPr/>
+        </p:nvGrpSpPr>
+        <p:grpSpPr>
+          <a:xfrm>
+            <a:off x="0" y="990600"/>
+            <a:ext cx="12192000" cy="807291"/>
+            <a:chOff x="0" y="895350"/>
+            <a:chExt cx="12192000" cy="807291"/>
+          </a:xfrm>
+        </p:grpSpPr>
+        <p:pic>
+          <p:nvPicPr>
+            <p:cNvPr id="12" name="Picture 11">
+              <a:extLst>
+                <a:ext uri="{FF2B5EF4-FFF2-40B4-BE49-F238E27FC236}">
+                  <a16:creationId xmlns:a16="http://schemas.microsoft.com/office/drawing/2014/main" id="{1152C58B-7A3D-453B-BEF5-0D6A80241D16}"/>
+                </a:ext>
+              </a:extLst>
+            </p:cNvPr>
+            <p:cNvPicPr>
+              <a:picLocks noChangeAspect="1"/>
+            </p:cNvPicPr>
+            <p:nvPr/>
+          </p:nvPicPr>
+          <p:blipFill>
+            <a:blip r:embed="rId2">
+              <a:extLst>
+                <a:ext uri="{28A0092B-C50C-407E-A947-70E740481C1C}">
+                  <a14:useLocalDpi xmlns:a14="http://schemas.microsoft.com/office/drawing/2010/main" val="0"/>
+                </a:ext>
+              </a:extLst>
+            </a:blip>
+            <a:stretch>
+              <a:fillRect/>
+            </a:stretch>
+          </p:blipFill>
+          <p:spPr>
+            <a:xfrm>
+              <a:off x="0" y="895350"/>
+              <a:ext cx="12192000" cy="807291"/>
+            </a:xfrm>
+            <a:prstGeom prst="rect">
+              <a:avLst/>
+            </a:prstGeom>
+          </p:spPr>
+        </p:pic>
+        <p:sp>
+          <p:nvSpPr>
+            <p:cNvPr id="13" name="Rectangle 12">
+              <a:extLst>
+                <a:ext uri="{FF2B5EF4-FFF2-40B4-BE49-F238E27FC236}">
+                  <a16:creationId xmlns:a16="http://schemas.microsoft.com/office/drawing/2014/main" id="{CF7573B2-FDB7-41CD-8FE1-311DF7F4E7B3}"/>
+                </a:ext>
+              </a:extLst>
+            </p:cNvPr>
+            <p:cNvSpPr/>
+            <p:nvPr/>
+          </p:nvSpPr>
+          <p:spPr>
+            <a:xfrm>
+              <a:off x="210706" y="1148643"/>
+              <a:ext cx="8102154" cy="553998"/>
+            </a:xfrm>
+            <a:prstGeom prst="rect">
+              <a:avLst/>
+            </a:prstGeom>
+          </p:spPr>
+          <p:txBody>
+            <a:bodyPr wrap="none">
+              <a:spAutoFit/>
+            </a:bodyPr>
+            <a:lstStyle/>
+            <a:p>
+              <a:r>
+                <a:rPr lang="en-US" sz="3000" b="1" dirty="0">
+                  <a:solidFill>
+                    <a:schemeClr val="bg1"/>
+                  </a:solidFill>
+                  <a:latin typeface="Lato" charset="0"/>
+                </a:rPr>
+                <a:t>Exploratory Data Analysis – Derived Metrics</a:t>
+              </a:r>
+              <a:endParaRPr lang="en-US" sz="2400" b="1" dirty="0">
+                <a:solidFill>
+                  <a:schemeClr val="bg1"/>
+                </a:solidFill>
+                <a:latin typeface="Lato" charset="0"/>
+              </a:endParaRPr>
+            </a:p>
+          </p:txBody>
+        </p:sp>
+      </p:grpSp>
+      <p:sp>
+        <p:nvSpPr>
+          <p:cNvPr id="6" name="Rectangle 5">
+            <a:extLst>
+              <a:ext uri="{FF2B5EF4-FFF2-40B4-BE49-F238E27FC236}">
+                <a16:creationId xmlns:a16="http://schemas.microsoft.com/office/drawing/2014/main" id="{B4603E62-375A-4D7B-AA63-7E3E15899393}"/>
+              </a:ext>
+            </a:extLst>
+          </p:cNvPr>
+          <p:cNvSpPr/>
+          <p:nvPr/>
+        </p:nvSpPr>
+        <p:spPr>
+          <a:xfrm>
+            <a:off x="584364" y="2217746"/>
+            <a:ext cx="9544050" cy="3832139"/>
+          </a:xfrm>
+          <a:prstGeom prst="rect">
+            <a:avLst/>
+          </a:prstGeom>
+        </p:spPr>
+        <p:txBody>
+          <a:bodyPr wrap="square">
+            <a:spAutoFit/>
+          </a:bodyPr>
+          <a:lstStyle/>
+          <a:p>
+            <a:pPr lvl="1">
+              <a:lnSpc>
+                <a:spcPct val="150000"/>
+              </a:lnSpc>
+            </a:pPr>
+            <a:r>
+              <a:rPr lang="en-US" sz="1600" dirty="0">
+                <a:latin typeface="Lato"/>
+              </a:rPr>
+              <a:t>Below the new columns derived for further analysis</a:t>
+            </a:r>
+          </a:p>
+          <a:p>
+            <a:pPr lvl="1">
+              <a:lnSpc>
+                <a:spcPct val="150000"/>
+              </a:lnSpc>
+            </a:pPr>
+            <a:endParaRPr lang="en-US" sz="1600" dirty="0">
+              <a:latin typeface="Lato"/>
+            </a:endParaRPr>
+          </a:p>
+          <a:p>
+            <a:pPr marL="1200150" lvl="2" indent="-285750">
+              <a:lnSpc>
+                <a:spcPct val="150000"/>
+              </a:lnSpc>
+              <a:buFont typeface="Courier New" panose="02070309020205020404" pitchFamily="49" charset="0"/>
+              <a:buChar char="o"/>
+            </a:pPr>
+            <a:r>
+              <a:rPr lang="en-US" sz="1600" b="1" dirty="0"/>
+              <a:t>Offer Price = (Product MRP * Unit Sold) – Gross Merchandise Value or Revenue</a:t>
+            </a:r>
+          </a:p>
+          <a:p>
+            <a:pPr marL="1200150" lvl="2" indent="-285750">
+              <a:lnSpc>
+                <a:spcPct val="150000"/>
+              </a:lnSpc>
+              <a:buFont typeface="Courier New" panose="02070309020205020404" pitchFamily="49" charset="0"/>
+              <a:buChar char="o"/>
+            </a:pPr>
+            <a:r>
+              <a:rPr lang="en-US" sz="1600" b="1" dirty="0"/>
+              <a:t>Week Number, </a:t>
+            </a:r>
+            <a:r>
+              <a:rPr lang="en-US" sz="1600" dirty="0"/>
+              <a:t>week number of the year ranging from 0-53 with Monday as first day of the week</a:t>
+            </a:r>
+          </a:p>
+          <a:p>
+            <a:pPr marL="1200150" lvl="2" indent="-285750">
+              <a:lnSpc>
+                <a:spcPct val="150000"/>
+              </a:lnSpc>
+              <a:buFont typeface="Courier New" panose="02070309020205020404" pitchFamily="49" charset="0"/>
+              <a:buChar char="o"/>
+            </a:pPr>
+            <a:r>
+              <a:rPr lang="en-US" sz="1600" b="1" dirty="0"/>
+              <a:t>Day, </a:t>
+            </a:r>
+            <a:r>
+              <a:rPr lang="en-US" sz="1600" dirty="0"/>
+              <a:t>day of the month ranging from 0-31</a:t>
+            </a:r>
+          </a:p>
+          <a:p>
+            <a:pPr marL="1200150" lvl="2" indent="-285750">
+              <a:lnSpc>
+                <a:spcPct val="150000"/>
+              </a:lnSpc>
+              <a:buFont typeface="Courier New" panose="02070309020205020404" pitchFamily="49" charset="0"/>
+              <a:buChar char="o"/>
+            </a:pPr>
+            <a:endParaRPr lang="en-US" sz="1600" dirty="0"/>
+          </a:p>
+          <a:p>
+            <a:pPr marL="1200150" lvl="2" indent="-285750">
+              <a:lnSpc>
+                <a:spcPct val="150000"/>
+              </a:lnSpc>
+              <a:buFont typeface="Courier New" panose="02070309020205020404" pitchFamily="49" charset="0"/>
+              <a:buChar char="o"/>
+            </a:pPr>
+            <a:endParaRPr lang="en-US" sz="1600" dirty="0"/>
+          </a:p>
+          <a:p>
+            <a:pPr marL="1200150" lvl="2" indent="-285750">
+              <a:lnSpc>
+                <a:spcPct val="150000"/>
+              </a:lnSpc>
+              <a:buFont typeface="Courier New" panose="02070309020205020404" pitchFamily="49" charset="0"/>
+              <a:buChar char="o"/>
+            </a:pPr>
+            <a:endParaRPr lang="en-US" sz="1600" dirty="0">
+              <a:latin typeface="Lato"/>
+            </a:endParaRPr>
+          </a:p>
+          <a:p>
+            <a:pPr marL="742950" lvl="1" indent="-285750">
+              <a:lnSpc>
+                <a:spcPct val="150000"/>
+              </a:lnSpc>
+              <a:buFont typeface="Courier New" panose="02070309020205020404" pitchFamily="49" charset="0"/>
+              <a:buChar char="o"/>
+            </a:pPr>
+            <a:endParaRPr lang="en-IN" sz="1600" dirty="0">
+              <a:latin typeface="Lato"/>
+            </a:endParaRPr>
+          </a:p>
+          <a:p>
+            <a:pPr>
+              <a:lnSpc>
+                <a:spcPct val="200000"/>
+              </a:lnSpc>
+            </a:pPr>
+            <a:endParaRPr lang="en-US" sz="1600" dirty="0">
+              <a:latin typeface="Lato"/>
+            </a:endParaRPr>
+          </a:p>
+        </p:txBody>
+      </p:sp>
+    </p:spTree>
+    <p:extLst>
+      <p:ext uri="{BB962C8B-B14F-4D97-AF65-F5344CB8AC3E}">
+        <p14:creationId xmlns:p14="http://schemas.microsoft.com/office/powerpoint/2010/main" val="2642081345"/>
       </p:ext>
     </p:extLst>
   </p:cSld>
